--- a/기획서/쪽문서_인게임_영웅타워.pptx
+++ b/기획서/쪽문서_인게임_영웅타워.pptx
@@ -10,6 +10,12 @@
     <p:sldId id="257" r:id="rId4"/>
     <p:sldId id="259" r:id="rId5"/>
     <p:sldId id="262" r:id="rId6"/>
+    <p:sldId id="264" r:id="rId7"/>
+    <p:sldId id="265" r:id="rId8"/>
+    <p:sldId id="268" r:id="rId9"/>
+    <p:sldId id="271" r:id="rId10"/>
+    <p:sldId id="266" r:id="rId11"/>
+    <p:sldId id="274" r:id="rId12"/>
   </p:sldIdLst>
   <p:sldSz cx="12192000" cy="6858000"/>
   <p:notesSz cx="6858000" cy="9144000"/>
@@ -111,7 +117,7 @@
   <p:extLst>
     <p:ext uri="{EFAFB233-063F-42B5-8137-9DF3F51BA10A}">
       <p15:sldGuideLst xmlns:p15="http://schemas.microsoft.com/office/powerpoint/2012/main">
-        <p15:guide id="1" orient="horz" pos="2160" userDrawn="1">
+        <p15:guide id="1" orient="horz" pos="300" userDrawn="1">
           <p15:clr>
             <a:srgbClr val="A4A3A4"/>
           </p15:clr>
@@ -125,6 +131,18 @@
     </p:ext>
   </p:extLst>
 </p:presentation>
+</file>
+
+<file path=ppt/commentAuthors.xml><?xml version="1.0" encoding="utf-8"?>
+<p:cmAuthorLst xmlns:a="http://schemas.openxmlformats.org/drawingml/2006/main" xmlns:r="http://schemas.openxmlformats.org/officeDocument/2006/relationships" xmlns:p="http://schemas.openxmlformats.org/presentationml/2006/main">
+  <p:cmAuthor id="1" name="박준병" initials="박" lastIdx="1" clrIdx="0">
+    <p:extLst>
+      <p:ext uri="{19B8F6BF-5375-455C-9EA6-DF929625EA0E}">
+        <p15:presenceInfo xmlns:p15="http://schemas.microsoft.com/office/powerpoint/2012/main" userId="박준병" providerId="None"/>
+      </p:ext>
+    </p:extLst>
+  </p:cmAuthor>
+</p:cmAuthorLst>
 </file>
 
 <file path=ppt/slideLayouts/slideLayout1.xml><?xml version="1.0" encoding="utf-8"?>
@@ -274,7 +292,7 @@
           <a:p>
             <a:fld id="{CF5F5A59-4C58-44DB-986A-66764A921BDF}" type="datetimeFigureOut">
               <a:rPr lang="ko-KR" altLang="en-US" smtClean="0"/>
-              <a:t>2025-04-24</a:t>
+              <a:t>2025-05-20</a:t>
             </a:fld>
             <a:endParaRPr lang="ko-KR" altLang="en-US"/>
           </a:p>
@@ -472,7 +490,7 @@
           <a:p>
             <a:fld id="{CF5F5A59-4C58-44DB-986A-66764A921BDF}" type="datetimeFigureOut">
               <a:rPr lang="ko-KR" altLang="en-US" smtClean="0"/>
-              <a:t>2025-04-24</a:t>
+              <a:t>2025-05-20</a:t>
             </a:fld>
             <a:endParaRPr lang="ko-KR" altLang="en-US"/>
           </a:p>
@@ -680,7 +698,7 @@
           <a:p>
             <a:fld id="{CF5F5A59-4C58-44DB-986A-66764A921BDF}" type="datetimeFigureOut">
               <a:rPr lang="ko-KR" altLang="en-US" smtClean="0"/>
-              <a:t>2025-04-24</a:t>
+              <a:t>2025-05-20</a:t>
             </a:fld>
             <a:endParaRPr lang="ko-KR" altLang="en-US"/>
           </a:p>
@@ -878,7 +896,7 @@
           <a:p>
             <a:fld id="{CF5F5A59-4C58-44DB-986A-66764A921BDF}" type="datetimeFigureOut">
               <a:rPr lang="ko-KR" altLang="en-US" smtClean="0"/>
-              <a:t>2025-04-24</a:t>
+              <a:t>2025-05-20</a:t>
             </a:fld>
             <a:endParaRPr lang="ko-KR" altLang="en-US"/>
           </a:p>
@@ -1153,7 +1171,7 @@
           <a:p>
             <a:fld id="{CF5F5A59-4C58-44DB-986A-66764A921BDF}" type="datetimeFigureOut">
               <a:rPr lang="ko-KR" altLang="en-US" smtClean="0"/>
-              <a:t>2025-04-24</a:t>
+              <a:t>2025-05-20</a:t>
             </a:fld>
             <a:endParaRPr lang="ko-KR" altLang="en-US"/>
           </a:p>
@@ -1418,7 +1436,7 @@
           <a:p>
             <a:fld id="{CF5F5A59-4C58-44DB-986A-66764A921BDF}" type="datetimeFigureOut">
               <a:rPr lang="ko-KR" altLang="en-US" smtClean="0"/>
-              <a:t>2025-04-24</a:t>
+              <a:t>2025-05-20</a:t>
             </a:fld>
             <a:endParaRPr lang="ko-KR" altLang="en-US"/>
           </a:p>
@@ -1830,7 +1848,7 @@
           <a:p>
             <a:fld id="{CF5F5A59-4C58-44DB-986A-66764A921BDF}" type="datetimeFigureOut">
               <a:rPr lang="ko-KR" altLang="en-US" smtClean="0"/>
-              <a:t>2025-04-24</a:t>
+              <a:t>2025-05-20</a:t>
             </a:fld>
             <a:endParaRPr lang="ko-KR" altLang="en-US"/>
           </a:p>
@@ -1971,7 +1989,7 @@
           <a:p>
             <a:fld id="{CF5F5A59-4C58-44DB-986A-66764A921BDF}" type="datetimeFigureOut">
               <a:rPr lang="ko-KR" altLang="en-US" smtClean="0"/>
-              <a:t>2025-04-24</a:t>
+              <a:t>2025-05-20</a:t>
             </a:fld>
             <a:endParaRPr lang="ko-KR" altLang="en-US"/>
           </a:p>
@@ -2084,7 +2102,7 @@
           <a:p>
             <a:fld id="{CF5F5A59-4C58-44DB-986A-66764A921BDF}" type="datetimeFigureOut">
               <a:rPr lang="ko-KR" altLang="en-US" smtClean="0"/>
-              <a:t>2025-04-24</a:t>
+              <a:t>2025-05-20</a:t>
             </a:fld>
             <a:endParaRPr lang="ko-KR" altLang="en-US"/>
           </a:p>
@@ -2395,7 +2413,7 @@
           <a:p>
             <a:fld id="{CF5F5A59-4C58-44DB-986A-66764A921BDF}" type="datetimeFigureOut">
               <a:rPr lang="ko-KR" altLang="en-US" smtClean="0"/>
-              <a:t>2025-04-24</a:t>
+              <a:t>2025-05-20</a:t>
             </a:fld>
             <a:endParaRPr lang="ko-KR" altLang="en-US"/>
           </a:p>
@@ -2683,7 +2701,7 @@
           <a:p>
             <a:fld id="{CF5F5A59-4C58-44DB-986A-66764A921BDF}" type="datetimeFigureOut">
               <a:rPr lang="ko-KR" altLang="en-US" smtClean="0"/>
-              <a:t>2025-04-24</a:t>
+              <a:t>2025-05-20</a:t>
             </a:fld>
             <a:endParaRPr lang="ko-KR" altLang="en-US"/>
           </a:p>
@@ -2924,7 +2942,7 @@
           <a:p>
             <a:fld id="{CF5F5A59-4C58-44DB-986A-66764A921BDF}" type="datetimeFigureOut">
               <a:rPr lang="ko-KR" altLang="en-US" smtClean="0"/>
-              <a:t>2025-04-24</a:t>
+              <a:t>2025-05-20</a:t>
             </a:fld>
             <a:endParaRPr lang="ko-KR" altLang="en-US"/>
           </a:p>
@@ -3396,6 +3414,3790 @@
 </p:sld>
 </file>
 
+<file path=ppt/slides/slide10.xml><?xml version="1.0" encoding="utf-8"?>
+<p:sld xmlns:a="http://schemas.openxmlformats.org/drawingml/2006/main" xmlns:r="http://schemas.openxmlformats.org/officeDocument/2006/relationships" xmlns:p="http://schemas.openxmlformats.org/presentationml/2006/main">
+  <p:cSld>
+    <p:spTree>
+      <p:nvGrpSpPr>
+        <p:cNvPr id="1" name=""/>
+        <p:cNvGrpSpPr/>
+        <p:nvPr/>
+      </p:nvGrpSpPr>
+      <p:grpSpPr>
+        <a:xfrm>
+          <a:off x="0" y="0"/>
+          <a:ext cx="0" cy="0"/>
+          <a:chOff x="0" y="0"/>
+          <a:chExt cx="0" cy="0"/>
+        </a:xfrm>
+      </p:grpSpPr>
+      <p:sp>
+        <p:nvSpPr>
+          <p:cNvPr id="5" name="직사각형 4">
+            <a:extLst>
+              <a:ext uri="{FF2B5EF4-FFF2-40B4-BE49-F238E27FC236}">
+                <a16:creationId xmlns:a16="http://schemas.microsoft.com/office/drawing/2014/main" id="{284DD7ED-D641-4048-B2DC-2FD2B03ECAF3}"/>
+              </a:ext>
+            </a:extLst>
+          </p:cNvPr>
+          <p:cNvSpPr/>
+          <p:nvPr/>
+        </p:nvSpPr>
+        <p:spPr>
+          <a:xfrm>
+            <a:off x="859795" y="561040"/>
+            <a:ext cx="45719" cy="212031"/>
+          </a:xfrm>
+          <a:prstGeom prst="rect">
+            <a:avLst/>
+          </a:prstGeom>
+          <a:solidFill>
+            <a:srgbClr val="1A0C2F"/>
+          </a:solidFill>
+          <a:ln>
+            <a:noFill/>
+          </a:ln>
+        </p:spPr>
+        <p:style>
+          <a:lnRef idx="2">
+            <a:schemeClr val="accent1">
+              <a:shade val="50000"/>
+            </a:schemeClr>
+          </a:lnRef>
+          <a:fillRef idx="1">
+            <a:schemeClr val="accent1"/>
+          </a:fillRef>
+          <a:effectRef idx="0">
+            <a:schemeClr val="accent1"/>
+          </a:effectRef>
+          <a:fontRef idx="minor">
+            <a:schemeClr val="lt1"/>
+          </a:fontRef>
+        </p:style>
+        <p:txBody>
+          <a:bodyPr rtlCol="0" anchor="ctr"/>
+          <a:lstStyle/>
+          <a:p>
+            <a:pPr algn="ctr"/>
+            <a:endParaRPr lang="ko-KR" altLang="en-US" dirty="0"/>
+          </a:p>
+        </p:txBody>
+      </p:sp>
+      <p:sp>
+        <p:nvSpPr>
+          <p:cNvPr id="6" name="TextBox 5">
+            <a:extLst>
+              <a:ext uri="{FF2B5EF4-FFF2-40B4-BE49-F238E27FC236}">
+                <a16:creationId xmlns:a16="http://schemas.microsoft.com/office/drawing/2014/main" id="{ED4895FC-AD32-4677-B940-70D4BECD64E1}"/>
+              </a:ext>
+            </a:extLst>
+          </p:cNvPr>
+          <p:cNvSpPr txBox="1"/>
+          <p:nvPr/>
+        </p:nvSpPr>
+        <p:spPr>
+          <a:xfrm>
+            <a:off x="840746" y="513168"/>
+            <a:ext cx="1388522" cy="307777"/>
+          </a:xfrm>
+          <a:prstGeom prst="rect">
+            <a:avLst/>
+          </a:prstGeom>
+          <a:noFill/>
+        </p:spPr>
+        <p:txBody>
+          <a:bodyPr wrap="none" rtlCol="0">
+            <a:spAutoFit/>
+          </a:bodyPr>
+          <a:lstStyle/>
+          <a:p>
+            <a:r>
+              <a:rPr lang="en-US" altLang="ko-KR" sz="1400" b="1" dirty="0">
+                <a:solidFill>
+                  <a:srgbClr val="1A0C2F"/>
+                </a:solidFill>
+                <a:latin typeface="에스코어 드림 5 Medium" panose="020B0503030302020204" pitchFamily="34" charset="-127"/>
+                <a:ea typeface="에스코어 드림 5 Medium" panose="020B0503030302020204" pitchFamily="34" charset="-127"/>
+              </a:rPr>
+              <a:t>2-3. </a:t>
+            </a:r>
+            <a:r>
+              <a:rPr lang="ko-KR" altLang="en-US" sz="1400" b="1" dirty="0">
+                <a:solidFill>
+                  <a:srgbClr val="1A0C2F"/>
+                </a:solidFill>
+                <a:latin typeface="에스코어 드림 5 Medium" panose="020B0503030302020204" pitchFamily="34" charset="-127"/>
+                <a:ea typeface="에스코어 드림 5 Medium" panose="020B0503030302020204" pitchFamily="34" charset="-127"/>
+              </a:rPr>
+              <a:t>규칙 정리</a:t>
+            </a:r>
+          </a:p>
+        </p:txBody>
+      </p:sp>
+      <p:sp>
+        <p:nvSpPr>
+          <p:cNvPr id="7" name="TextBox 6">
+            <a:extLst>
+              <a:ext uri="{FF2B5EF4-FFF2-40B4-BE49-F238E27FC236}">
+                <a16:creationId xmlns:a16="http://schemas.microsoft.com/office/drawing/2014/main" id="{CD091E2A-0CA9-46D9-96A4-09EEBF073158}"/>
+              </a:ext>
+            </a:extLst>
+          </p:cNvPr>
+          <p:cNvSpPr txBox="1"/>
+          <p:nvPr/>
+        </p:nvSpPr>
+        <p:spPr>
+          <a:xfrm>
+            <a:off x="745699" y="755794"/>
+            <a:ext cx="3113353" cy="461665"/>
+          </a:xfrm>
+          <a:prstGeom prst="rect">
+            <a:avLst/>
+          </a:prstGeom>
+          <a:noFill/>
+        </p:spPr>
+        <p:txBody>
+          <a:bodyPr wrap="none" rtlCol="0">
+            <a:spAutoFit/>
+          </a:bodyPr>
+          <a:lstStyle/>
+          <a:p>
+            <a:r>
+              <a:rPr lang="ko-KR" altLang="en-US" sz="2400" dirty="0">
+                <a:solidFill>
+                  <a:srgbClr val="1A0C2F"/>
+                </a:solidFill>
+                <a:latin typeface="에스코어 드림 9 Black" panose="020B0A03030302020204" pitchFamily="34" charset="-127"/>
+                <a:ea typeface="에스코어 드림 9 Black" panose="020B0A03030302020204" pitchFamily="34" charset="-127"/>
+              </a:rPr>
+              <a:t>타워 설치의 규칙 정리</a:t>
+            </a:r>
+          </a:p>
+        </p:txBody>
+      </p:sp>
+      <p:sp>
+        <p:nvSpPr>
+          <p:cNvPr id="16" name="TextBox 15">
+            <a:extLst>
+              <a:ext uri="{FF2B5EF4-FFF2-40B4-BE49-F238E27FC236}">
+                <a16:creationId xmlns:a16="http://schemas.microsoft.com/office/drawing/2014/main" id="{6D52E1F9-B99F-4A4C-83DB-D81786ECD1CA}"/>
+              </a:ext>
+            </a:extLst>
+          </p:cNvPr>
+          <p:cNvSpPr txBox="1"/>
+          <p:nvPr/>
+        </p:nvSpPr>
+        <p:spPr>
+          <a:xfrm>
+            <a:off x="745699" y="1729294"/>
+            <a:ext cx="10594567" cy="1331070"/>
+          </a:xfrm>
+          <a:prstGeom prst="rect">
+            <a:avLst/>
+          </a:prstGeom>
+          <a:noFill/>
+        </p:spPr>
+        <p:txBody>
+          <a:bodyPr wrap="none" rtlCol="0">
+            <a:spAutoFit/>
+          </a:bodyPr>
+          <a:lstStyle/>
+          <a:p>
+            <a:pPr>
+              <a:lnSpc>
+                <a:spcPct val="120000"/>
+              </a:lnSpc>
+            </a:pPr>
+            <a:r>
+              <a:rPr lang="ko-KR" altLang="en-US" sz="1600" dirty="0">
+                <a:solidFill>
+                  <a:schemeClr val="tx1">
+                    <a:lumMod val="85000"/>
+                    <a:lumOff val="15000"/>
+                  </a:schemeClr>
+                </a:solidFill>
+                <a:latin typeface="에스코어 드림 7 ExtraBold" panose="020B0803030302020204" pitchFamily="34" charset="-127"/>
+                <a:ea typeface="에스코어 드림 7 ExtraBold" panose="020B0803030302020204" pitchFamily="34" charset="-127"/>
+              </a:rPr>
+              <a:t>타워 드래그 규칙 </a:t>
+            </a:r>
+            <a:endParaRPr lang="en-US" altLang="ko-KR" sz="1600" dirty="0">
+              <a:solidFill>
+                <a:schemeClr val="tx1">
+                  <a:lumMod val="85000"/>
+                  <a:lumOff val="15000"/>
+                </a:schemeClr>
+              </a:solidFill>
+              <a:latin typeface="에스코어 드림 7 ExtraBold" panose="020B0803030302020204" pitchFamily="34" charset="-127"/>
+              <a:ea typeface="에스코어 드림 7 ExtraBold" panose="020B0803030302020204" pitchFamily="34" charset="-127"/>
+            </a:endParaRPr>
+          </a:p>
+          <a:p>
+            <a:pPr>
+              <a:lnSpc>
+                <a:spcPct val="120000"/>
+              </a:lnSpc>
+            </a:pPr>
+            <a:r>
+              <a:rPr lang="en-US" altLang="ko-KR" sz="400" dirty="0">
+                <a:solidFill>
+                  <a:schemeClr val="tx1">
+                    <a:lumMod val="85000"/>
+                    <a:lumOff val="15000"/>
+                  </a:schemeClr>
+                </a:solidFill>
+                <a:latin typeface="에스코어 드림 5 Medium" panose="020B0503030302020204" pitchFamily="34" charset="-127"/>
+                <a:ea typeface="에스코어 드림 5 Medium" panose="020B0503030302020204" pitchFamily="34" charset="-127"/>
+              </a:rPr>
+              <a:t> </a:t>
+            </a:r>
+          </a:p>
+          <a:p>
+            <a:pPr defTabSz="180000">
+              <a:lnSpc>
+                <a:spcPct val="120000"/>
+              </a:lnSpc>
+            </a:pPr>
+            <a:r>
+              <a:rPr lang="en-US" altLang="ko-KR" sz="1200" dirty="0">
+                <a:solidFill>
+                  <a:schemeClr val="tx1">
+                    <a:lumMod val="85000"/>
+                    <a:lumOff val="15000"/>
+                  </a:schemeClr>
+                </a:solidFill>
+                <a:latin typeface="에스코어 드림 3 Light" panose="020B0303030302020204" pitchFamily="34" charset="-127"/>
+                <a:ea typeface="에스코어 드림 3 Light" panose="020B0303030302020204" pitchFamily="34" charset="-127"/>
+              </a:rPr>
+              <a:t> - </a:t>
+            </a:r>
+            <a:r>
+              <a:rPr lang="ko-KR" altLang="en-US" sz="1200" dirty="0">
+                <a:solidFill>
+                  <a:schemeClr val="tx1">
+                    <a:lumMod val="85000"/>
+                    <a:lumOff val="15000"/>
+                  </a:schemeClr>
+                </a:solidFill>
+                <a:latin typeface="에스코어 드림 3 Light" panose="020B0303030302020204" pitchFamily="34" charset="-127"/>
+                <a:ea typeface="에스코어 드림 3 Light" panose="020B0303030302020204" pitchFamily="34" charset="-127"/>
+              </a:rPr>
+              <a:t>디펜스 웨이브 중에만 배치 시도 가능</a:t>
+            </a:r>
+            <a:r>
+              <a:rPr lang="ko-KR" altLang="en-US" sz="1100" dirty="0">
+                <a:solidFill>
+                  <a:schemeClr val="tx1">
+                    <a:lumMod val="75000"/>
+                    <a:lumOff val="25000"/>
+                  </a:schemeClr>
+                </a:solidFill>
+                <a:latin typeface="에스코어 드림 3 Light" panose="020B0303030302020204" pitchFamily="34" charset="-127"/>
+                <a:ea typeface="에스코어 드림 3 Light" panose="020B0303030302020204" pitchFamily="34" charset="-127"/>
+              </a:rPr>
+              <a:t> </a:t>
+            </a:r>
+            <a:r>
+              <a:rPr lang="en-US" altLang="ko-KR" sz="1100" dirty="0">
+                <a:solidFill>
+                  <a:schemeClr val="tx1">
+                    <a:lumMod val="75000"/>
+                    <a:lumOff val="25000"/>
+                  </a:schemeClr>
+                </a:solidFill>
+                <a:latin typeface="에스코어 드림 3 Light" panose="020B0303030302020204" pitchFamily="34" charset="-127"/>
+                <a:ea typeface="에스코어 드림 3 Light" panose="020B0303030302020204" pitchFamily="34" charset="-127"/>
+              </a:rPr>
+              <a:t>(</a:t>
+            </a:r>
+            <a:r>
+              <a:rPr lang="ko-KR" altLang="en-US" sz="1100" dirty="0">
+                <a:solidFill>
+                  <a:schemeClr val="tx1">
+                    <a:lumMod val="75000"/>
+                    <a:lumOff val="25000"/>
+                  </a:schemeClr>
+                </a:solidFill>
+                <a:latin typeface="에스코어 드림 3 Light" panose="020B0303030302020204" pitchFamily="34" charset="-127"/>
+                <a:ea typeface="에스코어 드림 3 Light" panose="020B0303030302020204" pitchFamily="34" charset="-127"/>
+              </a:rPr>
+              <a:t>현재 드라이브 중 배치를 시도하면 에러를 출력함</a:t>
+            </a:r>
+            <a:r>
+              <a:rPr lang="en-US" altLang="ko-KR" sz="1100" dirty="0">
+                <a:solidFill>
+                  <a:schemeClr val="tx1">
+                    <a:lumMod val="75000"/>
+                    <a:lumOff val="25000"/>
+                  </a:schemeClr>
+                </a:solidFill>
+                <a:latin typeface="에스코어 드림 3 Light" panose="020B0303030302020204" pitchFamily="34" charset="-127"/>
+                <a:ea typeface="에스코어 드림 3 Light" panose="020B0303030302020204" pitchFamily="34" charset="-127"/>
+              </a:rPr>
+              <a:t>)</a:t>
+            </a:r>
+            <a:endParaRPr lang="en-US" altLang="ko-KR" sz="1200" dirty="0">
+              <a:solidFill>
+                <a:schemeClr val="tx1">
+                  <a:lumMod val="75000"/>
+                  <a:lumOff val="25000"/>
+                </a:schemeClr>
+              </a:solidFill>
+              <a:latin typeface="에스코어 드림 3 Light" panose="020B0303030302020204" pitchFamily="34" charset="-127"/>
+              <a:ea typeface="에스코어 드림 3 Light" panose="020B0303030302020204" pitchFamily="34" charset="-127"/>
+            </a:endParaRPr>
+          </a:p>
+          <a:p>
+            <a:pPr defTabSz="180000">
+              <a:lnSpc>
+                <a:spcPct val="120000"/>
+              </a:lnSpc>
+            </a:pPr>
+            <a:r>
+              <a:rPr lang="en-US" altLang="ko-KR" sz="1200" dirty="0">
+                <a:solidFill>
+                  <a:schemeClr val="tx1">
+                    <a:lumMod val="85000"/>
+                    <a:lumOff val="15000"/>
+                  </a:schemeClr>
+                </a:solidFill>
+                <a:latin typeface="에스코어 드림 3 Light" panose="020B0303030302020204" pitchFamily="34" charset="-127"/>
+                <a:ea typeface="에스코어 드림 3 Light" panose="020B0303030302020204" pitchFamily="34" charset="-127"/>
+              </a:rPr>
+              <a:t> - </a:t>
+            </a:r>
+            <a:r>
+              <a:rPr lang="ko-KR" altLang="en-US" sz="1200" dirty="0">
+                <a:solidFill>
+                  <a:schemeClr val="tx1">
+                    <a:lumMod val="85000"/>
+                    <a:lumOff val="15000"/>
+                  </a:schemeClr>
+                </a:solidFill>
+                <a:latin typeface="에스코어 드림 3 Light" panose="020B0303030302020204" pitchFamily="34" charset="-127"/>
+                <a:ea typeface="에스코어 드림 3 Light" panose="020B0303030302020204" pitchFamily="34" charset="-127"/>
+              </a:rPr>
+              <a:t>인벤토리에서 </a:t>
+            </a:r>
+            <a:r>
+              <a:rPr lang="ko-KR" altLang="en-US" sz="1200" dirty="0">
+                <a:solidFill>
+                  <a:srgbClr val="0070C0"/>
+                </a:solidFill>
+                <a:latin typeface="에스코어 드림 5 Medium" panose="020B0503030302020204" pitchFamily="34" charset="-127"/>
+                <a:ea typeface="에스코어 드림 5 Medium" panose="020B0503030302020204" pitchFamily="34" charset="-127"/>
+              </a:rPr>
+              <a:t>타워 </a:t>
+            </a:r>
+            <a:r>
+              <a:rPr lang="en-US" altLang="ko-KR" sz="1200" dirty="0">
+                <a:solidFill>
+                  <a:srgbClr val="0070C0"/>
+                </a:solidFill>
+                <a:latin typeface="에스코어 드림 5 Medium" panose="020B0503030302020204" pitchFamily="34" charset="-127"/>
+                <a:ea typeface="에스코어 드림 5 Medium" panose="020B0503030302020204" pitchFamily="34" charset="-127"/>
+              </a:rPr>
+              <a:t>UI</a:t>
+            </a:r>
+            <a:r>
+              <a:rPr lang="ko-KR" altLang="en-US" sz="1200" dirty="0">
+                <a:solidFill>
+                  <a:schemeClr val="tx1">
+                    <a:lumMod val="85000"/>
+                    <a:lumOff val="15000"/>
+                  </a:schemeClr>
+                </a:solidFill>
+                <a:latin typeface="에스코어 드림 3 Light" panose="020B0303030302020204" pitchFamily="34" charset="-127"/>
+                <a:ea typeface="에스코어 드림 3 Light" panose="020B0303030302020204" pitchFamily="34" charset="-127"/>
+              </a:rPr>
+              <a:t>를 드래그하면</a:t>
+            </a:r>
+            <a:r>
+              <a:rPr lang="en-US" altLang="ko-KR" sz="1200" dirty="0">
+                <a:solidFill>
+                  <a:schemeClr val="tx1">
+                    <a:lumMod val="85000"/>
+                    <a:lumOff val="15000"/>
+                  </a:schemeClr>
+                </a:solidFill>
+                <a:latin typeface="에스코어 드림 3 Light" panose="020B0303030302020204" pitchFamily="34" charset="-127"/>
+                <a:ea typeface="에스코어 드림 3 Light" panose="020B0303030302020204" pitchFamily="34" charset="-127"/>
+              </a:rPr>
+              <a:t>, </a:t>
+            </a:r>
+            <a:r>
+              <a:rPr lang="ko-KR" altLang="en-US" sz="1200" dirty="0">
+                <a:solidFill>
+                  <a:schemeClr val="tx1">
+                    <a:lumMod val="85000"/>
+                    <a:lumOff val="15000"/>
+                  </a:schemeClr>
+                </a:solidFill>
+                <a:latin typeface="에스코어 드림 3 Light" panose="020B0303030302020204" pitchFamily="34" charset="-127"/>
+                <a:ea typeface="에스코어 드림 3 Light" panose="020B0303030302020204" pitchFamily="34" charset="-127"/>
+              </a:rPr>
+              <a:t>해당 </a:t>
+            </a:r>
+            <a:r>
+              <a:rPr lang="ko-KR" altLang="en-US" sz="1200" dirty="0">
+                <a:solidFill>
+                  <a:srgbClr val="EE7700"/>
+                </a:solidFill>
+                <a:latin typeface="에스코어 드림 5 Medium" panose="020B0503030302020204" pitchFamily="34" charset="-127"/>
+                <a:ea typeface="에스코어 드림 5 Medium" panose="020B0503030302020204" pitchFamily="34" charset="-127"/>
+              </a:rPr>
+              <a:t>타워 오브젝트</a:t>
+            </a:r>
+            <a:r>
+              <a:rPr lang="ko-KR" altLang="en-US" sz="1200" dirty="0">
+                <a:solidFill>
+                  <a:schemeClr val="tx1">
+                    <a:lumMod val="85000"/>
+                    <a:lumOff val="15000"/>
+                  </a:schemeClr>
+                </a:solidFill>
+                <a:latin typeface="에스코어 드림 3 Light" panose="020B0303030302020204" pitchFamily="34" charset="-127"/>
+                <a:ea typeface="에스코어 드림 3 Light" panose="020B0303030302020204" pitchFamily="34" charset="-127"/>
+              </a:rPr>
+              <a:t>가</a:t>
+            </a:r>
+            <a:r>
+              <a:rPr lang="en-US" altLang="ko-KR" sz="1100" dirty="0">
+                <a:solidFill>
+                  <a:srgbClr val="EE7700"/>
+                </a:solidFill>
+                <a:latin typeface="에스코어 드림 3 Light" panose="020B0303030302020204" pitchFamily="34" charset="-127"/>
+                <a:ea typeface="에스코어 드림 3 Light" panose="020B0303030302020204" pitchFamily="34" charset="-127"/>
+              </a:rPr>
+              <a:t>(GameObject</a:t>
+            </a:r>
+            <a:r>
+              <a:rPr lang="ko-KR" altLang="en-US" sz="1100" dirty="0">
+                <a:solidFill>
+                  <a:srgbClr val="EE7700"/>
+                </a:solidFill>
+                <a:latin typeface="에스코어 드림 3 Light" panose="020B0303030302020204" pitchFamily="34" charset="-127"/>
+                <a:ea typeface="에스코어 드림 3 Light" panose="020B0303030302020204" pitchFamily="34" charset="-127"/>
+              </a:rPr>
+              <a:t>프리팹</a:t>
+            </a:r>
+            <a:r>
+              <a:rPr lang="en-US" altLang="ko-KR" sz="1100" dirty="0">
+                <a:solidFill>
+                  <a:srgbClr val="EE7700"/>
+                </a:solidFill>
+                <a:latin typeface="에스코어 드림 3 Light" panose="020B0303030302020204" pitchFamily="34" charset="-127"/>
+                <a:ea typeface="에스코어 드림 3 Light" panose="020B0303030302020204" pitchFamily="34" charset="-127"/>
+              </a:rPr>
+              <a:t>)</a:t>
+            </a:r>
+            <a:r>
+              <a:rPr lang="ko-KR" altLang="en-US" sz="1100" dirty="0">
+                <a:solidFill>
+                  <a:srgbClr val="0070C0"/>
+                </a:solidFill>
+                <a:latin typeface="에스코어 드림 3 Light" panose="020B0303030302020204" pitchFamily="34" charset="-127"/>
+                <a:ea typeface="에스코어 드림 3 Light" panose="020B0303030302020204" pitchFamily="34" charset="-127"/>
+              </a:rPr>
+              <a:t> </a:t>
+            </a:r>
+            <a:r>
+              <a:rPr lang="ko-KR" altLang="en-US" sz="1200" dirty="0">
+                <a:solidFill>
+                  <a:schemeClr val="tx1">
+                    <a:lumMod val="85000"/>
+                    <a:lumOff val="15000"/>
+                  </a:schemeClr>
+                </a:solidFill>
+                <a:latin typeface="에스코어 드림 3 Light" panose="020B0303030302020204" pitchFamily="34" charset="-127"/>
+                <a:ea typeface="에스코어 드림 3 Light" panose="020B0303030302020204" pitchFamily="34" charset="-127"/>
+              </a:rPr>
+              <a:t>터치하는 위치를 따라감</a:t>
+            </a:r>
+            <a:r>
+              <a:rPr lang="ko-KR" altLang="en-US" sz="1100" dirty="0">
+                <a:solidFill>
+                  <a:schemeClr val="tx1">
+                    <a:lumMod val="85000"/>
+                    <a:lumOff val="15000"/>
+                  </a:schemeClr>
+                </a:solidFill>
+                <a:latin typeface="에스코어 드림 3 Light" panose="020B0303030302020204" pitchFamily="34" charset="-127"/>
+                <a:ea typeface="에스코어 드림 3 Light" panose="020B0303030302020204" pitchFamily="34" charset="-127"/>
+              </a:rPr>
+              <a:t> </a:t>
+            </a:r>
+            <a:r>
+              <a:rPr lang="en-US" altLang="ko-KR" sz="1100" dirty="0">
+                <a:solidFill>
+                  <a:schemeClr val="tx1">
+                    <a:lumMod val="75000"/>
+                    <a:lumOff val="25000"/>
+                  </a:schemeClr>
+                </a:solidFill>
+                <a:latin typeface="에스코어 드림 3 Light" panose="020B0303030302020204" pitchFamily="34" charset="-127"/>
+                <a:ea typeface="에스코어 드림 3 Light" panose="020B0303030302020204" pitchFamily="34" charset="-127"/>
+              </a:rPr>
+              <a:t>(Hero </a:t>
+            </a:r>
+            <a:r>
+              <a:rPr lang="ko-KR" altLang="en-US" sz="1100" dirty="0">
+                <a:solidFill>
+                  <a:schemeClr val="tx1">
+                    <a:lumMod val="75000"/>
+                    <a:lumOff val="25000"/>
+                  </a:schemeClr>
+                </a:solidFill>
+                <a:latin typeface="에스코어 드림 3 Light" panose="020B0303030302020204" pitchFamily="34" charset="-127"/>
+                <a:ea typeface="에스코어 드림 3 Light" panose="020B0303030302020204" pitchFamily="34" charset="-127"/>
+              </a:rPr>
+              <a:t>테이블에서 </a:t>
+            </a:r>
+            <a:r>
+              <a:rPr lang="en-US" altLang="ko-KR" sz="1100" dirty="0">
+                <a:solidFill>
+                  <a:schemeClr val="tx1">
+                    <a:lumMod val="75000"/>
+                    <a:lumOff val="25000"/>
+                  </a:schemeClr>
+                </a:solidFill>
+                <a:latin typeface="에스코어 드림 3 Light" panose="020B0303030302020204" pitchFamily="34" charset="-127"/>
+                <a:ea typeface="에스코어 드림 3 Light" panose="020B0303030302020204" pitchFamily="34" charset="-127"/>
+              </a:rPr>
+              <a:t>#HeroTower</a:t>
+            </a:r>
+            <a:r>
+              <a:rPr lang="ko-KR" altLang="en-US" sz="1100" dirty="0">
+                <a:solidFill>
+                  <a:schemeClr val="tx1">
+                    <a:lumMod val="75000"/>
+                    <a:lumOff val="25000"/>
+                  </a:schemeClr>
+                </a:solidFill>
+                <a:latin typeface="에스코어 드림 3 Light" panose="020B0303030302020204" pitchFamily="34" charset="-127"/>
+                <a:ea typeface="에스코어 드림 3 Light" panose="020B0303030302020204" pitchFamily="34" charset="-127"/>
+              </a:rPr>
+              <a:t>시트의 </a:t>
+            </a:r>
+            <a:r>
+              <a:rPr lang="en-US" altLang="ko-KR" sz="1100" dirty="0">
+                <a:solidFill>
+                  <a:schemeClr val="tx1">
+                    <a:lumMod val="75000"/>
+                    <a:lumOff val="25000"/>
+                  </a:schemeClr>
+                </a:solidFill>
+                <a:latin typeface="에스코어 드림 3 Light" panose="020B0303030302020204" pitchFamily="34" charset="-127"/>
+                <a:ea typeface="에스코어 드림 3 Light" panose="020B0303030302020204" pitchFamily="34" charset="-127"/>
+              </a:rPr>
+              <a:t>PrefabAddr</a:t>
+            </a:r>
+            <a:r>
+              <a:rPr lang="ko-KR" altLang="en-US" sz="1100" dirty="0">
+                <a:solidFill>
+                  <a:schemeClr val="tx1">
+                    <a:lumMod val="75000"/>
+                    <a:lumOff val="25000"/>
+                  </a:schemeClr>
+                </a:solidFill>
+                <a:latin typeface="에스코어 드림 3 Light" panose="020B0303030302020204" pitchFamily="34" charset="-127"/>
+                <a:ea typeface="에스코어 드림 3 Light" panose="020B0303030302020204" pitchFamily="34" charset="-127"/>
+              </a:rPr>
+              <a:t>컬럼</a:t>
+            </a:r>
+            <a:r>
+              <a:rPr lang="en-US" altLang="ko-KR" sz="1100" dirty="0">
+                <a:solidFill>
+                  <a:schemeClr val="tx1">
+                    <a:lumMod val="75000"/>
+                    <a:lumOff val="25000"/>
+                  </a:schemeClr>
+                </a:solidFill>
+                <a:latin typeface="에스코어 드림 3 Light" panose="020B0303030302020204" pitchFamily="34" charset="-127"/>
+                <a:ea typeface="에스코어 드림 3 Light" panose="020B0303030302020204" pitchFamily="34" charset="-127"/>
+              </a:rPr>
+              <a:t>)</a:t>
+            </a:r>
+            <a:endParaRPr lang="ko-KR" altLang="en-US" sz="1100" dirty="0">
+              <a:solidFill>
+                <a:schemeClr val="tx1">
+                  <a:lumMod val="75000"/>
+                  <a:lumOff val="25000"/>
+                </a:schemeClr>
+              </a:solidFill>
+              <a:latin typeface="에스코어 드림 3 Light" panose="020B0303030302020204" pitchFamily="34" charset="-127"/>
+              <a:ea typeface="에스코어 드림 3 Light" panose="020B0303030302020204" pitchFamily="34" charset="-127"/>
+            </a:endParaRPr>
+          </a:p>
+          <a:p>
+            <a:pPr defTabSz="180000">
+              <a:lnSpc>
+                <a:spcPct val="120000"/>
+              </a:lnSpc>
+            </a:pPr>
+            <a:r>
+              <a:rPr lang="en-US" altLang="ko-KR" sz="1200" dirty="0">
+                <a:solidFill>
+                  <a:schemeClr val="tx1">
+                    <a:lumMod val="85000"/>
+                    <a:lumOff val="15000"/>
+                  </a:schemeClr>
+                </a:solidFill>
+                <a:latin typeface="에스코어 드림 3 Light" panose="020B0303030302020204" pitchFamily="34" charset="-127"/>
+                <a:ea typeface="에스코어 드림 3 Light" panose="020B0303030302020204" pitchFamily="34" charset="-127"/>
+              </a:rPr>
+              <a:t> - </a:t>
+            </a:r>
+            <a:r>
+              <a:rPr lang="ko-KR" altLang="en-US" sz="1200" dirty="0">
+                <a:solidFill>
+                  <a:srgbClr val="EE7700"/>
+                </a:solidFill>
+                <a:latin typeface="에스코어 드림 5 Medium" panose="020B0503030302020204" pitchFamily="34" charset="-127"/>
+                <a:ea typeface="에스코어 드림 5 Medium" panose="020B0503030302020204" pitchFamily="34" charset="-127"/>
+              </a:rPr>
+              <a:t>타워 오브젝트</a:t>
+            </a:r>
+            <a:r>
+              <a:rPr lang="ko-KR" altLang="en-US" sz="1200" dirty="0">
+                <a:solidFill>
+                  <a:schemeClr val="tx1">
+                    <a:lumMod val="85000"/>
+                    <a:lumOff val="15000"/>
+                  </a:schemeClr>
+                </a:solidFill>
+                <a:latin typeface="에스코어 드림 3 Light" panose="020B0303030302020204" pitchFamily="34" charset="-127"/>
+                <a:ea typeface="에스코어 드림 3 Light" panose="020B0303030302020204" pitchFamily="34" charset="-127"/>
+              </a:rPr>
+              <a:t>는 격자 단위로 움직임</a:t>
+            </a:r>
+            <a:endParaRPr lang="en-US" altLang="ko-KR" sz="1200" dirty="0">
+              <a:solidFill>
+                <a:schemeClr val="tx1">
+                  <a:lumMod val="85000"/>
+                  <a:lumOff val="15000"/>
+                </a:schemeClr>
+              </a:solidFill>
+              <a:latin typeface="에스코어 드림 3 Light" panose="020B0303030302020204" pitchFamily="34" charset="-127"/>
+              <a:ea typeface="에스코어 드림 3 Light" panose="020B0303030302020204" pitchFamily="34" charset="-127"/>
+            </a:endParaRPr>
+          </a:p>
+          <a:p>
+            <a:pPr defTabSz="180000">
+              <a:lnSpc>
+                <a:spcPct val="120000"/>
+              </a:lnSpc>
+            </a:pPr>
+            <a:r>
+              <a:rPr lang="en-US" altLang="ko-KR" sz="1200" dirty="0">
+                <a:solidFill>
+                  <a:schemeClr val="tx1">
+                    <a:lumMod val="85000"/>
+                    <a:lumOff val="15000"/>
+                  </a:schemeClr>
+                </a:solidFill>
+                <a:latin typeface="에스코어 드림 3 Light" panose="020B0303030302020204" pitchFamily="34" charset="-127"/>
+                <a:ea typeface="에스코어 드림 3 Light" panose="020B0303030302020204" pitchFamily="34" charset="-127"/>
+              </a:rPr>
+              <a:t> - </a:t>
+            </a:r>
+            <a:r>
+              <a:rPr lang="ko-KR" altLang="en-US" sz="1200" dirty="0">
+                <a:solidFill>
+                  <a:srgbClr val="EE7700"/>
+                </a:solidFill>
+                <a:latin typeface="에스코어 드림 5 Medium" panose="020B0503030302020204" pitchFamily="34" charset="-127"/>
+                <a:ea typeface="에스코어 드림 5 Medium" panose="020B0503030302020204" pitchFamily="34" charset="-127"/>
+              </a:rPr>
+              <a:t>타워 오브젝트</a:t>
+            </a:r>
+            <a:r>
+              <a:rPr lang="ko-KR" altLang="en-US" sz="1200" dirty="0">
+                <a:solidFill>
+                  <a:schemeClr val="tx1">
+                    <a:lumMod val="85000"/>
+                    <a:lumOff val="15000"/>
+                  </a:schemeClr>
+                </a:solidFill>
+                <a:latin typeface="에스코어 드림 3 Light" panose="020B0303030302020204" pitchFamily="34" charset="-127"/>
+                <a:ea typeface="에스코어 드림 3 Light" panose="020B0303030302020204" pitchFamily="34" charset="-127"/>
+              </a:rPr>
+              <a:t>가 드래그 중이면</a:t>
+            </a:r>
+            <a:r>
+              <a:rPr lang="en-US" altLang="ko-KR" sz="1200" dirty="0">
+                <a:solidFill>
+                  <a:schemeClr val="tx1">
+                    <a:lumMod val="85000"/>
+                    <a:lumOff val="15000"/>
+                  </a:schemeClr>
+                </a:solidFill>
+                <a:latin typeface="에스코어 드림 3 Light" panose="020B0303030302020204" pitchFamily="34" charset="-127"/>
+                <a:ea typeface="에스코어 드림 3 Light" panose="020B0303030302020204" pitchFamily="34" charset="-127"/>
+              </a:rPr>
+              <a:t> </a:t>
+            </a:r>
+            <a:r>
+              <a:rPr lang="ko-KR" altLang="en-US" sz="1200" dirty="0">
+                <a:solidFill>
+                  <a:schemeClr val="tx1">
+                    <a:lumMod val="85000"/>
+                    <a:lumOff val="15000"/>
+                  </a:schemeClr>
+                </a:solidFill>
+                <a:latin typeface="에스코어 드림 3 Light" panose="020B0303030302020204" pitchFamily="34" charset="-127"/>
+                <a:ea typeface="에스코어 드림 3 Light" panose="020B0303030302020204" pitchFamily="34" charset="-127"/>
+              </a:rPr>
+              <a:t>아래의 규칙을 수행함</a:t>
+            </a:r>
+            <a:endParaRPr lang="en-US" altLang="ko-KR" sz="1200" dirty="0">
+              <a:solidFill>
+                <a:schemeClr val="tx1">
+                  <a:lumMod val="85000"/>
+                  <a:lumOff val="15000"/>
+                </a:schemeClr>
+              </a:solidFill>
+              <a:latin typeface="에스코어 드림 3 Light" panose="020B0303030302020204" pitchFamily="34" charset="-127"/>
+              <a:ea typeface="에스코어 드림 3 Light" panose="020B0303030302020204" pitchFamily="34" charset="-127"/>
+            </a:endParaRPr>
+          </a:p>
+        </p:txBody>
+      </p:sp>
+      <p:sp>
+        <p:nvSpPr>
+          <p:cNvPr id="9" name="TextBox 8">
+            <a:extLst>
+              <a:ext uri="{FF2B5EF4-FFF2-40B4-BE49-F238E27FC236}">
+                <a16:creationId xmlns:a16="http://schemas.microsoft.com/office/drawing/2014/main" id="{E1CB096F-78E4-4F67-BC1B-F1C4DA092058}"/>
+              </a:ext>
+            </a:extLst>
+          </p:cNvPr>
+          <p:cNvSpPr txBox="1"/>
+          <p:nvPr/>
+        </p:nvSpPr>
+        <p:spPr>
+          <a:xfrm>
+            <a:off x="745699" y="3329405"/>
+            <a:ext cx="10373353" cy="3528595"/>
+          </a:xfrm>
+          <a:prstGeom prst="rect">
+            <a:avLst/>
+          </a:prstGeom>
+          <a:noFill/>
+        </p:spPr>
+        <p:txBody>
+          <a:bodyPr wrap="none" rtlCol="0">
+            <a:spAutoFit/>
+          </a:bodyPr>
+          <a:lstStyle/>
+          <a:p>
+            <a:pPr>
+              <a:lnSpc>
+                <a:spcPct val="120000"/>
+              </a:lnSpc>
+            </a:pPr>
+            <a:r>
+              <a:rPr lang="ko-KR" altLang="en-US" sz="1600" dirty="0">
+                <a:solidFill>
+                  <a:srgbClr val="EE7700"/>
+                </a:solidFill>
+                <a:latin typeface="에스코어 드림 7 ExtraBold" panose="020B0803030302020204" pitchFamily="34" charset="-127"/>
+                <a:ea typeface="에스코어 드림 7 ExtraBold" panose="020B0803030302020204" pitchFamily="34" charset="-127"/>
+              </a:rPr>
+              <a:t>타워 오브젝트</a:t>
+            </a:r>
+            <a:r>
+              <a:rPr lang="ko-KR" altLang="en-US" sz="1600" dirty="0">
+                <a:solidFill>
+                  <a:schemeClr val="tx1">
+                    <a:lumMod val="85000"/>
+                    <a:lumOff val="15000"/>
+                  </a:schemeClr>
+                </a:solidFill>
+                <a:latin typeface="에스코어 드림 7 ExtraBold" panose="020B0803030302020204" pitchFamily="34" charset="-127"/>
+                <a:ea typeface="에스코어 드림 7 ExtraBold" panose="020B0803030302020204" pitchFamily="34" charset="-127"/>
+              </a:rPr>
+              <a:t> 드래그 규칙 </a:t>
+            </a:r>
+            <a:endParaRPr lang="en-US" altLang="ko-KR" sz="1600" dirty="0">
+              <a:solidFill>
+                <a:schemeClr val="tx1">
+                  <a:lumMod val="85000"/>
+                  <a:lumOff val="15000"/>
+                </a:schemeClr>
+              </a:solidFill>
+              <a:latin typeface="에스코어 드림 7 ExtraBold" panose="020B0803030302020204" pitchFamily="34" charset="-127"/>
+              <a:ea typeface="에스코어 드림 7 ExtraBold" panose="020B0803030302020204" pitchFamily="34" charset="-127"/>
+            </a:endParaRPr>
+          </a:p>
+          <a:p>
+            <a:pPr>
+              <a:lnSpc>
+                <a:spcPct val="120000"/>
+              </a:lnSpc>
+            </a:pPr>
+            <a:r>
+              <a:rPr lang="en-US" altLang="ko-KR" sz="400" dirty="0">
+                <a:solidFill>
+                  <a:schemeClr val="tx1">
+                    <a:lumMod val="85000"/>
+                    <a:lumOff val="15000"/>
+                  </a:schemeClr>
+                </a:solidFill>
+                <a:latin typeface="에스코어 드림 5 Medium" panose="020B0503030302020204" pitchFamily="34" charset="-127"/>
+                <a:ea typeface="에스코어 드림 5 Medium" panose="020B0503030302020204" pitchFamily="34" charset="-127"/>
+              </a:rPr>
+              <a:t> </a:t>
+            </a:r>
+            <a:endParaRPr lang="en-US" altLang="ko-KR" sz="1200" dirty="0">
+              <a:solidFill>
+                <a:schemeClr val="tx1">
+                  <a:lumMod val="85000"/>
+                  <a:lumOff val="15000"/>
+                </a:schemeClr>
+              </a:solidFill>
+              <a:latin typeface="에스코어 드림 3 Light" panose="020B0303030302020204" pitchFamily="34" charset="-127"/>
+              <a:ea typeface="에스코어 드림 3 Light" panose="020B0303030302020204" pitchFamily="34" charset="-127"/>
+            </a:endParaRPr>
+          </a:p>
+          <a:p>
+            <a:pPr defTabSz="180000">
+              <a:lnSpc>
+                <a:spcPct val="120000"/>
+              </a:lnSpc>
+            </a:pPr>
+            <a:r>
+              <a:rPr lang="en-US" altLang="ko-KR" sz="1200" dirty="0">
+                <a:solidFill>
+                  <a:schemeClr val="tx1">
+                    <a:lumMod val="85000"/>
+                    <a:lumOff val="15000"/>
+                  </a:schemeClr>
+                </a:solidFill>
+                <a:latin typeface="에스코어 드림 3 Light" panose="020B0303030302020204" pitchFamily="34" charset="-127"/>
+                <a:ea typeface="에스코어 드림 3 Light" panose="020B0303030302020204" pitchFamily="34" charset="-127"/>
+              </a:rPr>
+              <a:t> - </a:t>
+            </a:r>
+            <a:r>
+              <a:rPr lang="ko-KR" altLang="en-US" sz="1200" dirty="0">
+                <a:solidFill>
+                  <a:schemeClr val="tx1">
+                    <a:lumMod val="85000"/>
+                    <a:lumOff val="15000"/>
+                  </a:schemeClr>
+                </a:solidFill>
+                <a:latin typeface="에스코어 드림 3 Light" panose="020B0303030302020204" pitchFamily="34" charset="-127"/>
+                <a:ea typeface="에스코어 드림 3 Light" panose="020B0303030302020204" pitchFamily="34" charset="-127"/>
+              </a:rPr>
+              <a:t>타워 드래그 중에는 맵에 격자 오브젝트가 활성화됨</a:t>
+            </a:r>
+            <a:r>
+              <a:rPr lang="ko-KR" altLang="en-US" sz="1100" dirty="0">
+                <a:solidFill>
+                  <a:schemeClr val="tx1">
+                    <a:lumMod val="75000"/>
+                    <a:lumOff val="25000"/>
+                  </a:schemeClr>
+                </a:solidFill>
+                <a:latin typeface="에스코어 드림 3 Light" panose="020B0303030302020204" pitchFamily="34" charset="-127"/>
+                <a:ea typeface="에스코어 드림 3 Light" panose="020B0303030302020204" pitchFamily="34" charset="-127"/>
+              </a:rPr>
+              <a:t> </a:t>
+            </a:r>
+            <a:r>
+              <a:rPr lang="en-US" altLang="ko-KR" sz="1100" dirty="0">
+                <a:solidFill>
+                  <a:schemeClr val="tx1">
+                    <a:lumMod val="75000"/>
+                    <a:lumOff val="25000"/>
+                  </a:schemeClr>
+                </a:solidFill>
+                <a:latin typeface="에스코어 드림 3 Light" panose="020B0303030302020204" pitchFamily="34" charset="-127"/>
+                <a:ea typeface="에스코어 드림 3 Light" panose="020B0303030302020204" pitchFamily="34" charset="-127"/>
+              </a:rPr>
+              <a:t>(※</a:t>
+            </a:r>
+            <a:r>
+              <a:rPr lang="ko-KR" altLang="en-US" sz="1100" dirty="0">
+                <a:solidFill>
+                  <a:schemeClr val="tx1">
+                    <a:lumMod val="75000"/>
+                    <a:lumOff val="25000"/>
+                  </a:schemeClr>
+                </a:solidFill>
+                <a:latin typeface="에스코어 드림 3 Light" panose="020B0303030302020204" pitchFamily="34" charset="-127"/>
+                <a:ea typeface="에스코어 드림 3 Light" panose="020B0303030302020204" pitchFamily="34" charset="-127"/>
+              </a:rPr>
+              <a:t>참고</a:t>
+            </a:r>
+            <a:r>
+              <a:rPr lang="en-US" altLang="ko-KR" sz="1100" dirty="0">
+                <a:solidFill>
+                  <a:schemeClr val="tx1">
+                    <a:lumMod val="75000"/>
+                    <a:lumOff val="25000"/>
+                  </a:schemeClr>
+                </a:solidFill>
+                <a:latin typeface="에스코어 드림 3 Light" panose="020B0303030302020204" pitchFamily="34" charset="-127"/>
+                <a:ea typeface="에스코어 드림 3 Light" panose="020B0303030302020204" pitchFamily="34" charset="-127"/>
+              </a:rPr>
+              <a:t>: Map_test</a:t>
+            </a:r>
+            <a:r>
+              <a:rPr lang="ko-KR" altLang="en-US" sz="1100" dirty="0">
+                <a:solidFill>
+                  <a:schemeClr val="tx1">
+                    <a:lumMod val="75000"/>
+                    <a:lumOff val="25000"/>
+                  </a:schemeClr>
+                </a:solidFill>
+                <a:latin typeface="에스코어 드림 3 Light" panose="020B0303030302020204" pitchFamily="34" charset="-127"/>
+                <a:ea typeface="에스코어 드림 3 Light" panose="020B0303030302020204" pitchFamily="34" charset="-127"/>
+              </a:rPr>
+              <a:t>을 프리팹화 하고 안에 격자용 오브젝트를 넣어둠</a:t>
+            </a:r>
+            <a:r>
+              <a:rPr lang="en-US" altLang="ko-KR" sz="1100" dirty="0">
+                <a:solidFill>
+                  <a:schemeClr val="tx1">
+                    <a:lumMod val="75000"/>
+                    <a:lumOff val="25000"/>
+                  </a:schemeClr>
+                </a:solidFill>
+                <a:latin typeface="에스코어 드림 3 Light" panose="020B0303030302020204" pitchFamily="34" charset="-127"/>
+                <a:ea typeface="에스코어 드림 3 Light" panose="020B0303030302020204" pitchFamily="34" charset="-127"/>
+              </a:rPr>
+              <a:t>)</a:t>
+            </a:r>
+            <a:endParaRPr lang="en-US" altLang="ko-KR" sz="1200" dirty="0">
+              <a:solidFill>
+                <a:schemeClr val="tx1">
+                  <a:lumMod val="85000"/>
+                  <a:lumOff val="15000"/>
+                </a:schemeClr>
+              </a:solidFill>
+              <a:latin typeface="에스코어 드림 3 Light" panose="020B0303030302020204" pitchFamily="34" charset="-127"/>
+              <a:ea typeface="에스코어 드림 3 Light" panose="020B0303030302020204" pitchFamily="34" charset="-127"/>
+            </a:endParaRPr>
+          </a:p>
+          <a:p>
+            <a:pPr defTabSz="180000">
+              <a:lnSpc>
+                <a:spcPct val="120000"/>
+              </a:lnSpc>
+            </a:pPr>
+            <a:r>
+              <a:rPr lang="en-US" altLang="ko-KR" sz="1200" dirty="0">
+                <a:solidFill>
+                  <a:schemeClr val="tx1">
+                    <a:lumMod val="85000"/>
+                    <a:lumOff val="15000"/>
+                  </a:schemeClr>
+                </a:solidFill>
+                <a:latin typeface="에스코어 드림 3 Light" panose="020B0303030302020204" pitchFamily="34" charset="-127"/>
+                <a:ea typeface="에스코어 드림 3 Light" panose="020B0303030302020204" pitchFamily="34" charset="-127"/>
+              </a:rPr>
+              <a:t> - </a:t>
+            </a:r>
+            <a:r>
+              <a:rPr lang="ko-KR" altLang="en-US" sz="1200" dirty="0">
+                <a:solidFill>
+                  <a:schemeClr val="tx1">
+                    <a:lumMod val="85000"/>
+                    <a:lumOff val="15000"/>
+                  </a:schemeClr>
+                </a:solidFill>
+                <a:latin typeface="에스코어 드림 3 Light" panose="020B0303030302020204" pitchFamily="34" charset="-127"/>
+                <a:ea typeface="에스코어 드림 3 Light" panose="020B0303030302020204" pitchFamily="34" charset="-127"/>
+              </a:rPr>
+              <a:t>타워 프리팹에 격자 오브젝트</a:t>
+            </a:r>
+            <a:r>
+              <a:rPr lang="en-US" altLang="ko-KR" sz="1200" dirty="0">
+                <a:solidFill>
+                  <a:schemeClr val="tx1">
+                    <a:lumMod val="85000"/>
+                    <a:lumOff val="15000"/>
+                  </a:schemeClr>
+                </a:solidFill>
+                <a:latin typeface="에스코어 드림 3 Light" panose="020B0303030302020204" pitchFamily="34" charset="-127"/>
+                <a:ea typeface="에스코어 드림 3 Light" panose="020B0303030302020204" pitchFamily="34" charset="-127"/>
+              </a:rPr>
+              <a:t>, </a:t>
+            </a:r>
+            <a:r>
+              <a:rPr lang="ko-KR" altLang="en-US" sz="1200" dirty="0">
+                <a:solidFill>
+                  <a:schemeClr val="tx1">
+                    <a:lumMod val="85000"/>
+                    <a:lumOff val="15000"/>
+                  </a:schemeClr>
+                </a:solidFill>
+                <a:latin typeface="에스코어 드림 3 Light" panose="020B0303030302020204" pitchFamily="34" charset="-127"/>
+                <a:ea typeface="에스코어 드림 3 Light" panose="020B0303030302020204" pitchFamily="34" charset="-127"/>
+              </a:rPr>
+              <a:t>공격 범위 오브젝트가 활성화됨</a:t>
+            </a:r>
+            <a:endParaRPr lang="en-US" altLang="ko-KR" sz="1200" dirty="0">
+              <a:solidFill>
+                <a:schemeClr val="tx1">
+                  <a:lumMod val="85000"/>
+                  <a:lumOff val="15000"/>
+                </a:schemeClr>
+              </a:solidFill>
+              <a:latin typeface="에스코어 드림 3 Light" panose="020B0303030302020204" pitchFamily="34" charset="-127"/>
+              <a:ea typeface="에스코어 드림 3 Light" panose="020B0303030302020204" pitchFamily="34" charset="-127"/>
+            </a:endParaRPr>
+          </a:p>
+          <a:p>
+            <a:pPr defTabSz="180000">
+              <a:lnSpc>
+                <a:spcPct val="120000"/>
+              </a:lnSpc>
+            </a:pPr>
+            <a:r>
+              <a:rPr lang="en-US" altLang="ko-KR" sz="1200" dirty="0">
+                <a:solidFill>
+                  <a:schemeClr val="tx1">
+                    <a:lumMod val="85000"/>
+                    <a:lumOff val="15000"/>
+                  </a:schemeClr>
+                </a:solidFill>
+                <a:latin typeface="에스코어 드림 3 Light" panose="020B0303030302020204" pitchFamily="34" charset="-127"/>
+                <a:ea typeface="에스코어 드림 3 Light" panose="020B0303030302020204" pitchFamily="34" charset="-127"/>
+              </a:rPr>
+              <a:t> - </a:t>
+            </a:r>
+            <a:r>
+              <a:rPr lang="ko-KR" altLang="en-US" sz="1200" dirty="0">
+                <a:solidFill>
+                  <a:schemeClr val="tx1">
+                    <a:lumMod val="85000"/>
+                    <a:lumOff val="15000"/>
+                  </a:schemeClr>
+                </a:solidFill>
+                <a:latin typeface="에스코어 드림 3 Light" panose="020B0303030302020204" pitchFamily="34" charset="-127"/>
+                <a:ea typeface="에스코어 드림 3 Light" panose="020B0303030302020204" pitchFamily="34" charset="-127"/>
+              </a:rPr>
+              <a:t>타워의 격자는 아래 조건에 따라 배치 가능</a:t>
+            </a:r>
+            <a:r>
+              <a:rPr lang="en-US" altLang="ko-KR" sz="1200" dirty="0">
+                <a:solidFill>
+                  <a:schemeClr val="tx1">
+                    <a:lumMod val="85000"/>
+                    <a:lumOff val="15000"/>
+                  </a:schemeClr>
+                </a:solidFill>
+                <a:latin typeface="에스코어 드림 3 Light" panose="020B0303030302020204" pitchFamily="34" charset="-127"/>
+                <a:ea typeface="에스코어 드림 3 Light" panose="020B0303030302020204" pitchFamily="34" charset="-127"/>
+              </a:rPr>
+              <a:t>/</a:t>
+            </a:r>
+            <a:r>
+              <a:rPr lang="ko-KR" altLang="en-US" sz="1200" dirty="0">
+                <a:solidFill>
+                  <a:schemeClr val="tx1">
+                    <a:lumMod val="85000"/>
+                    <a:lumOff val="15000"/>
+                  </a:schemeClr>
+                </a:solidFill>
+                <a:latin typeface="에스코어 드림 3 Light" panose="020B0303030302020204" pitchFamily="34" charset="-127"/>
+                <a:ea typeface="에스코어 드림 3 Light" panose="020B0303030302020204" pitchFamily="34" charset="-127"/>
+              </a:rPr>
+              <a:t>불가능 판정을 검사함</a:t>
+            </a:r>
+            <a:endParaRPr lang="en-US" altLang="ko-KR" sz="1200" dirty="0">
+              <a:solidFill>
+                <a:schemeClr val="tx1">
+                  <a:lumMod val="85000"/>
+                  <a:lumOff val="15000"/>
+                </a:schemeClr>
+              </a:solidFill>
+              <a:latin typeface="에스코어 드림 3 Light" panose="020B0303030302020204" pitchFamily="34" charset="-127"/>
+              <a:ea typeface="에스코어 드림 3 Light" panose="020B0303030302020204" pitchFamily="34" charset="-127"/>
+            </a:endParaRPr>
+          </a:p>
+          <a:p>
+            <a:pPr defTabSz="180000">
+              <a:lnSpc>
+                <a:spcPct val="120000"/>
+              </a:lnSpc>
+            </a:pPr>
+            <a:r>
+              <a:rPr lang="en-US" altLang="ko-KR" sz="1100" dirty="0">
+                <a:solidFill>
+                  <a:schemeClr val="tx1">
+                    <a:lumMod val="75000"/>
+                    <a:lumOff val="25000"/>
+                  </a:schemeClr>
+                </a:solidFill>
+                <a:latin typeface="에스코어 드림 3 Light" panose="020B0303030302020204" pitchFamily="34" charset="-127"/>
+                <a:ea typeface="에스코어 드림 3 Light" panose="020B0303030302020204" pitchFamily="34" charset="-127"/>
+              </a:rPr>
+              <a:t>	 </a:t>
+            </a:r>
+            <a:r>
+              <a:rPr lang="ko-KR" altLang="en-US" sz="1100" dirty="0">
+                <a:solidFill>
+                  <a:schemeClr val="tx1">
+                    <a:lumMod val="75000"/>
+                    <a:lumOff val="25000"/>
+                  </a:schemeClr>
+                </a:solidFill>
+                <a:latin typeface="에스코어 드림 3 Light" panose="020B0303030302020204" pitchFamily="34" charset="-127"/>
+                <a:ea typeface="에스코어 드림 3 Light" panose="020B0303030302020204" pitchFamily="34" charset="-127"/>
+              </a:rPr>
+              <a:t>①</a:t>
+            </a:r>
+            <a:r>
+              <a:rPr lang="en-US" altLang="ko-KR" sz="1100" dirty="0">
+                <a:solidFill>
+                  <a:schemeClr val="tx1">
+                    <a:lumMod val="75000"/>
+                    <a:lumOff val="25000"/>
+                  </a:schemeClr>
+                </a:solidFill>
+                <a:latin typeface="에스코어 드림 3 Light" panose="020B0303030302020204" pitchFamily="34" charset="-127"/>
+                <a:ea typeface="에스코어 드림 3 Light" panose="020B0303030302020204" pitchFamily="34" charset="-127"/>
+              </a:rPr>
+              <a:t> </a:t>
+            </a:r>
+            <a:r>
+              <a:rPr lang="ko-KR" altLang="en-US" sz="1100" dirty="0">
+                <a:solidFill>
+                  <a:schemeClr val="tx1">
+                    <a:lumMod val="75000"/>
+                    <a:lumOff val="25000"/>
+                  </a:schemeClr>
+                </a:solidFill>
+                <a:latin typeface="에스코어 드림 3 Light" panose="020B0303030302020204" pitchFamily="34" charset="-127"/>
+                <a:ea typeface="에스코어 드림 3 Light" panose="020B0303030302020204" pitchFamily="34" charset="-127"/>
+              </a:rPr>
+              <a:t>배치 가능 판정</a:t>
+            </a:r>
+            <a:r>
+              <a:rPr lang="en-US" altLang="ko-KR" sz="1100" dirty="0">
+                <a:solidFill>
+                  <a:schemeClr val="tx1">
+                    <a:lumMod val="75000"/>
+                    <a:lumOff val="25000"/>
+                  </a:schemeClr>
+                </a:solidFill>
+                <a:latin typeface="에스코어 드림 3 Light" panose="020B0303030302020204" pitchFamily="34" charset="-127"/>
+                <a:ea typeface="에스코어 드림 3 Light" panose="020B0303030302020204" pitchFamily="34" charset="-127"/>
+              </a:rPr>
+              <a:t>: </a:t>
+            </a:r>
+            <a:r>
+              <a:rPr lang="ko-KR" altLang="en-US" sz="1100" dirty="0">
+                <a:solidFill>
+                  <a:schemeClr val="tx1">
+                    <a:lumMod val="75000"/>
+                    <a:lumOff val="25000"/>
+                  </a:schemeClr>
+                </a:solidFill>
+                <a:latin typeface="에스코어 드림 3 Light" panose="020B0303030302020204" pitchFamily="34" charset="-127"/>
+                <a:ea typeface="에스코어 드림 3 Light" panose="020B0303030302020204" pitchFamily="34" charset="-127"/>
+              </a:rPr>
+              <a:t>해당 칸이 비어 있음</a:t>
+            </a:r>
+            <a:endParaRPr lang="en-US" altLang="ko-KR" sz="1100" dirty="0">
+              <a:solidFill>
+                <a:schemeClr val="tx1">
+                  <a:lumMod val="75000"/>
+                  <a:lumOff val="25000"/>
+                </a:schemeClr>
+              </a:solidFill>
+              <a:latin typeface="에스코어 드림 3 Light" panose="020B0303030302020204" pitchFamily="34" charset="-127"/>
+              <a:ea typeface="에스코어 드림 3 Light" panose="020B0303030302020204" pitchFamily="34" charset="-127"/>
+            </a:endParaRPr>
+          </a:p>
+          <a:p>
+            <a:pPr defTabSz="180000">
+              <a:lnSpc>
+                <a:spcPct val="120000"/>
+              </a:lnSpc>
+            </a:pPr>
+            <a:r>
+              <a:rPr lang="en-US" altLang="ko-KR" sz="1100" dirty="0">
+                <a:solidFill>
+                  <a:schemeClr val="tx1">
+                    <a:lumMod val="75000"/>
+                    <a:lumOff val="25000"/>
+                  </a:schemeClr>
+                </a:solidFill>
+                <a:latin typeface="에스코어 드림 3 Light" panose="020B0303030302020204" pitchFamily="34" charset="-127"/>
+                <a:ea typeface="에스코어 드림 3 Light" panose="020B0303030302020204" pitchFamily="34" charset="-127"/>
+              </a:rPr>
+              <a:t>	 </a:t>
+            </a:r>
+            <a:r>
+              <a:rPr lang="ko-KR" altLang="en-US" sz="1100" dirty="0">
+                <a:solidFill>
+                  <a:schemeClr val="tx1">
+                    <a:lumMod val="75000"/>
+                    <a:lumOff val="25000"/>
+                  </a:schemeClr>
+                </a:solidFill>
+                <a:latin typeface="에스코어 드림 3 Light" panose="020B0303030302020204" pitchFamily="34" charset="-127"/>
+                <a:ea typeface="에스코어 드림 3 Light" panose="020B0303030302020204" pitchFamily="34" charset="-127"/>
+              </a:rPr>
+              <a:t>②</a:t>
+            </a:r>
+            <a:r>
+              <a:rPr lang="en-US" altLang="ko-KR" sz="1100" dirty="0">
+                <a:solidFill>
+                  <a:schemeClr val="tx1">
+                    <a:lumMod val="75000"/>
+                    <a:lumOff val="25000"/>
+                  </a:schemeClr>
+                </a:solidFill>
+                <a:latin typeface="에스코어 드림 3 Light" panose="020B0303030302020204" pitchFamily="34" charset="-127"/>
+                <a:ea typeface="에스코어 드림 3 Light" panose="020B0303030302020204" pitchFamily="34" charset="-127"/>
+              </a:rPr>
+              <a:t> </a:t>
+            </a:r>
+            <a:r>
+              <a:rPr lang="ko-KR" altLang="en-US" sz="1100" dirty="0">
+                <a:solidFill>
+                  <a:schemeClr val="tx1">
+                    <a:lumMod val="75000"/>
+                    <a:lumOff val="25000"/>
+                  </a:schemeClr>
+                </a:solidFill>
+                <a:latin typeface="에스코어 드림 3 Light" panose="020B0303030302020204" pitchFamily="34" charset="-127"/>
+                <a:ea typeface="에스코어 드림 3 Light" panose="020B0303030302020204" pitchFamily="34" charset="-127"/>
+              </a:rPr>
+              <a:t>배치 불가 판정</a:t>
+            </a:r>
+            <a:r>
+              <a:rPr lang="en-US" altLang="ko-KR" sz="1100" dirty="0">
+                <a:solidFill>
+                  <a:schemeClr val="tx1">
+                    <a:lumMod val="75000"/>
+                    <a:lumOff val="25000"/>
+                  </a:schemeClr>
+                </a:solidFill>
+                <a:latin typeface="에스코어 드림 3 Light" panose="020B0303030302020204" pitchFamily="34" charset="-127"/>
+                <a:ea typeface="에스코어 드림 3 Light" panose="020B0303030302020204" pitchFamily="34" charset="-127"/>
+              </a:rPr>
+              <a:t>: </a:t>
+            </a:r>
+            <a:r>
+              <a:rPr lang="ko-KR" altLang="en-US" sz="1100" dirty="0">
+                <a:solidFill>
+                  <a:schemeClr val="tx1">
+                    <a:lumMod val="75000"/>
+                    <a:lumOff val="25000"/>
+                  </a:schemeClr>
+                </a:solidFill>
+                <a:latin typeface="에스코어 드림 3 Light" panose="020B0303030302020204" pitchFamily="34" charset="-127"/>
+                <a:ea typeface="에스코어 드림 3 Light" panose="020B0303030302020204" pitchFamily="34" charset="-127"/>
+              </a:rPr>
+              <a:t>다른 종류의 타워와 겹침</a:t>
+            </a:r>
+            <a:r>
+              <a:rPr lang="en-US" altLang="ko-KR" sz="1100" dirty="0">
+                <a:solidFill>
+                  <a:schemeClr val="tx1">
+                    <a:lumMod val="75000"/>
+                    <a:lumOff val="25000"/>
+                  </a:schemeClr>
+                </a:solidFill>
+                <a:latin typeface="에스코어 드림 3 Light" panose="020B0303030302020204" pitchFamily="34" charset="-127"/>
+                <a:ea typeface="에스코어 드림 3 Light" panose="020B0303030302020204" pitchFamily="34" charset="-127"/>
+              </a:rPr>
+              <a:t>, </a:t>
+            </a:r>
+            <a:r>
+              <a:rPr lang="ko-KR" altLang="en-US" sz="1100" dirty="0">
+                <a:solidFill>
+                  <a:schemeClr val="tx1">
+                    <a:lumMod val="75000"/>
+                    <a:lumOff val="25000"/>
+                  </a:schemeClr>
+                </a:solidFill>
+                <a:latin typeface="에스코어 드림 3 Light" panose="020B0303030302020204" pitchFamily="34" charset="-127"/>
+                <a:ea typeface="에스코어 드림 3 Light" panose="020B0303030302020204" pitchFamily="34" charset="-127"/>
+              </a:rPr>
+              <a:t>만렙 타워와 겹침</a:t>
+            </a:r>
+            <a:r>
+              <a:rPr lang="en-US" altLang="ko-KR" sz="1100" dirty="0">
+                <a:solidFill>
+                  <a:schemeClr val="tx1">
+                    <a:lumMod val="75000"/>
+                    <a:lumOff val="25000"/>
+                  </a:schemeClr>
+                </a:solidFill>
+                <a:latin typeface="에스코어 드림 3 Light" panose="020B0303030302020204" pitchFamily="34" charset="-127"/>
+                <a:ea typeface="에스코어 드림 3 Light" panose="020B0303030302020204" pitchFamily="34" charset="-127"/>
+              </a:rPr>
+              <a:t>, </a:t>
+            </a:r>
+            <a:r>
+              <a:rPr lang="ko-KR" altLang="en-US" sz="1100" dirty="0">
+                <a:solidFill>
+                  <a:schemeClr val="tx1">
+                    <a:lumMod val="75000"/>
+                    <a:lumOff val="25000"/>
+                  </a:schemeClr>
+                </a:solidFill>
+                <a:latin typeface="에스코어 드림 3 Light" panose="020B0303030302020204" pitchFamily="34" charset="-127"/>
+                <a:ea typeface="에스코어 드림 3 Light" panose="020B0303030302020204" pitchFamily="34" charset="-127"/>
+              </a:rPr>
+              <a:t>장애물과 겹침</a:t>
+            </a:r>
+            <a:r>
+              <a:rPr lang="en-US" altLang="ko-KR" sz="1100" dirty="0">
+                <a:solidFill>
+                  <a:schemeClr val="tx1">
+                    <a:lumMod val="75000"/>
+                    <a:lumOff val="25000"/>
+                  </a:schemeClr>
+                </a:solidFill>
+                <a:latin typeface="에스코어 드림 3 Light" panose="020B0303030302020204" pitchFamily="34" charset="-127"/>
+                <a:ea typeface="에스코어 드림 3 Light" panose="020B0303030302020204" pitchFamily="34" charset="-127"/>
+              </a:rPr>
+              <a:t>, </a:t>
+            </a:r>
+            <a:r>
+              <a:rPr lang="ko-KR" altLang="en-US" sz="1100" dirty="0">
+                <a:solidFill>
+                  <a:schemeClr val="tx1">
+                    <a:lumMod val="75000"/>
+                    <a:lumOff val="25000"/>
+                  </a:schemeClr>
+                </a:solidFill>
+                <a:latin typeface="에스코어 드림 3 Light" panose="020B0303030302020204" pitchFamily="34" charset="-127"/>
+                <a:ea typeface="에스코어 드림 3 Light" panose="020B0303030302020204" pitchFamily="34" charset="-127"/>
+              </a:rPr>
+              <a:t>맵 격자 밖을 벗어남</a:t>
+            </a:r>
+            <a:r>
+              <a:rPr lang="en-US" altLang="ko-KR" sz="1100" dirty="0">
+                <a:solidFill>
+                  <a:schemeClr val="tx1">
+                    <a:lumMod val="75000"/>
+                    <a:lumOff val="25000"/>
+                  </a:schemeClr>
+                </a:solidFill>
+                <a:latin typeface="에스코어 드림 3 Light" panose="020B0303030302020204" pitchFamily="34" charset="-127"/>
+                <a:ea typeface="에스코어 드림 3 Light" panose="020B0303030302020204" pitchFamily="34" charset="-127"/>
+              </a:rPr>
+              <a:t>, </a:t>
+            </a:r>
+            <a:r>
+              <a:rPr lang="ko-KR" altLang="en-US" sz="1100" dirty="0">
+                <a:solidFill>
+                  <a:schemeClr val="tx1">
+                    <a:lumMod val="75000"/>
+                    <a:lumOff val="25000"/>
+                  </a:schemeClr>
+                </a:solidFill>
+                <a:latin typeface="에스코어 드림 3 Light" panose="020B0303030302020204" pitchFamily="34" charset="-127"/>
+                <a:ea typeface="에스코어 드림 3 Light" panose="020B0303030302020204" pitchFamily="34" charset="-127"/>
+              </a:rPr>
+              <a:t>몬스터의 모든 길목을 막음</a:t>
+            </a:r>
+            <a:endParaRPr lang="en-US" altLang="ko-KR" sz="1100" dirty="0">
+              <a:solidFill>
+                <a:schemeClr val="tx1">
+                  <a:lumMod val="75000"/>
+                  <a:lumOff val="25000"/>
+                </a:schemeClr>
+              </a:solidFill>
+              <a:latin typeface="에스코어 드림 3 Light" panose="020B0303030302020204" pitchFamily="34" charset="-127"/>
+              <a:ea typeface="에스코어 드림 3 Light" panose="020B0303030302020204" pitchFamily="34" charset="-127"/>
+            </a:endParaRPr>
+          </a:p>
+          <a:p>
+            <a:pPr defTabSz="180000">
+              <a:lnSpc>
+                <a:spcPct val="120000"/>
+              </a:lnSpc>
+            </a:pPr>
+            <a:r>
+              <a:rPr lang="en-US" altLang="ko-KR" sz="1100" dirty="0">
+                <a:solidFill>
+                  <a:schemeClr val="tx1">
+                    <a:lumMod val="75000"/>
+                    <a:lumOff val="25000"/>
+                  </a:schemeClr>
+                </a:solidFill>
+                <a:latin typeface="에스코어 드림 3 Light" panose="020B0303030302020204" pitchFamily="34" charset="-127"/>
+                <a:ea typeface="에스코어 드림 3 Light" panose="020B0303030302020204" pitchFamily="34" charset="-127"/>
+              </a:rPr>
+              <a:t>	 </a:t>
+            </a:r>
+            <a:r>
+              <a:rPr lang="ko-KR" altLang="en-US" sz="1100" dirty="0">
+                <a:solidFill>
+                  <a:schemeClr val="tx1">
+                    <a:lumMod val="75000"/>
+                    <a:lumOff val="25000"/>
+                  </a:schemeClr>
+                </a:solidFill>
+                <a:latin typeface="에스코어 드림 3 Light" panose="020B0303030302020204" pitchFamily="34" charset="-127"/>
+                <a:ea typeface="에스코어 드림 3 Light" panose="020B0303030302020204" pitchFamily="34" charset="-127"/>
+              </a:rPr>
+              <a:t>③</a:t>
+            </a:r>
+            <a:r>
+              <a:rPr lang="en-US" altLang="ko-KR" sz="1100" dirty="0">
+                <a:solidFill>
+                  <a:schemeClr val="tx1">
+                    <a:lumMod val="75000"/>
+                    <a:lumOff val="25000"/>
+                  </a:schemeClr>
+                </a:solidFill>
+                <a:latin typeface="에스코어 드림 3 Light" panose="020B0303030302020204" pitchFamily="34" charset="-127"/>
+                <a:ea typeface="에스코어 드림 3 Light" panose="020B0303030302020204" pitchFamily="34" charset="-127"/>
+              </a:rPr>
+              <a:t> </a:t>
+            </a:r>
+            <a:r>
+              <a:rPr lang="ko-KR" altLang="en-US" sz="1100" dirty="0">
+                <a:solidFill>
+                  <a:schemeClr val="tx1">
+                    <a:lumMod val="75000"/>
+                    <a:lumOff val="25000"/>
+                  </a:schemeClr>
+                </a:solidFill>
+                <a:latin typeface="에스코어 드림 3 Light" panose="020B0303030302020204" pitchFamily="34" charset="-127"/>
+                <a:ea typeface="에스코어 드림 3 Light" panose="020B0303030302020204" pitchFamily="34" charset="-127"/>
+              </a:rPr>
+              <a:t>합성 가능 판정</a:t>
+            </a:r>
+            <a:r>
+              <a:rPr lang="en-US" altLang="ko-KR" sz="1100" dirty="0">
+                <a:solidFill>
+                  <a:schemeClr val="tx1">
+                    <a:lumMod val="75000"/>
+                    <a:lumOff val="25000"/>
+                  </a:schemeClr>
+                </a:solidFill>
+                <a:latin typeface="에스코어 드림 3 Light" panose="020B0303030302020204" pitchFamily="34" charset="-127"/>
+                <a:ea typeface="에스코어 드림 3 Light" panose="020B0303030302020204" pitchFamily="34" charset="-127"/>
+              </a:rPr>
+              <a:t>: </a:t>
+            </a:r>
+            <a:r>
+              <a:rPr lang="ko-KR" altLang="en-US" sz="1100" dirty="0">
+                <a:solidFill>
+                  <a:schemeClr val="tx1">
+                    <a:lumMod val="75000"/>
+                    <a:lumOff val="25000"/>
+                  </a:schemeClr>
+                </a:solidFill>
+                <a:latin typeface="에스코어 드림 3 Light" panose="020B0303030302020204" pitchFamily="34" charset="-127"/>
+                <a:ea typeface="에스코어 드림 3 Light" panose="020B0303030302020204" pitchFamily="34" charset="-127"/>
+              </a:rPr>
+              <a:t>같은 종류의 타워와 겹침</a:t>
+            </a:r>
+            <a:endParaRPr lang="en-US" altLang="ko-KR" sz="1100" dirty="0">
+              <a:solidFill>
+                <a:schemeClr val="tx1">
+                  <a:lumMod val="75000"/>
+                  <a:lumOff val="25000"/>
+                </a:schemeClr>
+              </a:solidFill>
+              <a:latin typeface="에스코어 드림 3 Light" panose="020B0303030302020204" pitchFamily="34" charset="-127"/>
+              <a:ea typeface="에스코어 드림 3 Light" panose="020B0303030302020204" pitchFamily="34" charset="-127"/>
+            </a:endParaRPr>
+          </a:p>
+          <a:p>
+            <a:pPr defTabSz="180000">
+              <a:lnSpc>
+                <a:spcPct val="120000"/>
+              </a:lnSpc>
+            </a:pPr>
+            <a:r>
+              <a:rPr lang="en-US" altLang="ko-KR" sz="500" dirty="0">
+                <a:solidFill>
+                  <a:schemeClr val="tx1">
+                    <a:lumMod val="85000"/>
+                    <a:lumOff val="15000"/>
+                  </a:schemeClr>
+                </a:solidFill>
+                <a:latin typeface="에스코어 드림 3 Light" panose="020B0303030302020204" pitchFamily="34" charset="-127"/>
+                <a:ea typeface="에스코어 드림 3 Light" panose="020B0303030302020204" pitchFamily="34" charset="-127"/>
+              </a:rPr>
+              <a:t>  </a:t>
+            </a:r>
+          </a:p>
+          <a:p>
+            <a:pPr defTabSz="180000">
+              <a:lnSpc>
+                <a:spcPct val="120000"/>
+              </a:lnSpc>
+            </a:pPr>
+            <a:r>
+              <a:rPr lang="en-US" altLang="ko-KR" sz="1200" dirty="0">
+                <a:solidFill>
+                  <a:schemeClr val="tx1">
+                    <a:lumMod val="85000"/>
+                    <a:lumOff val="15000"/>
+                  </a:schemeClr>
+                </a:solidFill>
+                <a:latin typeface="에스코어 드림 3 Light" panose="020B0303030302020204" pitchFamily="34" charset="-127"/>
+                <a:ea typeface="에스코어 드림 3 Light" panose="020B0303030302020204" pitchFamily="34" charset="-127"/>
+              </a:rPr>
+              <a:t> - </a:t>
+            </a:r>
+            <a:r>
+              <a:rPr lang="ko-KR" altLang="en-US" sz="1200" dirty="0">
+                <a:solidFill>
+                  <a:schemeClr val="tx1">
+                    <a:lumMod val="85000"/>
+                    <a:lumOff val="15000"/>
+                  </a:schemeClr>
+                </a:solidFill>
+                <a:latin typeface="에스코어 드림 3 Light" panose="020B0303030302020204" pitchFamily="34" charset="-127"/>
+                <a:ea typeface="에스코어 드림 3 Light" panose="020B0303030302020204" pitchFamily="34" charset="-127"/>
+              </a:rPr>
+              <a:t>타워의 격자는 아래 </a:t>
+            </a:r>
+            <a:r>
+              <a:rPr lang="en-US" altLang="ko-KR" sz="1200" dirty="0">
+                <a:solidFill>
+                  <a:schemeClr val="tx1">
+                    <a:lumMod val="85000"/>
+                    <a:lumOff val="15000"/>
+                  </a:schemeClr>
+                </a:solidFill>
+                <a:latin typeface="에스코어 드림 3 Light" panose="020B0303030302020204" pitchFamily="34" charset="-127"/>
+                <a:ea typeface="에스코어 드림 3 Light" panose="020B0303030302020204" pitchFamily="34" charset="-127"/>
+              </a:rPr>
+              <a:t>3</a:t>
+            </a:r>
+            <a:r>
+              <a:rPr lang="ko-KR" altLang="en-US" sz="1200" dirty="0">
+                <a:solidFill>
+                  <a:schemeClr val="tx1">
+                    <a:lumMod val="85000"/>
+                    <a:lumOff val="15000"/>
+                  </a:schemeClr>
+                </a:solidFill>
+                <a:latin typeface="에스코어 드림 3 Light" panose="020B0303030302020204" pitchFamily="34" charset="-127"/>
+                <a:ea typeface="에스코어 드림 3 Light" panose="020B0303030302020204" pitchFamily="34" charset="-127"/>
+              </a:rPr>
+              <a:t>가지 상황에 따라 색이 전환됨</a:t>
+            </a:r>
+            <a:endParaRPr lang="en-US" altLang="ko-KR" sz="1200" dirty="0">
+              <a:solidFill>
+                <a:schemeClr val="tx1">
+                  <a:lumMod val="85000"/>
+                  <a:lumOff val="15000"/>
+                </a:schemeClr>
+              </a:solidFill>
+              <a:latin typeface="에스코어 드림 3 Light" panose="020B0303030302020204" pitchFamily="34" charset="-127"/>
+              <a:ea typeface="에스코어 드림 3 Light" panose="020B0303030302020204" pitchFamily="34" charset="-127"/>
+            </a:endParaRPr>
+          </a:p>
+          <a:p>
+            <a:pPr defTabSz="180000">
+              <a:lnSpc>
+                <a:spcPct val="120000"/>
+              </a:lnSpc>
+            </a:pPr>
+            <a:r>
+              <a:rPr lang="en-US" altLang="ko-KR" sz="1100" dirty="0">
+                <a:solidFill>
+                  <a:schemeClr val="tx1">
+                    <a:lumMod val="75000"/>
+                    <a:lumOff val="25000"/>
+                  </a:schemeClr>
+                </a:solidFill>
+                <a:latin typeface="에스코어 드림 3 Light" panose="020B0303030302020204" pitchFamily="34" charset="-127"/>
+                <a:ea typeface="에스코어 드림 3 Light" panose="020B0303030302020204" pitchFamily="34" charset="-127"/>
+              </a:rPr>
+              <a:t>	 </a:t>
+            </a:r>
+            <a:r>
+              <a:rPr lang="ko-KR" altLang="en-US" sz="1100" dirty="0">
+                <a:solidFill>
+                  <a:schemeClr val="tx1">
+                    <a:lumMod val="75000"/>
+                    <a:lumOff val="25000"/>
+                  </a:schemeClr>
+                </a:solidFill>
+                <a:latin typeface="에스코어 드림 3 Light" panose="020B0303030302020204" pitchFamily="34" charset="-127"/>
+                <a:ea typeface="에스코어 드림 3 Light" panose="020B0303030302020204" pitchFamily="34" charset="-127"/>
+              </a:rPr>
+              <a:t>①</a:t>
+            </a:r>
+            <a:r>
+              <a:rPr lang="en-US" altLang="ko-KR" sz="1100" dirty="0">
+                <a:solidFill>
+                  <a:schemeClr val="tx1">
+                    <a:lumMod val="75000"/>
+                    <a:lumOff val="25000"/>
+                  </a:schemeClr>
+                </a:solidFill>
+                <a:latin typeface="에스코어 드림 3 Light" panose="020B0303030302020204" pitchFamily="34" charset="-127"/>
+                <a:ea typeface="에스코어 드림 3 Light" panose="020B0303030302020204" pitchFamily="34" charset="-127"/>
+              </a:rPr>
+              <a:t> </a:t>
+            </a:r>
+            <a:r>
+              <a:rPr lang="ko-KR" altLang="en-US" sz="1100" dirty="0">
+                <a:solidFill>
+                  <a:schemeClr val="tx1">
+                    <a:lumMod val="75000"/>
+                    <a:lumOff val="25000"/>
+                  </a:schemeClr>
+                </a:solidFill>
+                <a:latin typeface="에스코어 드림 3 Light" panose="020B0303030302020204" pitchFamily="34" charset="-127"/>
+                <a:ea typeface="에스코어 드림 3 Light" panose="020B0303030302020204" pitchFamily="34" charset="-127"/>
+              </a:rPr>
+              <a:t>해당 칸이 배치 가능 판정</a:t>
+            </a:r>
+            <a:r>
+              <a:rPr lang="en-US" altLang="ko-KR" sz="1100" dirty="0">
+                <a:solidFill>
+                  <a:schemeClr val="tx1">
+                    <a:lumMod val="75000"/>
+                    <a:lumOff val="25000"/>
+                  </a:schemeClr>
+                </a:solidFill>
+                <a:latin typeface="에스코어 드림 3 Light" panose="020B0303030302020204" pitchFamily="34" charset="-127"/>
+                <a:ea typeface="에스코어 드림 3 Light" panose="020B0303030302020204" pitchFamily="34" charset="-127"/>
+              </a:rPr>
+              <a:t>: </a:t>
+            </a:r>
+            <a:r>
+              <a:rPr lang="ko-KR" altLang="en-US" sz="1100" dirty="0">
+                <a:solidFill>
+                  <a:schemeClr val="tx1">
+                    <a:lumMod val="75000"/>
+                    <a:lumOff val="25000"/>
+                  </a:schemeClr>
+                </a:solidFill>
+                <a:latin typeface="에스코어 드림 3 Light" panose="020B0303030302020204" pitchFamily="34" charset="-127"/>
+                <a:ea typeface="에스코어 드림 3 Light" panose="020B0303030302020204" pitchFamily="34" charset="-127"/>
+              </a:rPr>
+              <a:t>해당 셀 연녹색 </a:t>
+            </a:r>
+            <a:r>
+              <a:rPr lang="en-US" altLang="ko-KR" sz="1100" dirty="0">
+                <a:solidFill>
+                  <a:schemeClr val="tx1">
+                    <a:lumMod val="75000"/>
+                    <a:lumOff val="25000"/>
+                  </a:schemeClr>
+                </a:solidFill>
+                <a:latin typeface="에스코어 드림 3 Light" panose="020B0303030302020204" pitchFamily="34" charset="-127"/>
+                <a:ea typeface="에스코어 드림 3 Light" panose="020B0303030302020204" pitchFamily="34" charset="-127"/>
+              </a:rPr>
+              <a:t>(#5FFF55, </a:t>
+            </a:r>
+            <a:r>
+              <a:rPr lang="ko-KR" altLang="en-US" sz="1100" dirty="0">
+                <a:solidFill>
+                  <a:schemeClr val="tx1">
+                    <a:lumMod val="75000"/>
+                    <a:lumOff val="25000"/>
+                  </a:schemeClr>
+                </a:solidFill>
+                <a:latin typeface="에스코어 드림 3 Light" panose="020B0303030302020204" pitchFamily="34" charset="-127"/>
+                <a:ea typeface="에스코어 드림 3 Light" panose="020B0303030302020204" pitchFamily="34" charset="-127"/>
+              </a:rPr>
+              <a:t>알파</a:t>
+            </a:r>
+            <a:r>
+              <a:rPr lang="en-US" altLang="ko-KR" sz="1100" dirty="0">
+                <a:solidFill>
+                  <a:schemeClr val="tx1">
+                    <a:lumMod val="75000"/>
+                    <a:lumOff val="25000"/>
+                  </a:schemeClr>
+                </a:solidFill>
+                <a:latin typeface="에스코어 드림 3 Light" panose="020B0303030302020204" pitchFamily="34" charset="-127"/>
+                <a:ea typeface="에스코어 드림 3 Light" panose="020B0303030302020204" pitchFamily="34" charset="-127"/>
+              </a:rPr>
+              <a:t>100)</a:t>
+            </a:r>
+          </a:p>
+          <a:p>
+            <a:pPr defTabSz="180000">
+              <a:lnSpc>
+                <a:spcPct val="120000"/>
+              </a:lnSpc>
+            </a:pPr>
+            <a:r>
+              <a:rPr lang="en-US" altLang="ko-KR" sz="1100" dirty="0">
+                <a:solidFill>
+                  <a:schemeClr val="tx1">
+                    <a:lumMod val="75000"/>
+                    <a:lumOff val="25000"/>
+                  </a:schemeClr>
+                </a:solidFill>
+                <a:latin typeface="에스코어 드림 3 Light" panose="020B0303030302020204" pitchFamily="34" charset="-127"/>
+                <a:ea typeface="에스코어 드림 3 Light" panose="020B0303030302020204" pitchFamily="34" charset="-127"/>
+              </a:rPr>
+              <a:t>	 </a:t>
+            </a:r>
+            <a:r>
+              <a:rPr lang="ko-KR" altLang="en-US" sz="1100" dirty="0">
+                <a:solidFill>
+                  <a:schemeClr val="tx1">
+                    <a:lumMod val="75000"/>
+                    <a:lumOff val="25000"/>
+                  </a:schemeClr>
+                </a:solidFill>
+                <a:latin typeface="에스코어 드림 3 Light" panose="020B0303030302020204" pitchFamily="34" charset="-127"/>
+                <a:ea typeface="에스코어 드림 3 Light" panose="020B0303030302020204" pitchFamily="34" charset="-127"/>
+              </a:rPr>
+              <a:t>②</a:t>
+            </a:r>
+            <a:r>
+              <a:rPr lang="en-US" altLang="ko-KR" sz="1100" dirty="0">
+                <a:solidFill>
+                  <a:schemeClr val="tx1">
+                    <a:lumMod val="75000"/>
+                    <a:lumOff val="25000"/>
+                  </a:schemeClr>
+                </a:solidFill>
+                <a:latin typeface="에스코어 드림 3 Light" panose="020B0303030302020204" pitchFamily="34" charset="-127"/>
+                <a:ea typeface="에스코어 드림 3 Light" panose="020B0303030302020204" pitchFamily="34" charset="-127"/>
+              </a:rPr>
+              <a:t> </a:t>
+            </a:r>
+            <a:r>
+              <a:rPr lang="ko-KR" altLang="en-US" sz="1100" dirty="0">
+                <a:solidFill>
+                  <a:schemeClr val="tx1">
+                    <a:lumMod val="75000"/>
+                    <a:lumOff val="25000"/>
+                  </a:schemeClr>
+                </a:solidFill>
+                <a:latin typeface="에스코어 드림 3 Light" panose="020B0303030302020204" pitchFamily="34" charset="-127"/>
+                <a:ea typeface="에스코어 드림 3 Light" panose="020B0303030302020204" pitchFamily="34" charset="-127"/>
+              </a:rPr>
+              <a:t>해당 칸이 배치 불가 판정</a:t>
+            </a:r>
+            <a:r>
+              <a:rPr lang="en-US" altLang="ko-KR" sz="1100" dirty="0">
+                <a:solidFill>
+                  <a:schemeClr val="tx1">
+                    <a:lumMod val="75000"/>
+                    <a:lumOff val="25000"/>
+                  </a:schemeClr>
+                </a:solidFill>
+                <a:latin typeface="에스코어 드림 3 Light" panose="020B0303030302020204" pitchFamily="34" charset="-127"/>
+                <a:ea typeface="에스코어 드림 3 Light" panose="020B0303030302020204" pitchFamily="34" charset="-127"/>
+              </a:rPr>
+              <a:t>: </a:t>
+            </a:r>
+            <a:r>
+              <a:rPr lang="ko-KR" altLang="en-US" sz="1100" dirty="0">
+                <a:solidFill>
+                  <a:schemeClr val="tx1">
+                    <a:lumMod val="75000"/>
+                    <a:lumOff val="25000"/>
+                  </a:schemeClr>
+                </a:solidFill>
+                <a:latin typeface="에스코어 드림 3 Light" panose="020B0303030302020204" pitchFamily="34" charset="-127"/>
+                <a:ea typeface="에스코어 드림 3 Light" panose="020B0303030302020204" pitchFamily="34" charset="-127"/>
+              </a:rPr>
+              <a:t>해당 셀 붉은색 </a:t>
+            </a:r>
+            <a:r>
+              <a:rPr lang="en-US" altLang="ko-KR" sz="1100" dirty="0">
+                <a:solidFill>
+                  <a:schemeClr val="tx1">
+                    <a:lumMod val="75000"/>
+                    <a:lumOff val="25000"/>
+                  </a:schemeClr>
+                </a:solidFill>
+                <a:latin typeface="에스코어 드림 3 Light" panose="020B0303030302020204" pitchFamily="34" charset="-127"/>
+                <a:ea typeface="에스코어 드림 3 Light" panose="020B0303030302020204" pitchFamily="34" charset="-127"/>
+              </a:rPr>
+              <a:t>(#FF0700, </a:t>
+            </a:r>
+            <a:r>
+              <a:rPr lang="ko-KR" altLang="en-US" sz="1100" dirty="0">
+                <a:solidFill>
+                  <a:schemeClr val="tx1">
+                    <a:lumMod val="75000"/>
+                    <a:lumOff val="25000"/>
+                  </a:schemeClr>
+                </a:solidFill>
+                <a:latin typeface="에스코어 드림 3 Light" panose="020B0303030302020204" pitchFamily="34" charset="-127"/>
+                <a:ea typeface="에스코어 드림 3 Light" panose="020B0303030302020204" pitchFamily="34" charset="-127"/>
+              </a:rPr>
+              <a:t>알파 </a:t>
+            </a:r>
+            <a:r>
+              <a:rPr lang="en-US" altLang="ko-KR" sz="1100" dirty="0">
+                <a:solidFill>
+                  <a:schemeClr val="tx1">
+                    <a:lumMod val="75000"/>
+                    <a:lumOff val="25000"/>
+                  </a:schemeClr>
+                </a:solidFill>
+                <a:latin typeface="에스코어 드림 3 Light" panose="020B0303030302020204" pitchFamily="34" charset="-127"/>
+                <a:ea typeface="에스코어 드림 3 Light" panose="020B0303030302020204" pitchFamily="34" charset="-127"/>
+              </a:rPr>
+              <a:t>150)</a:t>
+            </a:r>
+          </a:p>
+          <a:p>
+            <a:pPr defTabSz="180000">
+              <a:lnSpc>
+                <a:spcPct val="120000"/>
+              </a:lnSpc>
+            </a:pPr>
+            <a:r>
+              <a:rPr lang="en-US" altLang="ko-KR" sz="1100" dirty="0">
+                <a:solidFill>
+                  <a:schemeClr val="tx1">
+                    <a:lumMod val="75000"/>
+                    <a:lumOff val="25000"/>
+                  </a:schemeClr>
+                </a:solidFill>
+                <a:latin typeface="에스코어 드림 3 Light" panose="020B0303030302020204" pitchFamily="34" charset="-127"/>
+                <a:ea typeface="에스코어 드림 3 Light" panose="020B0303030302020204" pitchFamily="34" charset="-127"/>
+              </a:rPr>
+              <a:t>	 </a:t>
+            </a:r>
+            <a:r>
+              <a:rPr lang="ko-KR" altLang="en-US" sz="1100" dirty="0">
+                <a:solidFill>
+                  <a:schemeClr val="tx1">
+                    <a:lumMod val="75000"/>
+                    <a:lumOff val="25000"/>
+                  </a:schemeClr>
+                </a:solidFill>
+                <a:latin typeface="에스코어 드림 3 Light" panose="020B0303030302020204" pitchFamily="34" charset="-127"/>
+                <a:ea typeface="에스코어 드림 3 Light" panose="020B0303030302020204" pitchFamily="34" charset="-127"/>
+              </a:rPr>
+              <a:t>③</a:t>
+            </a:r>
+            <a:r>
+              <a:rPr lang="en-US" altLang="ko-KR" sz="1100" dirty="0">
+                <a:solidFill>
+                  <a:schemeClr val="tx1">
+                    <a:lumMod val="75000"/>
+                    <a:lumOff val="25000"/>
+                  </a:schemeClr>
+                </a:solidFill>
+                <a:latin typeface="에스코어 드림 3 Light" panose="020B0303030302020204" pitchFamily="34" charset="-127"/>
+                <a:ea typeface="에스코어 드림 3 Light" panose="020B0303030302020204" pitchFamily="34" charset="-127"/>
+              </a:rPr>
+              <a:t> </a:t>
+            </a:r>
+            <a:r>
+              <a:rPr lang="ko-KR" altLang="en-US" sz="1100" dirty="0">
+                <a:solidFill>
+                  <a:schemeClr val="tx1">
+                    <a:lumMod val="75000"/>
+                    <a:lumOff val="25000"/>
+                  </a:schemeClr>
+                </a:solidFill>
+                <a:latin typeface="에스코어 드림 3 Light" panose="020B0303030302020204" pitchFamily="34" charset="-127"/>
+                <a:ea typeface="에스코어 드림 3 Light" panose="020B0303030302020204" pitchFamily="34" charset="-127"/>
+              </a:rPr>
+              <a:t>같은 종류의 타워와 겹침</a:t>
+            </a:r>
+            <a:r>
+              <a:rPr lang="en-US" altLang="ko-KR" sz="1100" dirty="0">
+                <a:solidFill>
+                  <a:schemeClr val="tx1">
+                    <a:lumMod val="75000"/>
+                    <a:lumOff val="25000"/>
+                  </a:schemeClr>
+                </a:solidFill>
+                <a:latin typeface="에스코어 드림 3 Light" panose="020B0303030302020204" pitchFamily="34" charset="-127"/>
+                <a:ea typeface="에스코어 드림 3 Light" panose="020B0303030302020204" pitchFamily="34" charset="-127"/>
+              </a:rPr>
+              <a:t>: </a:t>
+            </a:r>
+            <a:r>
+              <a:rPr lang="ko-KR" altLang="en-US" sz="1100" dirty="0">
+                <a:solidFill>
+                  <a:schemeClr val="tx1">
+                    <a:lumMod val="75000"/>
+                    <a:lumOff val="25000"/>
+                  </a:schemeClr>
+                </a:solidFill>
+                <a:latin typeface="에스코어 드림 3 Light" panose="020B0303030302020204" pitchFamily="34" charset="-127"/>
+                <a:ea typeface="에스코어 드림 3 Light" panose="020B0303030302020204" pitchFamily="34" charset="-127"/>
+              </a:rPr>
+              <a:t>모든 셀 흰색 </a:t>
+            </a:r>
+            <a:r>
+              <a:rPr lang="en-US" altLang="ko-KR" sz="1100" dirty="0">
+                <a:solidFill>
+                  <a:schemeClr val="tx1">
+                    <a:lumMod val="75000"/>
+                    <a:lumOff val="25000"/>
+                  </a:schemeClr>
+                </a:solidFill>
+                <a:latin typeface="에스코어 드림 3 Light" panose="020B0303030302020204" pitchFamily="34" charset="-127"/>
+                <a:ea typeface="에스코어 드림 3 Light" panose="020B0303030302020204" pitchFamily="34" charset="-127"/>
+              </a:rPr>
+              <a:t>(#FFFFFF, </a:t>
+            </a:r>
+            <a:r>
+              <a:rPr lang="ko-KR" altLang="en-US" sz="1100" dirty="0">
+                <a:solidFill>
+                  <a:schemeClr val="tx1">
+                    <a:lumMod val="75000"/>
+                    <a:lumOff val="25000"/>
+                  </a:schemeClr>
+                </a:solidFill>
+                <a:latin typeface="에스코어 드림 3 Light" panose="020B0303030302020204" pitchFamily="34" charset="-127"/>
+                <a:ea typeface="에스코어 드림 3 Light" panose="020B0303030302020204" pitchFamily="34" charset="-127"/>
+              </a:rPr>
+              <a:t>알파 </a:t>
+            </a:r>
+            <a:r>
+              <a:rPr lang="en-US" altLang="ko-KR" sz="1100" dirty="0">
+                <a:solidFill>
+                  <a:schemeClr val="tx1">
+                    <a:lumMod val="75000"/>
+                    <a:lumOff val="25000"/>
+                  </a:schemeClr>
+                </a:solidFill>
+                <a:latin typeface="에스코어 드림 3 Light" panose="020B0303030302020204" pitchFamily="34" charset="-127"/>
+                <a:ea typeface="에스코어 드림 3 Light" panose="020B0303030302020204" pitchFamily="34" charset="-127"/>
+              </a:rPr>
+              <a:t>100)</a:t>
+            </a:r>
+            <a:r>
+              <a:rPr lang="en-US" altLang="ko-KR" sz="500" dirty="0">
+                <a:solidFill>
+                  <a:schemeClr val="tx1">
+                    <a:lumMod val="85000"/>
+                    <a:lumOff val="15000"/>
+                  </a:schemeClr>
+                </a:solidFill>
+                <a:latin typeface="에스코어 드림 3 Light" panose="020B0303030302020204" pitchFamily="34" charset="-127"/>
+                <a:ea typeface="에스코어 드림 3 Light" panose="020B0303030302020204" pitchFamily="34" charset="-127"/>
+              </a:rPr>
+              <a:t> </a:t>
+            </a:r>
+          </a:p>
+          <a:p>
+            <a:pPr defTabSz="180000">
+              <a:lnSpc>
+                <a:spcPct val="120000"/>
+              </a:lnSpc>
+            </a:pPr>
+            <a:r>
+              <a:rPr lang="en-US" altLang="ko-KR" sz="500" dirty="0">
+                <a:solidFill>
+                  <a:schemeClr val="tx1">
+                    <a:lumMod val="85000"/>
+                    <a:lumOff val="15000"/>
+                  </a:schemeClr>
+                </a:solidFill>
+                <a:latin typeface="에스코어 드림 3 Light" panose="020B0303030302020204" pitchFamily="34" charset="-127"/>
+                <a:ea typeface="에스코어 드림 3 Light" panose="020B0303030302020204" pitchFamily="34" charset="-127"/>
+              </a:rPr>
+              <a:t> </a:t>
+            </a:r>
+          </a:p>
+          <a:p>
+            <a:pPr defTabSz="180000">
+              <a:lnSpc>
+                <a:spcPct val="120000"/>
+              </a:lnSpc>
+            </a:pPr>
+            <a:r>
+              <a:rPr lang="en-US" altLang="ko-KR" sz="1200" dirty="0">
+                <a:solidFill>
+                  <a:schemeClr val="tx1">
+                    <a:lumMod val="85000"/>
+                    <a:lumOff val="15000"/>
+                  </a:schemeClr>
+                </a:solidFill>
+                <a:latin typeface="에스코어 드림 3 Light" panose="020B0303030302020204" pitchFamily="34" charset="-127"/>
+                <a:ea typeface="에스코어 드림 3 Light" panose="020B0303030302020204" pitchFamily="34" charset="-127"/>
+              </a:rPr>
+              <a:t> - </a:t>
+            </a:r>
+            <a:r>
+              <a:rPr lang="ko-KR" altLang="en-US" sz="1200" dirty="0">
+                <a:solidFill>
+                  <a:schemeClr val="tx1">
+                    <a:lumMod val="85000"/>
+                    <a:lumOff val="15000"/>
+                  </a:schemeClr>
+                </a:solidFill>
+                <a:latin typeface="에스코어 드림 3 Light" panose="020B0303030302020204" pitchFamily="34" charset="-127"/>
+                <a:ea typeface="에스코어 드림 3 Light" panose="020B0303030302020204" pitchFamily="34" charset="-127"/>
+              </a:rPr>
+              <a:t>만약 이미 놓여진 타워가 드래그중인 타워와 같은 종류고 만렙이 아닐 경우</a:t>
+            </a:r>
+            <a:r>
+              <a:rPr lang="en-US" altLang="ko-KR" sz="1200" dirty="0">
+                <a:solidFill>
+                  <a:schemeClr val="tx1">
+                    <a:lumMod val="85000"/>
+                    <a:lumOff val="15000"/>
+                  </a:schemeClr>
+                </a:solidFill>
+                <a:latin typeface="에스코어 드림 3 Light" panose="020B0303030302020204" pitchFamily="34" charset="-127"/>
+                <a:ea typeface="에스코어 드림 3 Light" panose="020B0303030302020204" pitchFamily="34" charset="-127"/>
+              </a:rPr>
+              <a:t>, </a:t>
+            </a:r>
+            <a:r>
+              <a:rPr lang="ko-KR" altLang="en-US" sz="1200" dirty="0">
+                <a:solidFill>
+                  <a:schemeClr val="tx1">
+                    <a:lumMod val="85000"/>
+                    <a:lumOff val="15000"/>
+                  </a:schemeClr>
+                </a:solidFill>
+                <a:latin typeface="에스코어 드림 3 Light" panose="020B0303030302020204" pitchFamily="34" charset="-127"/>
+                <a:ea typeface="에스코어 드림 3 Light" panose="020B0303030302020204" pitchFamily="34" charset="-127"/>
+              </a:rPr>
+              <a:t>놓여진 타워에 업그레이드 오브젝트 활성화</a:t>
+            </a:r>
+            <a:endParaRPr lang="en-US" altLang="ko-KR" sz="1200" dirty="0">
+              <a:solidFill>
+                <a:schemeClr val="tx1">
+                  <a:lumMod val="85000"/>
+                  <a:lumOff val="15000"/>
+                </a:schemeClr>
+              </a:solidFill>
+              <a:latin typeface="에스코어 드림 3 Light" panose="020B0303030302020204" pitchFamily="34" charset="-127"/>
+              <a:ea typeface="에스코어 드림 3 Light" panose="020B0303030302020204" pitchFamily="34" charset="-127"/>
+            </a:endParaRPr>
+          </a:p>
+          <a:p>
+            <a:pPr defTabSz="180000">
+              <a:lnSpc>
+                <a:spcPct val="120000"/>
+              </a:lnSpc>
+            </a:pPr>
+            <a:r>
+              <a:rPr lang="en-US" altLang="ko-KR" sz="1200" dirty="0">
+                <a:solidFill>
+                  <a:schemeClr val="tx1">
+                    <a:lumMod val="85000"/>
+                    <a:lumOff val="15000"/>
+                  </a:schemeClr>
+                </a:solidFill>
+                <a:latin typeface="에스코어 드림 3 Light" panose="020B0303030302020204" pitchFamily="34" charset="-127"/>
+                <a:ea typeface="에스코어 드림 3 Light" panose="020B0303030302020204" pitchFamily="34" charset="-127"/>
+              </a:rPr>
+              <a:t> - </a:t>
+            </a:r>
+            <a:r>
+              <a:rPr lang="ko-KR" altLang="en-US" sz="1200" dirty="0">
+                <a:solidFill>
+                  <a:schemeClr val="tx1">
+                    <a:lumMod val="85000"/>
+                    <a:lumOff val="15000"/>
+                  </a:schemeClr>
+                </a:solidFill>
+                <a:latin typeface="에스코어 드림 3 Light" panose="020B0303030302020204" pitchFamily="34" charset="-127"/>
+                <a:ea typeface="에스코어 드림 3 Light" panose="020B0303030302020204" pitchFamily="34" charset="-127"/>
+              </a:rPr>
+              <a:t>만약 이미 놓여진 타워가 드래그중인 타워와 같은 종류고 만렙이 아니며</a:t>
+            </a:r>
+            <a:r>
+              <a:rPr lang="en-US" altLang="ko-KR" sz="1200" dirty="0">
+                <a:solidFill>
+                  <a:schemeClr val="tx1">
+                    <a:lumMod val="85000"/>
+                    <a:lumOff val="15000"/>
+                  </a:schemeClr>
+                </a:solidFill>
+                <a:latin typeface="에스코어 드림 3 Light" panose="020B0303030302020204" pitchFamily="34" charset="-127"/>
+                <a:ea typeface="에스코어 드림 3 Light" panose="020B0303030302020204" pitchFamily="34" charset="-127"/>
+              </a:rPr>
+              <a:t>,</a:t>
+            </a:r>
+            <a:r>
+              <a:rPr lang="ko-KR" altLang="en-US" sz="1200" dirty="0">
+                <a:solidFill>
+                  <a:schemeClr val="tx1">
+                    <a:lumMod val="85000"/>
+                    <a:lumOff val="15000"/>
+                  </a:schemeClr>
+                </a:solidFill>
+                <a:latin typeface="에스코어 드림 3 Light" panose="020B0303030302020204" pitchFamily="34" charset="-127"/>
+                <a:ea typeface="에스코어 드림 3 Light" panose="020B0303030302020204" pitchFamily="34" charset="-127"/>
+              </a:rPr>
+              <a:t> 터치 좌표가 놓여진 타워와 닿은 경우</a:t>
+            </a:r>
+            <a:r>
+              <a:rPr lang="en-US" altLang="ko-KR" sz="1200" dirty="0">
+                <a:solidFill>
+                  <a:schemeClr val="tx1">
+                    <a:lumMod val="85000"/>
+                    <a:lumOff val="15000"/>
+                  </a:schemeClr>
+                </a:solidFill>
+                <a:latin typeface="에스코어 드림 3 Light" panose="020B0303030302020204" pitchFamily="34" charset="-127"/>
+                <a:ea typeface="에스코어 드림 3 Light" panose="020B0303030302020204" pitchFamily="34" charset="-127"/>
+              </a:rPr>
+              <a:t>, </a:t>
+            </a:r>
+            <a:r>
+              <a:rPr lang="ko-KR" altLang="en-US" sz="1200" dirty="0">
+                <a:solidFill>
+                  <a:schemeClr val="tx1">
+                    <a:lumMod val="85000"/>
+                    <a:lumOff val="15000"/>
+                  </a:schemeClr>
+                </a:solidFill>
+                <a:latin typeface="에스코어 드림 3 Light" panose="020B0303030302020204" pitchFamily="34" charset="-127"/>
+                <a:ea typeface="에스코어 드림 3 Light" panose="020B0303030302020204" pitchFamily="34" charset="-127"/>
+              </a:rPr>
+              <a:t>드래그중인 타워가 놓여진 타워로 딱 붙음</a:t>
+            </a:r>
+            <a:endParaRPr lang="en-US" altLang="ko-KR" sz="1200" dirty="0">
+              <a:solidFill>
+                <a:schemeClr val="tx1">
+                  <a:lumMod val="85000"/>
+                  <a:lumOff val="15000"/>
+                </a:schemeClr>
+              </a:solidFill>
+              <a:latin typeface="에스코어 드림 3 Light" panose="020B0303030302020204" pitchFamily="34" charset="-127"/>
+              <a:ea typeface="에스코어 드림 3 Light" panose="020B0303030302020204" pitchFamily="34" charset="-127"/>
+            </a:endParaRPr>
+          </a:p>
+          <a:p>
+            <a:pPr defTabSz="180000">
+              <a:lnSpc>
+                <a:spcPct val="120000"/>
+              </a:lnSpc>
+            </a:pPr>
+            <a:r>
+              <a:rPr lang="en-US" altLang="ko-KR" sz="1200" dirty="0">
+                <a:solidFill>
+                  <a:schemeClr val="tx1">
+                    <a:lumMod val="85000"/>
+                    <a:lumOff val="15000"/>
+                  </a:schemeClr>
+                </a:solidFill>
+                <a:latin typeface="에스코어 드림 3 Light" panose="020B0303030302020204" pitchFamily="34" charset="-127"/>
+                <a:ea typeface="에스코어 드림 3 Light" panose="020B0303030302020204" pitchFamily="34" charset="-127"/>
+              </a:rPr>
+              <a:t> - </a:t>
+            </a:r>
+            <a:r>
+              <a:rPr lang="ko-KR" altLang="en-US" sz="1200" dirty="0">
+                <a:solidFill>
+                  <a:schemeClr val="tx1">
+                    <a:lumMod val="85000"/>
+                    <a:lumOff val="15000"/>
+                  </a:schemeClr>
+                </a:solidFill>
+                <a:latin typeface="에스코어 드림 3 Light" panose="020B0303030302020204" pitchFamily="34" charset="-127"/>
+                <a:ea typeface="에스코어 드림 3 Light" panose="020B0303030302020204" pitchFamily="34" charset="-127"/>
+              </a:rPr>
+              <a:t>만약 이미 놓여진 타워가 드래그중인 타워와 같은 종류지만 만렙일 경우</a:t>
+            </a:r>
+            <a:r>
+              <a:rPr lang="en-US" altLang="ko-KR" sz="1200" dirty="0">
+                <a:solidFill>
+                  <a:schemeClr val="tx1">
+                    <a:lumMod val="85000"/>
+                    <a:lumOff val="15000"/>
+                  </a:schemeClr>
+                </a:solidFill>
+                <a:latin typeface="에스코어 드림 3 Light" panose="020B0303030302020204" pitchFamily="34" charset="-127"/>
+                <a:ea typeface="에스코어 드림 3 Light" panose="020B0303030302020204" pitchFamily="34" charset="-127"/>
+              </a:rPr>
+              <a:t>, </a:t>
+            </a:r>
+            <a:r>
+              <a:rPr lang="ko-KR" altLang="en-US" sz="1200" dirty="0">
+                <a:solidFill>
+                  <a:schemeClr val="tx1">
+                    <a:lumMod val="85000"/>
+                    <a:lumOff val="15000"/>
+                  </a:schemeClr>
+                </a:solidFill>
+                <a:latin typeface="에스코어 드림 3 Light" panose="020B0303030302020204" pitchFamily="34" charset="-127"/>
+                <a:ea typeface="에스코어 드림 3 Light" panose="020B0303030302020204" pitchFamily="34" charset="-127"/>
+              </a:rPr>
+              <a:t>배치 불가 판정</a:t>
+            </a:r>
+            <a:endParaRPr lang="en-US" altLang="ko-KR" sz="1200" dirty="0">
+              <a:solidFill>
+                <a:schemeClr val="tx1">
+                  <a:lumMod val="85000"/>
+                  <a:lumOff val="15000"/>
+                </a:schemeClr>
+              </a:solidFill>
+              <a:latin typeface="에스코어 드림 3 Light" panose="020B0303030302020204" pitchFamily="34" charset="-127"/>
+              <a:ea typeface="에스코어 드림 3 Light" panose="020B0303030302020204" pitchFamily="34" charset="-127"/>
+            </a:endParaRPr>
+          </a:p>
+        </p:txBody>
+      </p:sp>
+    </p:spTree>
+    <p:extLst>
+      <p:ext uri="{BB962C8B-B14F-4D97-AF65-F5344CB8AC3E}">
+        <p14:creationId xmlns:p14="http://schemas.microsoft.com/office/powerpoint/2010/main" val="630442927"/>
+      </p:ext>
+    </p:extLst>
+  </p:cSld>
+  <p:clrMapOvr>
+    <a:masterClrMapping/>
+  </p:clrMapOvr>
+</p:sld>
+</file>
+
+<file path=ppt/slides/slide11.xml><?xml version="1.0" encoding="utf-8"?>
+<p:sld xmlns:a="http://schemas.openxmlformats.org/drawingml/2006/main" xmlns:r="http://schemas.openxmlformats.org/officeDocument/2006/relationships" xmlns:p="http://schemas.openxmlformats.org/presentationml/2006/main">
+  <p:cSld>
+    <p:spTree>
+      <p:nvGrpSpPr>
+        <p:cNvPr id="1" name=""/>
+        <p:cNvGrpSpPr/>
+        <p:nvPr/>
+      </p:nvGrpSpPr>
+      <p:grpSpPr>
+        <a:xfrm>
+          <a:off x="0" y="0"/>
+          <a:ext cx="0" cy="0"/>
+          <a:chOff x="0" y="0"/>
+          <a:chExt cx="0" cy="0"/>
+        </a:xfrm>
+      </p:grpSpPr>
+      <p:sp>
+        <p:nvSpPr>
+          <p:cNvPr id="5" name="직사각형 4">
+            <a:extLst>
+              <a:ext uri="{FF2B5EF4-FFF2-40B4-BE49-F238E27FC236}">
+                <a16:creationId xmlns:a16="http://schemas.microsoft.com/office/drawing/2014/main" id="{284DD7ED-D641-4048-B2DC-2FD2B03ECAF3}"/>
+              </a:ext>
+            </a:extLst>
+          </p:cNvPr>
+          <p:cNvSpPr/>
+          <p:nvPr/>
+        </p:nvSpPr>
+        <p:spPr>
+          <a:xfrm>
+            <a:off x="859795" y="561040"/>
+            <a:ext cx="45719" cy="212031"/>
+          </a:xfrm>
+          <a:prstGeom prst="rect">
+            <a:avLst/>
+          </a:prstGeom>
+          <a:solidFill>
+            <a:srgbClr val="1A0C2F"/>
+          </a:solidFill>
+          <a:ln>
+            <a:noFill/>
+          </a:ln>
+        </p:spPr>
+        <p:style>
+          <a:lnRef idx="2">
+            <a:schemeClr val="accent1">
+              <a:shade val="50000"/>
+            </a:schemeClr>
+          </a:lnRef>
+          <a:fillRef idx="1">
+            <a:schemeClr val="accent1"/>
+          </a:fillRef>
+          <a:effectRef idx="0">
+            <a:schemeClr val="accent1"/>
+          </a:effectRef>
+          <a:fontRef idx="minor">
+            <a:schemeClr val="lt1"/>
+          </a:fontRef>
+        </p:style>
+        <p:txBody>
+          <a:bodyPr rtlCol="0" anchor="ctr"/>
+          <a:lstStyle/>
+          <a:p>
+            <a:pPr algn="ctr"/>
+            <a:endParaRPr lang="ko-KR" altLang="en-US" dirty="0"/>
+          </a:p>
+        </p:txBody>
+      </p:sp>
+      <p:sp>
+        <p:nvSpPr>
+          <p:cNvPr id="6" name="TextBox 5">
+            <a:extLst>
+              <a:ext uri="{FF2B5EF4-FFF2-40B4-BE49-F238E27FC236}">
+                <a16:creationId xmlns:a16="http://schemas.microsoft.com/office/drawing/2014/main" id="{ED4895FC-AD32-4677-B940-70D4BECD64E1}"/>
+              </a:ext>
+            </a:extLst>
+          </p:cNvPr>
+          <p:cNvSpPr txBox="1"/>
+          <p:nvPr/>
+        </p:nvSpPr>
+        <p:spPr>
+          <a:xfrm>
+            <a:off x="840746" y="513168"/>
+            <a:ext cx="1388522" cy="307777"/>
+          </a:xfrm>
+          <a:prstGeom prst="rect">
+            <a:avLst/>
+          </a:prstGeom>
+          <a:noFill/>
+        </p:spPr>
+        <p:txBody>
+          <a:bodyPr wrap="none" rtlCol="0">
+            <a:spAutoFit/>
+          </a:bodyPr>
+          <a:lstStyle/>
+          <a:p>
+            <a:r>
+              <a:rPr lang="en-US" altLang="ko-KR" sz="1400" b="1" dirty="0">
+                <a:solidFill>
+                  <a:srgbClr val="1A0C2F"/>
+                </a:solidFill>
+                <a:latin typeface="에스코어 드림 5 Medium" panose="020B0503030302020204" pitchFamily="34" charset="-127"/>
+                <a:ea typeface="에스코어 드림 5 Medium" panose="020B0503030302020204" pitchFamily="34" charset="-127"/>
+              </a:rPr>
+              <a:t>2-3. </a:t>
+            </a:r>
+            <a:r>
+              <a:rPr lang="ko-KR" altLang="en-US" sz="1400" b="1" dirty="0">
+                <a:solidFill>
+                  <a:srgbClr val="1A0C2F"/>
+                </a:solidFill>
+                <a:latin typeface="에스코어 드림 5 Medium" panose="020B0503030302020204" pitchFamily="34" charset="-127"/>
+                <a:ea typeface="에스코어 드림 5 Medium" panose="020B0503030302020204" pitchFamily="34" charset="-127"/>
+              </a:rPr>
+              <a:t>규칙 정리</a:t>
+            </a:r>
+          </a:p>
+        </p:txBody>
+      </p:sp>
+      <p:sp>
+        <p:nvSpPr>
+          <p:cNvPr id="7" name="TextBox 6">
+            <a:extLst>
+              <a:ext uri="{FF2B5EF4-FFF2-40B4-BE49-F238E27FC236}">
+                <a16:creationId xmlns:a16="http://schemas.microsoft.com/office/drawing/2014/main" id="{CD091E2A-0CA9-46D9-96A4-09EEBF073158}"/>
+              </a:ext>
+            </a:extLst>
+          </p:cNvPr>
+          <p:cNvSpPr txBox="1"/>
+          <p:nvPr/>
+        </p:nvSpPr>
+        <p:spPr>
+          <a:xfrm>
+            <a:off x="745699" y="755794"/>
+            <a:ext cx="3113353" cy="461665"/>
+          </a:xfrm>
+          <a:prstGeom prst="rect">
+            <a:avLst/>
+          </a:prstGeom>
+          <a:noFill/>
+        </p:spPr>
+        <p:txBody>
+          <a:bodyPr wrap="none" rtlCol="0">
+            <a:spAutoFit/>
+          </a:bodyPr>
+          <a:lstStyle/>
+          <a:p>
+            <a:r>
+              <a:rPr lang="ko-KR" altLang="en-US" sz="2400" dirty="0">
+                <a:solidFill>
+                  <a:srgbClr val="1A0C2F"/>
+                </a:solidFill>
+                <a:latin typeface="에스코어 드림 9 Black" panose="020B0A03030302020204" pitchFamily="34" charset="-127"/>
+                <a:ea typeface="에스코어 드림 9 Black" panose="020B0A03030302020204" pitchFamily="34" charset="-127"/>
+              </a:rPr>
+              <a:t>타워 설치의 규칙 정리</a:t>
+            </a:r>
+          </a:p>
+        </p:txBody>
+      </p:sp>
+      <p:sp>
+        <p:nvSpPr>
+          <p:cNvPr id="16" name="TextBox 15">
+            <a:extLst>
+              <a:ext uri="{FF2B5EF4-FFF2-40B4-BE49-F238E27FC236}">
+                <a16:creationId xmlns:a16="http://schemas.microsoft.com/office/drawing/2014/main" id="{6D52E1F9-B99F-4A4C-83DB-D81786ECD1CA}"/>
+              </a:ext>
+            </a:extLst>
+          </p:cNvPr>
+          <p:cNvSpPr txBox="1"/>
+          <p:nvPr/>
+        </p:nvSpPr>
+        <p:spPr>
+          <a:xfrm>
+            <a:off x="745699" y="1729294"/>
+            <a:ext cx="9158276" cy="4433458"/>
+          </a:xfrm>
+          <a:prstGeom prst="rect">
+            <a:avLst/>
+          </a:prstGeom>
+          <a:noFill/>
+        </p:spPr>
+        <p:txBody>
+          <a:bodyPr wrap="none" rtlCol="0">
+            <a:spAutoFit/>
+          </a:bodyPr>
+          <a:lstStyle/>
+          <a:p>
+            <a:pPr>
+              <a:lnSpc>
+                <a:spcPct val="120000"/>
+              </a:lnSpc>
+            </a:pPr>
+            <a:r>
+              <a:rPr lang="ko-KR" altLang="en-US" sz="1600" dirty="0">
+                <a:solidFill>
+                  <a:schemeClr val="tx1">
+                    <a:lumMod val="85000"/>
+                    <a:lumOff val="15000"/>
+                  </a:schemeClr>
+                </a:solidFill>
+                <a:latin typeface="에스코어 드림 7 ExtraBold" panose="020B0803030302020204" pitchFamily="34" charset="-127"/>
+                <a:ea typeface="에스코어 드림 7 ExtraBold" panose="020B0803030302020204" pitchFamily="34" charset="-127"/>
+              </a:rPr>
+              <a:t>타워 드롭 규칙 </a:t>
+            </a:r>
+            <a:endParaRPr lang="en-US" altLang="ko-KR" sz="1600" dirty="0">
+              <a:solidFill>
+                <a:schemeClr val="tx1">
+                  <a:lumMod val="85000"/>
+                  <a:lumOff val="15000"/>
+                </a:schemeClr>
+              </a:solidFill>
+              <a:latin typeface="에스코어 드림 7 ExtraBold" panose="020B0803030302020204" pitchFamily="34" charset="-127"/>
+              <a:ea typeface="에스코어 드림 7 ExtraBold" panose="020B0803030302020204" pitchFamily="34" charset="-127"/>
+            </a:endParaRPr>
+          </a:p>
+          <a:p>
+            <a:pPr>
+              <a:lnSpc>
+                <a:spcPct val="120000"/>
+              </a:lnSpc>
+            </a:pPr>
+            <a:r>
+              <a:rPr lang="en-US" altLang="ko-KR" sz="400" dirty="0">
+                <a:solidFill>
+                  <a:schemeClr val="tx1">
+                    <a:lumMod val="85000"/>
+                    <a:lumOff val="15000"/>
+                  </a:schemeClr>
+                </a:solidFill>
+                <a:latin typeface="에스코어 드림 5 Medium" panose="020B0503030302020204" pitchFamily="34" charset="-127"/>
+                <a:ea typeface="에스코어 드림 5 Medium" panose="020B0503030302020204" pitchFamily="34" charset="-127"/>
+              </a:rPr>
+              <a:t> </a:t>
+            </a:r>
+          </a:p>
+          <a:p>
+            <a:pPr defTabSz="180000">
+              <a:lnSpc>
+                <a:spcPct val="120000"/>
+              </a:lnSpc>
+            </a:pPr>
+            <a:r>
+              <a:rPr lang="en-US" altLang="ko-KR" sz="1200" dirty="0">
+                <a:solidFill>
+                  <a:schemeClr val="tx1">
+                    <a:lumMod val="85000"/>
+                    <a:lumOff val="15000"/>
+                  </a:schemeClr>
+                </a:solidFill>
+                <a:latin typeface="에스코어 드림 3 Light" panose="020B0303030302020204" pitchFamily="34" charset="-127"/>
+                <a:ea typeface="에스코어 드림 3 Light" panose="020B0303030302020204" pitchFamily="34" charset="-127"/>
+              </a:rPr>
+              <a:t> - </a:t>
+            </a:r>
+            <a:r>
+              <a:rPr lang="ko-KR" altLang="en-US" sz="1200" dirty="0">
+                <a:solidFill>
+                  <a:schemeClr val="tx1">
+                    <a:lumMod val="85000"/>
+                    <a:lumOff val="15000"/>
+                  </a:schemeClr>
+                </a:solidFill>
+                <a:latin typeface="에스코어 드림 3 Light" panose="020B0303030302020204" pitchFamily="34" charset="-127"/>
+                <a:ea typeface="에스코어 드림 3 Light" panose="020B0303030302020204" pitchFamily="34" charset="-127"/>
+              </a:rPr>
+              <a:t>드래그 중인 상태에서 손을 떼면 해당 위치에 타워 배치를 시도함</a:t>
+            </a:r>
+            <a:endParaRPr lang="en-US" altLang="ko-KR" sz="1200" dirty="0">
+              <a:solidFill>
+                <a:schemeClr val="tx1">
+                  <a:lumMod val="85000"/>
+                  <a:lumOff val="15000"/>
+                </a:schemeClr>
+              </a:solidFill>
+              <a:latin typeface="에스코어 드림 3 Light" panose="020B0303030302020204" pitchFamily="34" charset="-127"/>
+              <a:ea typeface="에스코어 드림 3 Light" panose="020B0303030302020204" pitchFamily="34" charset="-127"/>
+            </a:endParaRPr>
+          </a:p>
+          <a:p>
+            <a:pPr defTabSz="180000">
+              <a:lnSpc>
+                <a:spcPct val="120000"/>
+              </a:lnSpc>
+            </a:pPr>
+            <a:r>
+              <a:rPr lang="en-US" altLang="ko-KR" sz="1200" dirty="0">
+                <a:solidFill>
+                  <a:schemeClr val="tx1">
+                    <a:lumMod val="85000"/>
+                    <a:lumOff val="15000"/>
+                  </a:schemeClr>
+                </a:solidFill>
+                <a:latin typeface="에스코어 드림 3 Light" panose="020B0303030302020204" pitchFamily="34" charset="-127"/>
+                <a:ea typeface="에스코어 드림 3 Light" panose="020B0303030302020204" pitchFamily="34" charset="-127"/>
+              </a:rPr>
+              <a:t> - </a:t>
+            </a:r>
+            <a:r>
+              <a:rPr lang="ko-KR" altLang="en-US" sz="1200" dirty="0">
+                <a:solidFill>
+                  <a:schemeClr val="tx1">
+                    <a:lumMod val="85000"/>
+                    <a:lumOff val="15000"/>
+                  </a:schemeClr>
+                </a:solidFill>
+                <a:latin typeface="에스코어 드림 3 Light" panose="020B0303030302020204" pitchFamily="34" charset="-127"/>
+                <a:ea typeface="에스코어 드림 3 Light" panose="020B0303030302020204" pitchFamily="34" charset="-127"/>
+              </a:rPr>
+              <a:t>타워 배치 시도는 아래의 규칙을 따름</a:t>
+            </a:r>
+            <a:endParaRPr lang="en-US" altLang="ko-KR" sz="1200" dirty="0">
+              <a:solidFill>
+                <a:schemeClr val="tx1">
+                  <a:lumMod val="85000"/>
+                  <a:lumOff val="15000"/>
+                </a:schemeClr>
+              </a:solidFill>
+              <a:latin typeface="에스코어 드림 3 Light" panose="020B0303030302020204" pitchFamily="34" charset="-127"/>
+              <a:ea typeface="에스코어 드림 3 Light" panose="020B0303030302020204" pitchFamily="34" charset="-127"/>
+            </a:endParaRPr>
+          </a:p>
+          <a:p>
+            <a:pPr defTabSz="180000">
+              <a:lnSpc>
+                <a:spcPct val="120000"/>
+              </a:lnSpc>
+            </a:pPr>
+            <a:r>
+              <a:rPr lang="en-US" altLang="ko-KR" sz="1200" dirty="0">
+                <a:solidFill>
+                  <a:schemeClr val="tx1">
+                    <a:lumMod val="85000"/>
+                    <a:lumOff val="15000"/>
+                  </a:schemeClr>
+                </a:solidFill>
+                <a:latin typeface="에스코어 드림 3 Light" panose="020B0303030302020204" pitchFamily="34" charset="-127"/>
+                <a:ea typeface="에스코어 드림 3 Light" panose="020B0303030302020204" pitchFamily="34" charset="-127"/>
+              </a:rPr>
+              <a:t>	 </a:t>
+            </a:r>
+            <a:r>
+              <a:rPr lang="ko-KR" altLang="en-US" sz="1200" dirty="0">
+                <a:solidFill>
+                  <a:schemeClr val="tx1">
+                    <a:lumMod val="85000"/>
+                    <a:lumOff val="15000"/>
+                  </a:schemeClr>
+                </a:solidFill>
+                <a:latin typeface="에스코어 드림 3 Light" panose="020B0303030302020204" pitchFamily="34" charset="-127"/>
+                <a:ea typeface="에스코어 드림 3 Light" panose="020B0303030302020204" pitchFamily="34" charset="-127"/>
+              </a:rPr>
+              <a:t>①</a:t>
+            </a:r>
+            <a:r>
+              <a:rPr lang="en-US" altLang="ko-KR" sz="1200" dirty="0">
+                <a:solidFill>
+                  <a:schemeClr val="tx1">
+                    <a:lumMod val="85000"/>
+                    <a:lumOff val="15000"/>
+                  </a:schemeClr>
+                </a:solidFill>
+                <a:latin typeface="에스코어 드림 3 Light" panose="020B0303030302020204" pitchFamily="34" charset="-127"/>
+                <a:ea typeface="에스코어 드림 3 Light" panose="020B0303030302020204" pitchFamily="34" charset="-127"/>
+              </a:rPr>
+              <a:t> </a:t>
+            </a:r>
+            <a:r>
+              <a:rPr lang="ko-KR" altLang="en-US" sz="1200" dirty="0">
+                <a:solidFill>
+                  <a:schemeClr val="tx1">
+                    <a:lumMod val="85000"/>
+                    <a:lumOff val="15000"/>
+                  </a:schemeClr>
+                </a:solidFill>
+                <a:latin typeface="에스코어 드림 3 Light" panose="020B0303030302020204" pitchFamily="34" charset="-127"/>
+                <a:ea typeface="에스코어 드림 3 Light" panose="020B0303030302020204" pitchFamily="34" charset="-127"/>
+              </a:rPr>
+              <a:t>타워 배치 성공</a:t>
+            </a:r>
+            <a:endParaRPr lang="en-US" altLang="ko-KR" sz="1200" dirty="0">
+              <a:solidFill>
+                <a:schemeClr val="tx1">
+                  <a:lumMod val="85000"/>
+                  <a:lumOff val="15000"/>
+                </a:schemeClr>
+              </a:solidFill>
+              <a:latin typeface="에스코어 드림 3 Light" panose="020B0303030302020204" pitchFamily="34" charset="-127"/>
+              <a:ea typeface="에스코어 드림 3 Light" panose="020B0303030302020204" pitchFamily="34" charset="-127"/>
+            </a:endParaRPr>
+          </a:p>
+          <a:p>
+            <a:pPr defTabSz="180000">
+              <a:lnSpc>
+                <a:spcPct val="120000"/>
+              </a:lnSpc>
+            </a:pPr>
+            <a:r>
+              <a:rPr lang="en-US" altLang="ko-KR" sz="1100" dirty="0">
+                <a:solidFill>
+                  <a:schemeClr val="tx1">
+                    <a:lumMod val="75000"/>
+                    <a:lumOff val="25000"/>
+                  </a:schemeClr>
+                </a:solidFill>
+                <a:latin typeface="에스코어 드림 3 Light" panose="020B0303030302020204" pitchFamily="34" charset="-127"/>
+                <a:ea typeface="에스코어 드림 3 Light" panose="020B0303030302020204" pitchFamily="34" charset="-127"/>
+              </a:rPr>
+              <a:t>		 - </a:t>
+            </a:r>
+            <a:r>
+              <a:rPr lang="ko-KR" altLang="en-US" sz="1100" dirty="0">
+                <a:solidFill>
+                  <a:schemeClr val="tx1">
+                    <a:lumMod val="75000"/>
+                    <a:lumOff val="25000"/>
+                  </a:schemeClr>
+                </a:solidFill>
+                <a:latin typeface="에스코어 드림 3 Light" panose="020B0303030302020204" pitchFamily="34" charset="-127"/>
+                <a:ea typeface="에스코어 드림 3 Light" panose="020B0303030302020204" pitchFamily="34" charset="-127"/>
+              </a:rPr>
+              <a:t>조건</a:t>
+            </a:r>
+            <a:r>
+              <a:rPr lang="en-US" altLang="ko-KR" sz="1100" dirty="0">
+                <a:solidFill>
+                  <a:schemeClr val="tx1">
+                    <a:lumMod val="75000"/>
+                    <a:lumOff val="25000"/>
+                  </a:schemeClr>
+                </a:solidFill>
+                <a:latin typeface="에스코어 드림 3 Light" panose="020B0303030302020204" pitchFamily="34" charset="-127"/>
+                <a:ea typeface="에스코어 드림 3 Light" panose="020B0303030302020204" pitchFamily="34" charset="-127"/>
+              </a:rPr>
+              <a:t>: </a:t>
+            </a:r>
+            <a:r>
+              <a:rPr lang="ko-KR" altLang="en-US" sz="1100" dirty="0">
+                <a:solidFill>
+                  <a:schemeClr val="tx1">
+                    <a:lumMod val="75000"/>
+                    <a:lumOff val="25000"/>
+                  </a:schemeClr>
+                </a:solidFill>
+                <a:latin typeface="에스코어 드림 3 Light" panose="020B0303030302020204" pitchFamily="34" charset="-127"/>
+                <a:ea typeface="에스코어 드림 3 Light" panose="020B0303030302020204" pitchFamily="34" charset="-127"/>
+              </a:rPr>
+              <a:t>모든 칸이 배치 가능 판정</a:t>
+            </a:r>
+            <a:endParaRPr lang="en-US" altLang="ko-KR" sz="1100" dirty="0">
+              <a:solidFill>
+                <a:schemeClr val="tx1">
+                  <a:lumMod val="75000"/>
+                  <a:lumOff val="25000"/>
+                </a:schemeClr>
+              </a:solidFill>
+              <a:latin typeface="에스코어 드림 3 Light" panose="020B0303030302020204" pitchFamily="34" charset="-127"/>
+              <a:ea typeface="에스코어 드림 3 Light" panose="020B0303030302020204" pitchFamily="34" charset="-127"/>
+            </a:endParaRPr>
+          </a:p>
+          <a:p>
+            <a:pPr defTabSz="180000">
+              <a:lnSpc>
+                <a:spcPct val="120000"/>
+              </a:lnSpc>
+            </a:pPr>
+            <a:r>
+              <a:rPr lang="en-US" altLang="ko-KR" sz="1100" dirty="0">
+                <a:solidFill>
+                  <a:schemeClr val="tx1">
+                    <a:lumMod val="75000"/>
+                    <a:lumOff val="25000"/>
+                  </a:schemeClr>
+                </a:solidFill>
+                <a:latin typeface="에스코어 드림 3 Light" panose="020B0303030302020204" pitchFamily="34" charset="-127"/>
+                <a:ea typeface="에스코어 드림 3 Light" panose="020B0303030302020204" pitchFamily="34" charset="-127"/>
+              </a:rPr>
+              <a:t>		 - </a:t>
+            </a:r>
+            <a:r>
+              <a:rPr lang="ko-KR" altLang="en-US" sz="1100" dirty="0">
+                <a:solidFill>
+                  <a:schemeClr val="tx1">
+                    <a:lumMod val="75000"/>
+                    <a:lumOff val="25000"/>
+                  </a:schemeClr>
+                </a:solidFill>
+                <a:latin typeface="에스코어 드림 3 Light" panose="020B0303030302020204" pitchFamily="34" charset="-127"/>
+                <a:ea typeface="에스코어 드림 3 Light" panose="020B0303030302020204" pitchFamily="34" charset="-127"/>
+              </a:rPr>
+              <a:t>액션</a:t>
+            </a:r>
+            <a:r>
+              <a:rPr lang="en-US" altLang="ko-KR" sz="1100" dirty="0">
+                <a:solidFill>
+                  <a:schemeClr val="tx1">
+                    <a:lumMod val="75000"/>
+                    <a:lumOff val="25000"/>
+                  </a:schemeClr>
+                </a:solidFill>
+                <a:latin typeface="에스코어 드림 3 Light" panose="020B0303030302020204" pitchFamily="34" charset="-127"/>
+                <a:ea typeface="에스코어 드림 3 Light" panose="020B0303030302020204" pitchFamily="34" charset="-127"/>
+              </a:rPr>
+              <a:t>: </a:t>
+            </a:r>
+            <a:r>
+              <a:rPr lang="ko-KR" altLang="en-US" sz="1100" dirty="0">
+                <a:solidFill>
+                  <a:schemeClr val="tx1">
+                    <a:lumMod val="75000"/>
+                    <a:lumOff val="25000"/>
+                  </a:schemeClr>
+                </a:solidFill>
+                <a:latin typeface="에스코어 드림 3 Light" panose="020B0303030302020204" pitchFamily="34" charset="-127"/>
+                <a:ea typeface="에스코어 드림 3 Light" panose="020B0303030302020204" pitchFamily="34" charset="-127"/>
+              </a:rPr>
+              <a:t>해당 위치에 해당 타워 오브젝트 배치</a:t>
+            </a:r>
+            <a:endParaRPr lang="en-US" altLang="ko-KR" sz="1100" dirty="0">
+              <a:solidFill>
+                <a:schemeClr val="tx1">
+                  <a:lumMod val="75000"/>
+                  <a:lumOff val="25000"/>
+                </a:schemeClr>
+              </a:solidFill>
+              <a:latin typeface="에스코어 드림 3 Light" panose="020B0303030302020204" pitchFamily="34" charset="-127"/>
+              <a:ea typeface="에스코어 드림 3 Light" panose="020B0303030302020204" pitchFamily="34" charset="-127"/>
+            </a:endParaRPr>
+          </a:p>
+          <a:p>
+            <a:pPr defTabSz="180000">
+              <a:lnSpc>
+                <a:spcPct val="120000"/>
+              </a:lnSpc>
+            </a:pPr>
+            <a:endParaRPr lang="en-US" altLang="ko-KR" sz="500" dirty="0">
+              <a:solidFill>
+                <a:schemeClr val="tx1">
+                  <a:lumMod val="85000"/>
+                  <a:lumOff val="15000"/>
+                </a:schemeClr>
+              </a:solidFill>
+              <a:latin typeface="에스코어 드림 3 Light" panose="020B0303030302020204" pitchFamily="34" charset="-127"/>
+              <a:ea typeface="에스코어 드림 3 Light" panose="020B0303030302020204" pitchFamily="34" charset="-127"/>
+            </a:endParaRPr>
+          </a:p>
+          <a:p>
+            <a:pPr defTabSz="180000">
+              <a:lnSpc>
+                <a:spcPct val="120000"/>
+              </a:lnSpc>
+            </a:pPr>
+            <a:r>
+              <a:rPr lang="en-US" altLang="ko-KR" sz="1200" dirty="0">
+                <a:solidFill>
+                  <a:schemeClr val="tx1">
+                    <a:lumMod val="85000"/>
+                    <a:lumOff val="15000"/>
+                  </a:schemeClr>
+                </a:solidFill>
+                <a:latin typeface="에스코어 드림 3 Light" panose="020B0303030302020204" pitchFamily="34" charset="-127"/>
+                <a:ea typeface="에스코어 드림 3 Light" panose="020B0303030302020204" pitchFamily="34" charset="-127"/>
+              </a:rPr>
+              <a:t>	 </a:t>
+            </a:r>
+            <a:r>
+              <a:rPr lang="ko-KR" altLang="en-US" sz="1200" dirty="0">
+                <a:solidFill>
+                  <a:schemeClr val="tx1">
+                    <a:lumMod val="85000"/>
+                    <a:lumOff val="15000"/>
+                  </a:schemeClr>
+                </a:solidFill>
+                <a:latin typeface="에스코어 드림 3 Light" panose="020B0303030302020204" pitchFamily="34" charset="-127"/>
+                <a:ea typeface="에스코어 드림 3 Light" panose="020B0303030302020204" pitchFamily="34" charset="-127"/>
+              </a:rPr>
+              <a:t>② 타워 배치 실패</a:t>
+            </a:r>
+            <a:endParaRPr lang="en-US" altLang="ko-KR" sz="1200" dirty="0">
+              <a:solidFill>
+                <a:schemeClr val="tx1">
+                  <a:lumMod val="85000"/>
+                  <a:lumOff val="15000"/>
+                </a:schemeClr>
+              </a:solidFill>
+              <a:latin typeface="에스코어 드림 3 Light" panose="020B0303030302020204" pitchFamily="34" charset="-127"/>
+              <a:ea typeface="에스코어 드림 3 Light" panose="020B0303030302020204" pitchFamily="34" charset="-127"/>
+            </a:endParaRPr>
+          </a:p>
+          <a:p>
+            <a:pPr defTabSz="180000">
+              <a:lnSpc>
+                <a:spcPct val="120000"/>
+              </a:lnSpc>
+            </a:pPr>
+            <a:r>
+              <a:rPr lang="en-US" altLang="ko-KR" sz="1100" dirty="0">
+                <a:solidFill>
+                  <a:schemeClr val="tx1">
+                    <a:lumMod val="75000"/>
+                    <a:lumOff val="25000"/>
+                  </a:schemeClr>
+                </a:solidFill>
+                <a:latin typeface="에스코어 드림 3 Light" panose="020B0303030302020204" pitchFamily="34" charset="-127"/>
+                <a:ea typeface="에스코어 드림 3 Light" panose="020B0303030302020204" pitchFamily="34" charset="-127"/>
+              </a:rPr>
+              <a:t>		 - </a:t>
+            </a:r>
+            <a:r>
+              <a:rPr lang="ko-KR" altLang="en-US" sz="1100" dirty="0">
+                <a:solidFill>
+                  <a:schemeClr val="tx1">
+                    <a:lumMod val="75000"/>
+                    <a:lumOff val="25000"/>
+                  </a:schemeClr>
+                </a:solidFill>
+                <a:latin typeface="에스코어 드림 3 Light" panose="020B0303030302020204" pitchFamily="34" charset="-127"/>
+                <a:ea typeface="에스코어 드림 3 Light" panose="020B0303030302020204" pitchFamily="34" charset="-127"/>
+              </a:rPr>
+              <a:t>조건</a:t>
+            </a:r>
+            <a:r>
+              <a:rPr lang="en-US" altLang="ko-KR" sz="1100" dirty="0">
+                <a:solidFill>
+                  <a:schemeClr val="tx1">
+                    <a:lumMod val="75000"/>
+                    <a:lumOff val="25000"/>
+                  </a:schemeClr>
+                </a:solidFill>
+                <a:latin typeface="에스코어 드림 3 Light" panose="020B0303030302020204" pitchFamily="34" charset="-127"/>
+                <a:ea typeface="에스코어 드림 3 Light" panose="020B0303030302020204" pitchFamily="34" charset="-127"/>
+              </a:rPr>
+              <a:t>1: </a:t>
+            </a:r>
+            <a:r>
+              <a:rPr lang="ko-KR" altLang="en-US" sz="1100" dirty="0">
+                <a:solidFill>
+                  <a:schemeClr val="tx1">
+                    <a:lumMod val="75000"/>
+                    <a:lumOff val="25000"/>
+                  </a:schemeClr>
+                </a:solidFill>
+                <a:latin typeface="에스코어 드림 3 Light" panose="020B0303030302020204" pitchFamily="34" charset="-127"/>
+                <a:ea typeface="에스코어 드림 3 Light" panose="020B0303030302020204" pitchFamily="34" charset="-127"/>
+              </a:rPr>
+              <a:t>한 칸이라도 배치 불가 판정이 있는 경우</a:t>
+            </a:r>
+            <a:endParaRPr lang="en-US" altLang="ko-KR" sz="1100" dirty="0">
+              <a:solidFill>
+                <a:schemeClr val="tx1">
+                  <a:lumMod val="75000"/>
+                  <a:lumOff val="25000"/>
+                </a:schemeClr>
+              </a:solidFill>
+              <a:latin typeface="에스코어 드림 3 Light" panose="020B0303030302020204" pitchFamily="34" charset="-127"/>
+              <a:ea typeface="에스코어 드림 3 Light" panose="020B0303030302020204" pitchFamily="34" charset="-127"/>
+            </a:endParaRPr>
+          </a:p>
+          <a:p>
+            <a:pPr defTabSz="180000">
+              <a:lnSpc>
+                <a:spcPct val="120000"/>
+              </a:lnSpc>
+            </a:pPr>
+            <a:r>
+              <a:rPr lang="en-US" altLang="ko-KR" sz="1100" dirty="0">
+                <a:solidFill>
+                  <a:schemeClr val="tx1">
+                    <a:lumMod val="75000"/>
+                    <a:lumOff val="25000"/>
+                  </a:schemeClr>
+                </a:solidFill>
+                <a:latin typeface="에스코어 드림 3 Light" panose="020B0303030302020204" pitchFamily="34" charset="-127"/>
+                <a:ea typeface="에스코어 드림 3 Light" panose="020B0303030302020204" pitchFamily="34" charset="-127"/>
+              </a:rPr>
+              <a:t>	 	 - </a:t>
+            </a:r>
+            <a:r>
+              <a:rPr lang="ko-KR" altLang="en-US" sz="1100" dirty="0">
+                <a:solidFill>
+                  <a:schemeClr val="tx1">
+                    <a:lumMod val="75000"/>
+                    <a:lumOff val="25000"/>
+                  </a:schemeClr>
+                </a:solidFill>
+                <a:latin typeface="에스코어 드림 3 Light" panose="020B0303030302020204" pitchFamily="34" charset="-127"/>
+                <a:ea typeface="에스코어 드림 3 Light" panose="020B0303030302020204" pitchFamily="34" charset="-127"/>
+              </a:rPr>
+              <a:t>조건</a:t>
+            </a:r>
+            <a:r>
+              <a:rPr lang="en-US" altLang="ko-KR" sz="1100" dirty="0">
+                <a:solidFill>
+                  <a:schemeClr val="tx1">
+                    <a:lumMod val="75000"/>
+                    <a:lumOff val="25000"/>
+                  </a:schemeClr>
+                </a:solidFill>
+                <a:latin typeface="에스코어 드림 3 Light" panose="020B0303030302020204" pitchFamily="34" charset="-127"/>
+                <a:ea typeface="에스코어 드림 3 Light" panose="020B0303030302020204" pitchFamily="34" charset="-127"/>
+              </a:rPr>
+              <a:t>2: </a:t>
+            </a:r>
+            <a:r>
+              <a:rPr lang="ko-KR" altLang="en-US" sz="1100" dirty="0">
+                <a:solidFill>
+                  <a:schemeClr val="tx1">
+                    <a:lumMod val="75000"/>
+                    <a:lumOff val="25000"/>
+                  </a:schemeClr>
+                </a:solidFill>
+                <a:latin typeface="에스코어 드림 3 Light" panose="020B0303030302020204" pitchFamily="34" charset="-127"/>
+                <a:ea typeface="에스코어 드림 3 Light" panose="020B0303030302020204" pitchFamily="34" charset="-127"/>
+              </a:rPr>
+              <a:t>만렙 타워와 겹친 경우</a:t>
+            </a:r>
+            <a:endParaRPr lang="en-US" altLang="ko-KR" sz="1100" dirty="0">
+              <a:solidFill>
+                <a:schemeClr val="tx1">
+                  <a:lumMod val="75000"/>
+                  <a:lumOff val="25000"/>
+                </a:schemeClr>
+              </a:solidFill>
+              <a:latin typeface="에스코어 드림 3 Light" panose="020B0303030302020204" pitchFamily="34" charset="-127"/>
+              <a:ea typeface="에스코어 드림 3 Light" panose="020B0303030302020204" pitchFamily="34" charset="-127"/>
+            </a:endParaRPr>
+          </a:p>
+          <a:p>
+            <a:pPr defTabSz="180000">
+              <a:lnSpc>
+                <a:spcPct val="120000"/>
+              </a:lnSpc>
+            </a:pPr>
+            <a:r>
+              <a:rPr lang="en-US" altLang="ko-KR" sz="1100" dirty="0">
+                <a:solidFill>
+                  <a:schemeClr val="tx1">
+                    <a:lumMod val="75000"/>
+                    <a:lumOff val="25000"/>
+                  </a:schemeClr>
+                </a:solidFill>
+                <a:latin typeface="에스코어 드림 3 Light" panose="020B0303030302020204" pitchFamily="34" charset="-127"/>
+                <a:ea typeface="에스코어 드림 3 Light" panose="020B0303030302020204" pitchFamily="34" charset="-127"/>
+              </a:rPr>
+              <a:t>		 - </a:t>
+            </a:r>
+            <a:r>
+              <a:rPr lang="ko-KR" altLang="en-US" sz="1100" dirty="0">
+                <a:solidFill>
+                  <a:schemeClr val="tx1">
+                    <a:lumMod val="75000"/>
+                    <a:lumOff val="25000"/>
+                  </a:schemeClr>
+                </a:solidFill>
+                <a:latin typeface="에스코어 드림 3 Light" panose="020B0303030302020204" pitchFamily="34" charset="-127"/>
+                <a:ea typeface="에스코어 드림 3 Light" panose="020B0303030302020204" pitchFamily="34" charset="-127"/>
+              </a:rPr>
+              <a:t>조건</a:t>
+            </a:r>
+            <a:r>
+              <a:rPr lang="en-US" altLang="ko-KR" sz="1100" dirty="0">
+                <a:solidFill>
+                  <a:schemeClr val="tx1">
+                    <a:lumMod val="75000"/>
+                    <a:lumOff val="25000"/>
+                  </a:schemeClr>
+                </a:solidFill>
+                <a:latin typeface="에스코어 드림 3 Light" panose="020B0303030302020204" pitchFamily="34" charset="-127"/>
+                <a:ea typeface="에스코어 드림 3 Light" panose="020B0303030302020204" pitchFamily="34" charset="-127"/>
+              </a:rPr>
+              <a:t>3: </a:t>
+            </a:r>
+            <a:r>
+              <a:rPr lang="ko-KR" altLang="en-US" sz="1100" dirty="0">
+                <a:solidFill>
+                  <a:schemeClr val="tx1">
+                    <a:lumMod val="75000"/>
+                    <a:lumOff val="25000"/>
+                  </a:schemeClr>
+                </a:solidFill>
+                <a:latin typeface="에스코어 드림 3 Light" panose="020B0303030302020204" pitchFamily="34" charset="-127"/>
+                <a:ea typeface="에스코어 드림 3 Light" panose="020B0303030302020204" pitchFamily="34" charset="-127"/>
+              </a:rPr>
+              <a:t>맵 격자 밖으로 벗어난 경우</a:t>
+            </a:r>
+            <a:endParaRPr lang="en-US" altLang="ko-KR" sz="1100" dirty="0">
+              <a:solidFill>
+                <a:schemeClr val="tx1">
+                  <a:lumMod val="75000"/>
+                  <a:lumOff val="25000"/>
+                </a:schemeClr>
+              </a:solidFill>
+              <a:latin typeface="에스코어 드림 3 Light" panose="020B0303030302020204" pitchFamily="34" charset="-127"/>
+              <a:ea typeface="에스코어 드림 3 Light" panose="020B0303030302020204" pitchFamily="34" charset="-127"/>
+            </a:endParaRPr>
+          </a:p>
+          <a:p>
+            <a:pPr defTabSz="180000">
+              <a:lnSpc>
+                <a:spcPct val="120000"/>
+              </a:lnSpc>
+            </a:pPr>
+            <a:r>
+              <a:rPr lang="en-US" altLang="ko-KR" sz="1100" dirty="0">
+                <a:solidFill>
+                  <a:schemeClr val="tx1">
+                    <a:lumMod val="75000"/>
+                    <a:lumOff val="25000"/>
+                  </a:schemeClr>
+                </a:solidFill>
+                <a:latin typeface="에스코어 드림 3 Light" panose="020B0303030302020204" pitchFamily="34" charset="-127"/>
+                <a:ea typeface="에스코어 드림 3 Light" panose="020B0303030302020204" pitchFamily="34" charset="-127"/>
+              </a:rPr>
+              <a:t>		 - </a:t>
+            </a:r>
+            <a:r>
+              <a:rPr lang="ko-KR" altLang="en-US" sz="1100" dirty="0">
+                <a:solidFill>
+                  <a:schemeClr val="tx1">
+                    <a:lumMod val="75000"/>
+                    <a:lumOff val="25000"/>
+                  </a:schemeClr>
+                </a:solidFill>
+                <a:latin typeface="에스코어 드림 3 Light" panose="020B0303030302020204" pitchFamily="34" charset="-127"/>
+                <a:ea typeface="에스코어 드림 3 Light" panose="020B0303030302020204" pitchFamily="34" charset="-127"/>
+              </a:rPr>
+              <a:t>조건</a:t>
+            </a:r>
+            <a:r>
+              <a:rPr lang="en-US" altLang="ko-KR" sz="1100" dirty="0">
+                <a:solidFill>
+                  <a:schemeClr val="tx1">
+                    <a:lumMod val="75000"/>
+                    <a:lumOff val="25000"/>
+                  </a:schemeClr>
+                </a:solidFill>
+                <a:latin typeface="에스코어 드림 3 Light" panose="020B0303030302020204" pitchFamily="34" charset="-127"/>
+                <a:ea typeface="에스코어 드림 3 Light" panose="020B0303030302020204" pitchFamily="34" charset="-127"/>
+              </a:rPr>
+              <a:t>4: </a:t>
+            </a:r>
+            <a:r>
+              <a:rPr lang="ko-KR" altLang="en-US" sz="1100" dirty="0">
+                <a:solidFill>
+                  <a:schemeClr val="tx1">
+                    <a:lumMod val="75000"/>
+                    <a:lumOff val="25000"/>
+                  </a:schemeClr>
+                </a:solidFill>
+                <a:latin typeface="에스코어 드림 3 Light" panose="020B0303030302020204" pitchFamily="34" charset="-127"/>
+                <a:ea typeface="에스코어 드림 3 Light" panose="020B0303030302020204" pitchFamily="34" charset="-127"/>
+              </a:rPr>
+              <a:t>몬스터의 모든 이동경로를 막은 경우</a:t>
+            </a:r>
+            <a:endParaRPr lang="en-US" altLang="ko-KR" sz="1100" dirty="0">
+              <a:solidFill>
+                <a:schemeClr val="tx1">
+                  <a:lumMod val="75000"/>
+                  <a:lumOff val="25000"/>
+                </a:schemeClr>
+              </a:solidFill>
+              <a:latin typeface="에스코어 드림 3 Light" panose="020B0303030302020204" pitchFamily="34" charset="-127"/>
+              <a:ea typeface="에스코어 드림 3 Light" panose="020B0303030302020204" pitchFamily="34" charset="-127"/>
+            </a:endParaRPr>
+          </a:p>
+          <a:p>
+            <a:pPr defTabSz="180000">
+              <a:lnSpc>
+                <a:spcPct val="120000"/>
+              </a:lnSpc>
+            </a:pPr>
+            <a:r>
+              <a:rPr lang="en-US" altLang="ko-KR" sz="1100" dirty="0">
+                <a:solidFill>
+                  <a:schemeClr val="tx1">
+                    <a:lumMod val="75000"/>
+                    <a:lumOff val="25000"/>
+                  </a:schemeClr>
+                </a:solidFill>
+                <a:latin typeface="에스코어 드림 3 Light" panose="020B0303030302020204" pitchFamily="34" charset="-127"/>
+                <a:ea typeface="에스코어 드림 3 Light" panose="020B0303030302020204" pitchFamily="34" charset="-127"/>
+              </a:rPr>
+              <a:t>		 - </a:t>
+            </a:r>
+            <a:r>
+              <a:rPr lang="ko-KR" altLang="en-US" sz="1100" dirty="0">
+                <a:solidFill>
+                  <a:schemeClr val="tx1">
+                    <a:lumMod val="75000"/>
+                    <a:lumOff val="25000"/>
+                  </a:schemeClr>
+                </a:solidFill>
+                <a:latin typeface="에스코어 드림 3 Light" panose="020B0303030302020204" pitchFamily="34" charset="-127"/>
+                <a:ea typeface="에스코어 드림 3 Light" panose="020B0303030302020204" pitchFamily="34" charset="-127"/>
+              </a:rPr>
+              <a:t>액션</a:t>
+            </a:r>
+            <a:r>
+              <a:rPr lang="en-US" altLang="ko-KR" sz="1100" dirty="0">
+                <a:solidFill>
+                  <a:schemeClr val="tx1">
+                    <a:lumMod val="75000"/>
+                    <a:lumOff val="25000"/>
+                  </a:schemeClr>
+                </a:solidFill>
+                <a:latin typeface="에스코어 드림 3 Light" panose="020B0303030302020204" pitchFamily="34" charset="-127"/>
+                <a:ea typeface="에스코어 드림 3 Light" panose="020B0303030302020204" pitchFamily="34" charset="-127"/>
+              </a:rPr>
+              <a:t>: </a:t>
+            </a:r>
+            <a:r>
+              <a:rPr lang="ko-KR" altLang="en-US" sz="1100" dirty="0">
+                <a:solidFill>
+                  <a:schemeClr val="tx1">
+                    <a:lumMod val="75000"/>
+                    <a:lumOff val="25000"/>
+                  </a:schemeClr>
+                </a:solidFill>
+                <a:latin typeface="에스코어 드림 3 Light" panose="020B0303030302020204" pitchFamily="34" charset="-127"/>
+                <a:ea typeface="에스코어 드림 3 Light" panose="020B0303030302020204" pitchFamily="34" charset="-127"/>
+              </a:rPr>
+              <a:t>타워 배치 시도를 종료함</a:t>
+            </a:r>
+            <a:endParaRPr lang="en-US" altLang="ko-KR" sz="1100" dirty="0">
+              <a:solidFill>
+                <a:schemeClr val="tx1">
+                  <a:lumMod val="75000"/>
+                  <a:lumOff val="25000"/>
+                </a:schemeClr>
+              </a:solidFill>
+              <a:latin typeface="에스코어 드림 3 Light" panose="020B0303030302020204" pitchFamily="34" charset="-127"/>
+              <a:ea typeface="에스코어 드림 3 Light" panose="020B0303030302020204" pitchFamily="34" charset="-127"/>
+            </a:endParaRPr>
+          </a:p>
+          <a:p>
+            <a:pPr defTabSz="180000">
+              <a:lnSpc>
+                <a:spcPct val="120000"/>
+              </a:lnSpc>
+            </a:pPr>
+            <a:endParaRPr lang="en-US" altLang="ko-KR" sz="500" dirty="0">
+              <a:solidFill>
+                <a:schemeClr val="tx1">
+                  <a:lumMod val="85000"/>
+                  <a:lumOff val="15000"/>
+                </a:schemeClr>
+              </a:solidFill>
+              <a:latin typeface="에스코어 드림 3 Light" panose="020B0303030302020204" pitchFamily="34" charset="-127"/>
+              <a:ea typeface="에스코어 드림 3 Light" panose="020B0303030302020204" pitchFamily="34" charset="-127"/>
+            </a:endParaRPr>
+          </a:p>
+          <a:p>
+            <a:pPr defTabSz="180000">
+              <a:lnSpc>
+                <a:spcPct val="120000"/>
+              </a:lnSpc>
+            </a:pPr>
+            <a:r>
+              <a:rPr lang="en-US" altLang="ko-KR" sz="1200" dirty="0">
+                <a:solidFill>
+                  <a:schemeClr val="tx1">
+                    <a:lumMod val="85000"/>
+                    <a:lumOff val="15000"/>
+                  </a:schemeClr>
+                </a:solidFill>
+                <a:latin typeface="에스코어 드림 3 Light" panose="020B0303030302020204" pitchFamily="34" charset="-127"/>
+                <a:ea typeface="에스코어 드림 3 Light" panose="020B0303030302020204" pitchFamily="34" charset="-127"/>
+              </a:rPr>
+              <a:t>	 </a:t>
+            </a:r>
+            <a:r>
+              <a:rPr lang="ko-KR" altLang="en-US" sz="1200" dirty="0">
+                <a:solidFill>
+                  <a:schemeClr val="tx1">
+                    <a:lumMod val="85000"/>
+                    <a:lumOff val="15000"/>
+                  </a:schemeClr>
+                </a:solidFill>
+                <a:latin typeface="에스코어 드림 3 Light" panose="020B0303030302020204" pitchFamily="34" charset="-127"/>
+                <a:ea typeface="에스코어 드림 3 Light" panose="020B0303030302020204" pitchFamily="34" charset="-127"/>
+              </a:rPr>
+              <a:t>③</a:t>
+            </a:r>
+            <a:r>
+              <a:rPr lang="en-US" altLang="ko-KR" sz="1200" dirty="0">
+                <a:solidFill>
+                  <a:schemeClr val="tx1">
+                    <a:lumMod val="85000"/>
+                    <a:lumOff val="15000"/>
+                  </a:schemeClr>
+                </a:solidFill>
+                <a:latin typeface="에스코어 드림 3 Light" panose="020B0303030302020204" pitchFamily="34" charset="-127"/>
+                <a:ea typeface="에스코어 드림 3 Light" panose="020B0303030302020204" pitchFamily="34" charset="-127"/>
+              </a:rPr>
+              <a:t> </a:t>
+            </a:r>
+            <a:r>
+              <a:rPr lang="ko-KR" altLang="en-US" sz="1200" dirty="0">
+                <a:solidFill>
+                  <a:schemeClr val="tx1">
+                    <a:lumMod val="85000"/>
+                    <a:lumOff val="15000"/>
+                  </a:schemeClr>
+                </a:solidFill>
+                <a:latin typeface="에스코어 드림 3 Light" panose="020B0303030302020204" pitchFamily="34" charset="-127"/>
+                <a:ea typeface="에스코어 드림 3 Light" panose="020B0303030302020204" pitchFamily="34" charset="-127"/>
+              </a:rPr>
+              <a:t>타워 레벨업</a:t>
+            </a:r>
+            <a:endParaRPr lang="en-US" altLang="ko-KR" sz="1200" dirty="0">
+              <a:solidFill>
+                <a:schemeClr val="tx1">
+                  <a:lumMod val="85000"/>
+                  <a:lumOff val="15000"/>
+                </a:schemeClr>
+              </a:solidFill>
+              <a:latin typeface="에스코어 드림 3 Light" panose="020B0303030302020204" pitchFamily="34" charset="-127"/>
+              <a:ea typeface="에스코어 드림 3 Light" panose="020B0303030302020204" pitchFamily="34" charset="-127"/>
+            </a:endParaRPr>
+          </a:p>
+          <a:p>
+            <a:pPr defTabSz="180000">
+              <a:lnSpc>
+                <a:spcPct val="120000"/>
+              </a:lnSpc>
+            </a:pPr>
+            <a:r>
+              <a:rPr lang="en-US" altLang="ko-KR" sz="1100" dirty="0">
+                <a:solidFill>
+                  <a:schemeClr val="tx1">
+                    <a:lumMod val="75000"/>
+                    <a:lumOff val="25000"/>
+                  </a:schemeClr>
+                </a:solidFill>
+                <a:latin typeface="에스코어 드림 3 Light" panose="020B0303030302020204" pitchFamily="34" charset="-127"/>
+                <a:ea typeface="에스코어 드림 3 Light" panose="020B0303030302020204" pitchFamily="34" charset="-127"/>
+              </a:rPr>
+              <a:t>	 	 - </a:t>
+            </a:r>
+            <a:r>
+              <a:rPr lang="ko-KR" altLang="en-US" sz="1100" dirty="0">
+                <a:solidFill>
+                  <a:schemeClr val="tx1">
+                    <a:lumMod val="75000"/>
+                    <a:lumOff val="25000"/>
+                  </a:schemeClr>
+                </a:solidFill>
+                <a:latin typeface="에스코어 드림 3 Light" panose="020B0303030302020204" pitchFamily="34" charset="-127"/>
+                <a:ea typeface="에스코어 드림 3 Light" panose="020B0303030302020204" pitchFamily="34" charset="-127"/>
+              </a:rPr>
+              <a:t>조건</a:t>
+            </a:r>
+            <a:r>
+              <a:rPr lang="en-US" altLang="ko-KR" sz="1100" dirty="0">
+                <a:solidFill>
+                  <a:schemeClr val="tx1">
+                    <a:lumMod val="75000"/>
+                    <a:lumOff val="25000"/>
+                  </a:schemeClr>
+                </a:solidFill>
+                <a:latin typeface="에스코어 드림 3 Light" panose="020B0303030302020204" pitchFamily="34" charset="-127"/>
+                <a:ea typeface="에스코어 드림 3 Light" panose="020B0303030302020204" pitchFamily="34" charset="-127"/>
+              </a:rPr>
+              <a:t>: </a:t>
+            </a:r>
+            <a:r>
+              <a:rPr lang="ko-KR" altLang="en-US" sz="1100" dirty="0">
+                <a:solidFill>
+                  <a:schemeClr val="tx1">
+                    <a:lumMod val="75000"/>
+                    <a:lumOff val="25000"/>
+                  </a:schemeClr>
+                </a:solidFill>
+                <a:latin typeface="에스코어 드림 3 Light" panose="020B0303030302020204" pitchFamily="34" charset="-127"/>
+                <a:ea typeface="에스코어 드림 3 Light" panose="020B0303030302020204" pitchFamily="34" charset="-127"/>
+              </a:rPr>
+              <a:t>같은 종류이며 만렙이 아닌 타워에 드롭한 경우</a:t>
+            </a:r>
+            <a:endParaRPr lang="en-US" altLang="ko-KR" sz="1100" dirty="0">
+              <a:solidFill>
+                <a:schemeClr val="tx1">
+                  <a:lumMod val="75000"/>
+                  <a:lumOff val="25000"/>
+                </a:schemeClr>
+              </a:solidFill>
+              <a:latin typeface="에스코어 드림 3 Light" panose="020B0303030302020204" pitchFamily="34" charset="-127"/>
+              <a:ea typeface="에스코어 드림 3 Light" panose="020B0303030302020204" pitchFamily="34" charset="-127"/>
+            </a:endParaRPr>
+          </a:p>
+          <a:p>
+            <a:pPr defTabSz="180000">
+              <a:lnSpc>
+                <a:spcPct val="120000"/>
+              </a:lnSpc>
+            </a:pPr>
+            <a:r>
+              <a:rPr lang="en-US" altLang="ko-KR" sz="1100" dirty="0">
+                <a:solidFill>
+                  <a:schemeClr val="tx1">
+                    <a:lumMod val="75000"/>
+                    <a:lumOff val="25000"/>
+                  </a:schemeClr>
+                </a:solidFill>
+                <a:latin typeface="에스코어 드림 3 Light" panose="020B0303030302020204" pitchFamily="34" charset="-127"/>
+                <a:ea typeface="에스코어 드림 3 Light" panose="020B0303030302020204" pitchFamily="34" charset="-127"/>
+              </a:rPr>
+              <a:t>		 - </a:t>
+            </a:r>
+            <a:r>
+              <a:rPr lang="ko-KR" altLang="en-US" sz="1100" dirty="0">
+                <a:solidFill>
+                  <a:schemeClr val="tx1">
+                    <a:lumMod val="75000"/>
+                    <a:lumOff val="25000"/>
+                  </a:schemeClr>
+                </a:solidFill>
+                <a:latin typeface="에스코어 드림 3 Light" panose="020B0303030302020204" pitchFamily="34" charset="-127"/>
+                <a:ea typeface="에스코어 드림 3 Light" panose="020B0303030302020204" pitchFamily="34" charset="-127"/>
+              </a:rPr>
+              <a:t>액션</a:t>
+            </a:r>
+            <a:r>
+              <a:rPr lang="en-US" altLang="ko-KR" sz="1100" dirty="0">
+                <a:solidFill>
+                  <a:schemeClr val="tx1">
+                    <a:lumMod val="75000"/>
+                    <a:lumOff val="25000"/>
+                  </a:schemeClr>
+                </a:solidFill>
+                <a:latin typeface="에스코어 드림 3 Light" panose="020B0303030302020204" pitchFamily="34" charset="-127"/>
+                <a:ea typeface="에스코어 드림 3 Light" panose="020B0303030302020204" pitchFamily="34" charset="-127"/>
+              </a:rPr>
+              <a:t>: </a:t>
+            </a:r>
+            <a:r>
+              <a:rPr lang="ko-KR" altLang="en-US" sz="1100" dirty="0">
+                <a:solidFill>
+                  <a:schemeClr val="tx1">
+                    <a:lumMod val="75000"/>
+                    <a:lumOff val="25000"/>
+                  </a:schemeClr>
+                </a:solidFill>
+                <a:latin typeface="에스코어 드림 3 Light" panose="020B0303030302020204" pitchFamily="34" charset="-127"/>
+                <a:ea typeface="에스코어 드림 3 Light" panose="020B0303030302020204" pitchFamily="34" charset="-127"/>
+              </a:rPr>
+              <a:t>놓여졌던 타워의 레벨 </a:t>
+            </a:r>
+            <a:r>
+              <a:rPr lang="en-US" altLang="ko-KR" sz="1100" dirty="0">
+                <a:solidFill>
+                  <a:schemeClr val="tx1">
+                    <a:lumMod val="75000"/>
+                    <a:lumOff val="25000"/>
+                  </a:schemeClr>
+                </a:solidFill>
+                <a:latin typeface="에스코어 드림 3 Light" panose="020B0303030302020204" pitchFamily="34" charset="-127"/>
+                <a:ea typeface="에스코어 드림 3 Light" panose="020B0303030302020204" pitchFamily="34" charset="-127"/>
+              </a:rPr>
+              <a:t>1 </a:t>
+            </a:r>
+            <a:r>
+              <a:rPr lang="ko-KR" altLang="en-US" sz="1100" dirty="0">
+                <a:solidFill>
+                  <a:schemeClr val="tx1">
+                    <a:lumMod val="75000"/>
+                    <a:lumOff val="25000"/>
+                  </a:schemeClr>
+                </a:solidFill>
+                <a:latin typeface="에스코어 드림 3 Light" panose="020B0303030302020204" pitchFamily="34" charset="-127"/>
+                <a:ea typeface="에스코어 드림 3 Light" panose="020B0303030302020204" pitchFamily="34" charset="-127"/>
+              </a:rPr>
+              <a:t>상승</a:t>
+            </a:r>
+            <a:endParaRPr lang="en-US" altLang="ko-KR" sz="1100" dirty="0">
+              <a:solidFill>
+                <a:schemeClr val="tx1">
+                  <a:lumMod val="75000"/>
+                  <a:lumOff val="25000"/>
+                </a:schemeClr>
+              </a:solidFill>
+              <a:latin typeface="에스코어 드림 3 Light" panose="020B0303030302020204" pitchFamily="34" charset="-127"/>
+              <a:ea typeface="에스코어 드림 3 Light" panose="020B0303030302020204" pitchFamily="34" charset="-127"/>
+            </a:endParaRPr>
+          </a:p>
+          <a:p>
+            <a:pPr defTabSz="180000">
+              <a:lnSpc>
+                <a:spcPct val="120000"/>
+              </a:lnSpc>
+            </a:pPr>
+            <a:endParaRPr lang="en-US" altLang="ko-KR" sz="1100" dirty="0">
+              <a:solidFill>
+                <a:schemeClr val="tx1">
+                  <a:lumMod val="75000"/>
+                  <a:lumOff val="25000"/>
+                </a:schemeClr>
+              </a:solidFill>
+              <a:latin typeface="에스코어 드림 3 Light" panose="020B0303030302020204" pitchFamily="34" charset="-127"/>
+              <a:ea typeface="에스코어 드림 3 Light" panose="020B0303030302020204" pitchFamily="34" charset="-127"/>
+            </a:endParaRPr>
+          </a:p>
+          <a:p>
+            <a:pPr defTabSz="180000">
+              <a:lnSpc>
+                <a:spcPct val="120000"/>
+              </a:lnSpc>
+            </a:pPr>
+            <a:r>
+              <a:rPr lang="en-US" altLang="ko-KR" sz="1200" dirty="0">
+                <a:solidFill>
+                  <a:schemeClr val="tx1">
+                    <a:lumMod val="85000"/>
+                    <a:lumOff val="15000"/>
+                  </a:schemeClr>
+                </a:solidFill>
+                <a:latin typeface="에스코어 드림 3 Light" panose="020B0303030302020204" pitchFamily="34" charset="-127"/>
+                <a:ea typeface="에스코어 드림 3 Light" panose="020B0303030302020204" pitchFamily="34" charset="-127"/>
+              </a:rPr>
+              <a:t> - </a:t>
+            </a:r>
+            <a:r>
+              <a:rPr lang="ko-KR" altLang="en-US" sz="1200" dirty="0">
+                <a:solidFill>
+                  <a:schemeClr val="tx1">
+                    <a:lumMod val="85000"/>
+                    <a:lumOff val="15000"/>
+                  </a:schemeClr>
+                </a:solidFill>
+                <a:latin typeface="에스코어 드림 3 Light" panose="020B0303030302020204" pitchFamily="34" charset="-127"/>
+                <a:ea typeface="에스코어 드림 3 Light" panose="020B0303030302020204" pitchFamily="34" charset="-127"/>
+              </a:rPr>
+              <a:t>타워 배치 시도가 종료되면</a:t>
+            </a:r>
+            <a:r>
+              <a:rPr lang="en-US" altLang="ko-KR" sz="1200" dirty="0">
+                <a:solidFill>
+                  <a:schemeClr val="tx1">
+                    <a:lumMod val="85000"/>
+                    <a:lumOff val="15000"/>
+                  </a:schemeClr>
+                </a:solidFill>
+                <a:latin typeface="에스코어 드림 3 Light" panose="020B0303030302020204" pitchFamily="34" charset="-127"/>
+                <a:ea typeface="에스코어 드림 3 Light" panose="020B0303030302020204" pitchFamily="34" charset="-127"/>
+              </a:rPr>
+              <a:t>, </a:t>
+            </a:r>
+            <a:r>
+              <a:rPr lang="ko-KR" altLang="en-US" sz="1200" dirty="0">
+                <a:solidFill>
+                  <a:schemeClr val="tx1">
+                    <a:lumMod val="85000"/>
+                    <a:lumOff val="15000"/>
+                  </a:schemeClr>
+                </a:solidFill>
+                <a:latin typeface="에스코어 드림 3 Light" panose="020B0303030302020204" pitchFamily="34" charset="-127"/>
+                <a:ea typeface="에스코어 드림 3 Light" panose="020B0303030302020204" pitchFamily="34" charset="-127"/>
+              </a:rPr>
+              <a:t>맵의 격자 오브젝트는 비활성화됨</a:t>
+            </a:r>
+            <a:endParaRPr lang="en-US" altLang="ko-KR" sz="1200" dirty="0">
+              <a:solidFill>
+                <a:schemeClr val="tx1">
+                  <a:lumMod val="85000"/>
+                  <a:lumOff val="15000"/>
+                </a:schemeClr>
+              </a:solidFill>
+              <a:latin typeface="에스코어 드림 3 Light" panose="020B0303030302020204" pitchFamily="34" charset="-127"/>
+              <a:ea typeface="에스코어 드림 3 Light" panose="020B0303030302020204" pitchFamily="34" charset="-127"/>
+            </a:endParaRPr>
+          </a:p>
+          <a:p>
+            <a:pPr defTabSz="180000">
+              <a:lnSpc>
+                <a:spcPct val="120000"/>
+              </a:lnSpc>
+            </a:pPr>
+            <a:r>
+              <a:rPr lang="en-US" altLang="ko-KR" sz="1200" dirty="0">
+                <a:solidFill>
+                  <a:schemeClr val="tx1">
+                    <a:lumMod val="85000"/>
+                    <a:lumOff val="15000"/>
+                  </a:schemeClr>
+                </a:solidFill>
+                <a:latin typeface="에스코어 드림 3 Light" panose="020B0303030302020204" pitchFamily="34" charset="-127"/>
+                <a:ea typeface="에스코어 드림 3 Light" panose="020B0303030302020204" pitchFamily="34" charset="-127"/>
+              </a:rPr>
+              <a:t> - </a:t>
+            </a:r>
+            <a:r>
+              <a:rPr lang="ko-KR" altLang="en-US" sz="1200" dirty="0">
+                <a:solidFill>
+                  <a:schemeClr val="tx1">
+                    <a:lumMod val="85000"/>
+                    <a:lumOff val="15000"/>
+                  </a:schemeClr>
+                </a:solidFill>
+                <a:latin typeface="에스코어 드림 3 Light" panose="020B0303030302020204" pitchFamily="34" charset="-127"/>
+                <a:ea typeface="에스코어 드림 3 Light" panose="020B0303030302020204" pitchFamily="34" charset="-127"/>
+              </a:rPr>
+              <a:t>만약 배치한 위치에 적 몬스터가 겹친 경우</a:t>
+            </a:r>
+            <a:r>
+              <a:rPr lang="en-US" altLang="ko-KR" sz="1200" dirty="0">
+                <a:solidFill>
+                  <a:schemeClr val="tx1">
+                    <a:lumMod val="85000"/>
+                    <a:lumOff val="15000"/>
+                  </a:schemeClr>
+                </a:solidFill>
+                <a:latin typeface="에스코어 드림 3 Light" panose="020B0303030302020204" pitchFamily="34" charset="-127"/>
+                <a:ea typeface="에스코어 드림 3 Light" panose="020B0303030302020204" pitchFamily="34" charset="-127"/>
+              </a:rPr>
+              <a:t>, </a:t>
+            </a:r>
+            <a:r>
+              <a:rPr lang="ko-KR" altLang="en-US" sz="1200" dirty="0">
+                <a:solidFill>
+                  <a:schemeClr val="tx1">
+                    <a:lumMod val="85000"/>
+                    <a:lumOff val="15000"/>
+                  </a:schemeClr>
+                </a:solidFill>
+                <a:latin typeface="에스코어 드림 3 Light" panose="020B0303030302020204" pitchFamily="34" charset="-127"/>
+                <a:ea typeface="에스코어 드림 3 Light" panose="020B0303030302020204" pitchFamily="34" charset="-127"/>
+              </a:rPr>
+              <a:t>몬스터를 밖으로 밀어내고 타워 배치</a:t>
+            </a:r>
+            <a:r>
+              <a:rPr lang="ko-KR" altLang="en-US" sz="1100" dirty="0">
+                <a:solidFill>
+                  <a:schemeClr val="tx1">
+                    <a:lumMod val="75000"/>
+                    <a:lumOff val="25000"/>
+                  </a:schemeClr>
+                </a:solidFill>
+                <a:latin typeface="에스코어 드림 3 Light" panose="020B0303030302020204" pitchFamily="34" charset="-127"/>
+                <a:ea typeface="에스코어 드림 3 Light" panose="020B0303030302020204" pitchFamily="34" charset="-127"/>
+              </a:rPr>
+              <a:t> </a:t>
+            </a:r>
+            <a:r>
+              <a:rPr lang="en-US" altLang="ko-KR" sz="1100" dirty="0">
+                <a:solidFill>
+                  <a:schemeClr val="tx1">
+                    <a:lumMod val="75000"/>
+                    <a:lumOff val="25000"/>
+                  </a:schemeClr>
+                </a:solidFill>
+                <a:latin typeface="에스코어 드림 3 Light" panose="020B0303030302020204" pitchFamily="34" charset="-127"/>
+                <a:ea typeface="에스코어 드림 3 Light" panose="020B0303030302020204" pitchFamily="34" charset="-127"/>
+              </a:rPr>
+              <a:t>(</a:t>
+            </a:r>
+            <a:r>
+              <a:rPr lang="ko-KR" altLang="en-US" sz="1100" dirty="0">
+                <a:solidFill>
+                  <a:schemeClr val="tx1">
+                    <a:lumMod val="75000"/>
+                    <a:lumOff val="25000"/>
+                  </a:schemeClr>
+                </a:solidFill>
+                <a:latin typeface="에스코어 드림 3 Light" panose="020B0303030302020204" pitchFamily="34" charset="-127"/>
+                <a:ea typeface="에스코어 드림 3 Light" panose="020B0303030302020204" pitchFamily="34" charset="-127"/>
+              </a:rPr>
+              <a:t>몬스터가 맵 밖으로 밀리지 않도록</a:t>
+            </a:r>
+            <a:r>
+              <a:rPr lang="en-US" altLang="ko-KR" sz="1100" dirty="0">
+                <a:solidFill>
+                  <a:schemeClr val="tx1">
+                    <a:lumMod val="75000"/>
+                    <a:lumOff val="25000"/>
+                  </a:schemeClr>
+                </a:solidFill>
+                <a:latin typeface="에스코어 드림 3 Light" panose="020B0303030302020204" pitchFamily="34" charset="-127"/>
+                <a:ea typeface="에스코어 드림 3 Light" panose="020B0303030302020204" pitchFamily="34" charset="-127"/>
+              </a:rPr>
+              <a:t>, </a:t>
+            </a:r>
+            <a:r>
+              <a:rPr lang="ko-KR" altLang="en-US" sz="1100" dirty="0">
+                <a:solidFill>
+                  <a:schemeClr val="tx1">
+                    <a:lumMod val="75000"/>
+                    <a:lumOff val="25000"/>
+                  </a:schemeClr>
+                </a:solidFill>
+                <a:latin typeface="에스코어 드림 3 Light" panose="020B0303030302020204" pitchFamily="34" charset="-127"/>
+                <a:ea typeface="에스코어 드림 3 Light" panose="020B0303030302020204" pitchFamily="34" charset="-127"/>
+              </a:rPr>
+              <a:t>뚫린 칸으로 밀어내기</a:t>
+            </a:r>
+            <a:r>
+              <a:rPr lang="en-US" altLang="ko-KR" sz="1100" dirty="0">
+                <a:solidFill>
+                  <a:schemeClr val="tx1">
+                    <a:lumMod val="75000"/>
+                    <a:lumOff val="25000"/>
+                  </a:schemeClr>
+                </a:solidFill>
+                <a:latin typeface="에스코어 드림 3 Light" panose="020B0303030302020204" pitchFamily="34" charset="-127"/>
+                <a:ea typeface="에스코어 드림 3 Light" panose="020B0303030302020204" pitchFamily="34" charset="-127"/>
+              </a:rPr>
+              <a:t>)</a:t>
+            </a:r>
+          </a:p>
+          <a:p>
+            <a:pPr defTabSz="180000">
+              <a:lnSpc>
+                <a:spcPct val="120000"/>
+              </a:lnSpc>
+            </a:pPr>
+            <a:r>
+              <a:rPr lang="en-US" altLang="ko-KR" sz="1200" dirty="0">
+                <a:solidFill>
+                  <a:schemeClr val="tx1">
+                    <a:lumMod val="85000"/>
+                    <a:lumOff val="15000"/>
+                  </a:schemeClr>
+                </a:solidFill>
+                <a:latin typeface="에스코어 드림 3 Light" panose="020B0303030302020204" pitchFamily="34" charset="-127"/>
+                <a:ea typeface="에스코어 드림 3 Light" panose="020B0303030302020204" pitchFamily="34" charset="-127"/>
+              </a:rPr>
+              <a:t> - </a:t>
+            </a:r>
+            <a:r>
+              <a:rPr lang="ko-KR" altLang="en-US" sz="1200" dirty="0">
+                <a:solidFill>
+                  <a:schemeClr val="tx1">
+                    <a:lumMod val="85000"/>
+                    <a:lumOff val="15000"/>
+                  </a:schemeClr>
+                </a:solidFill>
+                <a:latin typeface="에스코어 드림 3 Light" panose="020B0303030302020204" pitchFamily="34" charset="-127"/>
+                <a:ea typeface="에스코어 드림 3 Light" panose="020B0303030302020204" pitchFamily="34" charset="-127"/>
+              </a:rPr>
+              <a:t>단</a:t>
+            </a:r>
+            <a:r>
+              <a:rPr lang="en-US" altLang="ko-KR" sz="1200" dirty="0">
+                <a:solidFill>
+                  <a:schemeClr val="tx1">
+                    <a:lumMod val="85000"/>
+                    <a:lumOff val="15000"/>
+                  </a:schemeClr>
+                </a:solidFill>
+                <a:latin typeface="에스코어 드림 3 Light" panose="020B0303030302020204" pitchFamily="34" charset="-127"/>
+                <a:ea typeface="에스코어 드림 3 Light" panose="020B0303030302020204" pitchFamily="34" charset="-127"/>
+              </a:rPr>
+              <a:t>, </a:t>
+            </a:r>
+            <a:r>
+              <a:rPr lang="ko-KR" altLang="en-US" sz="1200" dirty="0">
+                <a:solidFill>
+                  <a:schemeClr val="tx1">
+                    <a:lumMod val="85000"/>
+                    <a:lumOff val="15000"/>
+                  </a:schemeClr>
+                </a:solidFill>
+                <a:latin typeface="에스코어 드림 3 Light" panose="020B0303030302020204" pitchFamily="34" charset="-127"/>
+                <a:ea typeface="에스코어 드림 3 Light" panose="020B0303030302020204" pitchFamily="34" charset="-127"/>
+              </a:rPr>
+              <a:t>몬스터가 중앙을 향해 가는 길을 완벽히 막을 수는 없음 </a:t>
+            </a:r>
+            <a:r>
+              <a:rPr lang="en-US" altLang="ko-KR" sz="1100" dirty="0">
+                <a:solidFill>
+                  <a:schemeClr val="tx1">
+                    <a:lumMod val="75000"/>
+                    <a:lumOff val="25000"/>
+                  </a:schemeClr>
+                </a:solidFill>
+                <a:latin typeface="에스코어 드림 3 Light" panose="020B0303030302020204" pitchFamily="34" charset="-127"/>
+                <a:ea typeface="에스코어 드림 3 Light" panose="020B0303030302020204" pitchFamily="34" charset="-127"/>
+              </a:rPr>
+              <a:t>(</a:t>
+            </a:r>
+            <a:r>
+              <a:rPr lang="ko-KR" altLang="en-US" sz="1100" dirty="0">
+                <a:solidFill>
+                  <a:schemeClr val="tx1">
+                    <a:lumMod val="75000"/>
+                    <a:lumOff val="25000"/>
+                  </a:schemeClr>
+                </a:solidFill>
+                <a:latin typeface="에스코어 드림 3 Light" panose="020B0303030302020204" pitchFamily="34" charset="-127"/>
+                <a:ea typeface="에스코어 드림 3 Light" panose="020B0303030302020204" pitchFamily="34" charset="-127"/>
+              </a:rPr>
+              <a:t>최소 </a:t>
+            </a:r>
+            <a:r>
+              <a:rPr lang="en-US" altLang="ko-KR" sz="1100" dirty="0">
+                <a:solidFill>
+                  <a:schemeClr val="tx1">
+                    <a:lumMod val="75000"/>
+                    <a:lumOff val="25000"/>
+                  </a:schemeClr>
+                </a:solidFill>
+                <a:latin typeface="에스코어 드림 3 Light" panose="020B0303030302020204" pitchFamily="34" charset="-127"/>
+                <a:ea typeface="에스코어 드림 3 Light" panose="020B0303030302020204" pitchFamily="34" charset="-127"/>
+              </a:rPr>
+              <a:t>1</a:t>
+            </a:r>
+            <a:r>
+              <a:rPr lang="ko-KR" altLang="en-US" sz="1100" dirty="0">
+                <a:solidFill>
+                  <a:schemeClr val="tx1">
+                    <a:lumMod val="75000"/>
+                    <a:lumOff val="25000"/>
+                  </a:schemeClr>
+                </a:solidFill>
+                <a:latin typeface="에스코어 드림 3 Light" panose="020B0303030302020204" pitchFamily="34" charset="-127"/>
+                <a:ea typeface="에스코어 드림 3 Light" panose="020B0303030302020204" pitchFamily="34" charset="-127"/>
+              </a:rPr>
+              <a:t>칸 이상의 통로 필요</a:t>
+            </a:r>
+            <a:r>
+              <a:rPr lang="en-US" altLang="ko-KR" sz="1100" dirty="0">
+                <a:solidFill>
+                  <a:schemeClr val="tx1">
+                    <a:lumMod val="75000"/>
+                    <a:lumOff val="25000"/>
+                  </a:schemeClr>
+                </a:solidFill>
+                <a:latin typeface="에스코어 드림 3 Light" panose="020B0303030302020204" pitchFamily="34" charset="-127"/>
+                <a:ea typeface="에스코어 드림 3 Light" panose="020B0303030302020204" pitchFamily="34" charset="-127"/>
+              </a:rPr>
+              <a:t>)</a:t>
+            </a:r>
+          </a:p>
+        </p:txBody>
+      </p:sp>
+    </p:spTree>
+    <p:extLst>
+      <p:ext uri="{BB962C8B-B14F-4D97-AF65-F5344CB8AC3E}">
+        <p14:creationId xmlns:p14="http://schemas.microsoft.com/office/powerpoint/2010/main" val="259845026"/>
+      </p:ext>
+    </p:extLst>
+  </p:cSld>
+  <p:clrMapOvr>
+    <a:masterClrMapping/>
+  </p:clrMapOvr>
+</p:sld>
+</file>
+
 <file path=ppt/slides/slide2.xml><?xml version="1.0" encoding="utf-8"?>
 <p:sld xmlns:a="http://schemas.openxmlformats.org/drawingml/2006/main" xmlns:r="http://schemas.openxmlformats.org/officeDocument/2006/relationships" xmlns:p="http://schemas.openxmlformats.org/presentationml/2006/main">
   <p:cSld>
@@ -3467,7 +7269,7 @@
           <p:nvPr>
             <p:extLst>
               <p:ext uri="{D42A27DB-BD31-4B8C-83A1-F6EECF244321}">
-                <p14:modId xmlns:p14="http://schemas.microsoft.com/office/powerpoint/2010/main" val="510340665"/>
+                <p14:modId xmlns:p14="http://schemas.microsoft.com/office/powerpoint/2010/main" val="2156630815"/>
               </p:ext>
             </p:extLst>
           </p:nvPr>
@@ -4037,6 +7839,16 @@
                           <a:spcPct val="120000"/>
                         </a:lnSpc>
                       </a:pPr>
+                      <a:r>
+                        <a:rPr lang="en-US" altLang="ko-KR" sz="1000" b="0" dirty="0">
+                          <a:solidFill>
+                            <a:schemeClr val="tx1"/>
+                          </a:solidFill>
+                          <a:latin typeface="에스코어 드림 3 Light" panose="020B0303030302020204" pitchFamily="34" charset="-127"/>
+                          <a:ea typeface="에스코어 드림 3 Light" panose="020B0303030302020204" pitchFamily="34" charset="-127"/>
+                        </a:rPr>
+                        <a:t>2025. 05. 21</a:t>
+                      </a:r>
                       <a:endParaRPr lang="ko-KR" altLang="en-US" sz="1000" b="0" dirty="0">
                         <a:solidFill>
                           <a:schemeClr val="tx1"/>
@@ -4116,13 +7928,16 @@
                           <a:spcPct val="120000"/>
                         </a:lnSpc>
                       </a:pPr>
-                      <a:endParaRPr lang="ko-KR" altLang="en-US" sz="1000" b="0" dirty="0">
-                        <a:solidFill>
-                          <a:schemeClr val="tx1"/>
-                        </a:solidFill>
-                        <a:latin typeface="에스코어 드림 3 Light" panose="020B0303030302020204" pitchFamily="34" charset="-127"/>
-                        <a:ea typeface="에스코어 드림 3 Light" panose="020B0303030302020204" pitchFamily="34" charset="-127"/>
-                      </a:endParaRPr>
+                      <a:r>
+                        <a:rPr lang="ko-KR" altLang="en-US" sz="1000" b="0" dirty="0">
+                          <a:solidFill>
+                            <a:schemeClr val="tx1"/>
+                          </a:solidFill>
+                          <a:latin typeface="에스코어 드림 3 Light" panose="020B0303030302020204" pitchFamily="34" charset="-127"/>
+                          <a:ea typeface="에스코어 드림 3 Light" panose="020B0303030302020204" pitchFamily="34" charset="-127"/>
+                        </a:rPr>
+                        <a:t>영웅 타워 설치 추가</a:t>
+                      </a:r>
                     </a:p>
                   </a:txBody>
                   <a:tcPr anchor="ctr">
@@ -4195,6 +8010,61 @@
                           <a:spcPct val="120000"/>
                         </a:lnSpc>
                       </a:pPr>
+                      <a:r>
+                        <a:rPr lang="en-US" altLang="ko-KR" sz="1000" b="0" dirty="0">
+                          <a:solidFill>
+                            <a:schemeClr val="tx1"/>
+                          </a:solidFill>
+                          <a:latin typeface="에스코어 드림 3 Light" panose="020B0303030302020204" pitchFamily="34" charset="-127"/>
+                          <a:ea typeface="에스코어 드림 3 Light" panose="020B0303030302020204" pitchFamily="34" charset="-127"/>
+                          <a:hlinkClick r:id="rId2" action="ppaction://hlinksldjump"/>
+                        </a:rPr>
+                        <a:t>(</a:t>
+                      </a:r>
+                      <a:r>
+                        <a:rPr lang="ko-KR" altLang="en-US" sz="1000" b="0" dirty="0">
+                          <a:solidFill>
+                            <a:schemeClr val="tx1"/>
+                          </a:solidFill>
+                          <a:latin typeface="에스코어 드림 3 Light" panose="020B0303030302020204" pitchFamily="34" charset="-127"/>
+                          <a:ea typeface="에스코어 드림 3 Light" panose="020B0303030302020204" pitchFamily="34" charset="-127"/>
+                          <a:hlinkClick r:id="rId2" action="ppaction://hlinksldjump"/>
+                        </a:rPr>
+                        <a:t>이동</a:t>
+                      </a:r>
+                      <a:r>
+                        <a:rPr lang="en-US" altLang="ko-KR" sz="1000" b="0" dirty="0">
+                          <a:solidFill>
+                            <a:schemeClr val="tx1"/>
+                          </a:solidFill>
+                          <a:latin typeface="에스코어 드림 3 Light" panose="020B0303030302020204" pitchFamily="34" charset="-127"/>
+                          <a:ea typeface="에스코어 드림 3 Light" panose="020B0303030302020204" pitchFamily="34" charset="-127"/>
+                          <a:hlinkClick r:id="rId2" action="ppaction://hlinksldjump"/>
+                        </a:rPr>
+                        <a:t>: Ctrl+</a:t>
+                      </a:r>
+                      <a:r>
+                        <a:rPr lang="ko-KR" altLang="en-US" sz="1000" b="0" dirty="0">
+                          <a:solidFill>
+                            <a:schemeClr val="tx1"/>
+                          </a:solidFill>
+                          <a:latin typeface="에스코어 드림 3 Light" panose="020B0303030302020204" pitchFamily="34" charset="-127"/>
+                          <a:ea typeface="에스코어 드림 3 Light" panose="020B0303030302020204" pitchFamily="34" charset="-127"/>
+                          <a:hlinkClick r:id="rId2" action="ppaction://hlinksldjump"/>
+                        </a:rPr>
+                        <a:t>좌클릭</a:t>
+                      </a:r>
+                      <a:r>
+                        <a:rPr lang="en-US" altLang="ko-KR" sz="1000" b="0" dirty="0">
+                          <a:solidFill>
+                            <a:schemeClr val="tx1"/>
+                          </a:solidFill>
+                          <a:latin typeface="에스코어 드림 3 Light" panose="020B0303030302020204" pitchFamily="34" charset="-127"/>
+                          <a:ea typeface="에스코어 드림 3 Light" panose="020B0303030302020204" pitchFamily="34" charset="-127"/>
+                          <a:hlinkClick r:id="rId2" action="ppaction://hlinksldjump"/>
+                        </a:rPr>
+                        <a:t>)</a:t>
+                      </a:r>
                       <a:endParaRPr lang="ko-KR" altLang="en-US" sz="1000" b="0" dirty="0">
                         <a:solidFill>
                           <a:schemeClr val="tx1"/>
@@ -6866,7 +10736,7 @@
         <p:spPr>
           <a:xfrm>
             <a:off x="840746" y="513168"/>
-            <a:ext cx="1544012" cy="307777"/>
+            <a:ext cx="1744388" cy="307777"/>
           </a:xfrm>
           <a:prstGeom prst="rect">
             <a:avLst/>
@@ -6887,7 +10757,7 @@
                 <a:latin typeface="에스코어 드림 5 Medium" panose="020B0503030302020204" pitchFamily="34" charset="-127"/>
                 <a:ea typeface="에스코어 드림 5 Medium" panose="020B0503030302020204" pitchFamily="34" charset="-127"/>
               </a:rPr>
-              <a:t>0. </a:t>
+              <a:t>1-1. </a:t>
             </a:r>
             <a:r>
               <a:rPr lang="ko-KR" altLang="en-US" sz="1400" b="1" dirty="0">
@@ -7895,7 +11765,7 @@
         <p:spPr>
           <a:xfrm>
             <a:off x="840746" y="513168"/>
-            <a:ext cx="1544012" cy="307777"/>
+            <a:ext cx="1744388" cy="307777"/>
           </a:xfrm>
           <a:prstGeom prst="rect">
             <a:avLst/>
@@ -7916,7 +11786,7 @@
                 <a:latin typeface="에스코어 드림 5 Medium" panose="020B0503030302020204" pitchFamily="34" charset="-127"/>
                 <a:ea typeface="에스코어 드림 5 Medium" panose="020B0503030302020204" pitchFamily="34" charset="-127"/>
               </a:rPr>
-              <a:t>1. </a:t>
+              <a:t>1-2. </a:t>
             </a:r>
             <a:r>
               <a:rPr lang="ko-KR" altLang="en-US" sz="1400" b="1" dirty="0">
@@ -11381,7 +15251,7 @@
         <p:spPr>
           <a:xfrm>
             <a:off x="840746" y="513168"/>
-            <a:ext cx="1544012" cy="307777"/>
+            <a:ext cx="1744388" cy="307777"/>
           </a:xfrm>
           <a:prstGeom prst="rect">
             <a:avLst/>
@@ -11402,7 +15272,7 @@
                 <a:latin typeface="에스코어 드림 5 Medium" panose="020B0503030302020204" pitchFamily="34" charset="-127"/>
                 <a:ea typeface="에스코어 드림 5 Medium" panose="020B0503030302020204" pitchFamily="34" charset="-127"/>
               </a:rPr>
-              <a:t>1. </a:t>
+              <a:t>1-3. </a:t>
             </a:r>
             <a:r>
               <a:rPr lang="ko-KR" altLang="en-US" sz="1400" b="1" dirty="0">
@@ -13007,6 +16877,3277 @@
     <p:extLst>
       <p:ext uri="{BB962C8B-B14F-4D97-AF65-F5344CB8AC3E}">
         <p14:creationId xmlns:p14="http://schemas.microsoft.com/office/powerpoint/2010/main" val="1571285687"/>
+      </p:ext>
+    </p:extLst>
+  </p:cSld>
+  <p:clrMapOvr>
+    <a:masterClrMapping/>
+  </p:clrMapOvr>
+</p:sld>
+</file>
+
+<file path=ppt/slides/slide6.xml><?xml version="1.0" encoding="utf-8"?>
+<p:sld xmlns:a="http://schemas.openxmlformats.org/drawingml/2006/main" xmlns:r="http://schemas.openxmlformats.org/officeDocument/2006/relationships" xmlns:p="http://schemas.openxmlformats.org/presentationml/2006/main">
+  <p:cSld>
+    <p:spTree>
+      <p:nvGrpSpPr>
+        <p:cNvPr id="1" name=""/>
+        <p:cNvGrpSpPr/>
+        <p:nvPr/>
+      </p:nvGrpSpPr>
+      <p:grpSpPr>
+        <a:xfrm>
+          <a:off x="0" y="0"/>
+          <a:ext cx="0" cy="0"/>
+          <a:chOff x="0" y="0"/>
+          <a:chExt cx="0" cy="0"/>
+        </a:xfrm>
+      </p:grpSpPr>
+      <p:sp>
+        <p:nvSpPr>
+          <p:cNvPr id="4" name="TextBox 3">
+            <a:extLst>
+              <a:ext uri="{FF2B5EF4-FFF2-40B4-BE49-F238E27FC236}">
+                <a16:creationId xmlns:a16="http://schemas.microsoft.com/office/drawing/2014/main" id="{31D605FA-0986-4426-943A-407FB8E51E9D}"/>
+              </a:ext>
+            </a:extLst>
+          </p:cNvPr>
+          <p:cNvSpPr txBox="1"/>
+          <p:nvPr/>
+        </p:nvSpPr>
+        <p:spPr>
+          <a:xfrm>
+            <a:off x="4244375" y="2032144"/>
+            <a:ext cx="3703258" cy="646331"/>
+          </a:xfrm>
+          <a:prstGeom prst="rect">
+            <a:avLst/>
+          </a:prstGeom>
+          <a:noFill/>
+        </p:spPr>
+        <p:txBody>
+          <a:bodyPr wrap="none" rtlCol="0">
+            <a:spAutoFit/>
+          </a:bodyPr>
+          <a:lstStyle/>
+          <a:p>
+            <a:pPr algn="ctr"/>
+            <a:r>
+              <a:rPr lang="en-US" altLang="ko-KR" sz="3600" dirty="0">
+                <a:solidFill>
+                  <a:srgbClr val="1A0C2F"/>
+                </a:solidFill>
+                <a:latin typeface="에스코어 드림 9 Black" panose="020B0A03030302020204" pitchFamily="34" charset="-127"/>
+                <a:ea typeface="에스코어 드림 9 Black" panose="020B0A03030302020204" pitchFamily="34" charset="-127"/>
+              </a:rPr>
+              <a:t>2. </a:t>
+            </a:r>
+            <a:r>
+              <a:rPr lang="ko-KR" altLang="en-US" sz="3600" dirty="0">
+                <a:solidFill>
+                  <a:srgbClr val="1A0C2F"/>
+                </a:solidFill>
+                <a:latin typeface="에스코어 드림 9 Black" panose="020B0A03030302020204" pitchFamily="34" charset="-127"/>
+                <a:ea typeface="에스코어 드림 9 Black" panose="020B0A03030302020204" pitchFamily="34" charset="-127"/>
+              </a:rPr>
+              <a:t>영웅 타워 설치</a:t>
+            </a:r>
+          </a:p>
+        </p:txBody>
+      </p:sp>
+    </p:spTree>
+    <p:extLst>
+      <p:ext uri="{BB962C8B-B14F-4D97-AF65-F5344CB8AC3E}">
+        <p14:creationId xmlns:p14="http://schemas.microsoft.com/office/powerpoint/2010/main" val="3699468307"/>
+      </p:ext>
+    </p:extLst>
+  </p:cSld>
+  <p:clrMapOvr>
+    <a:masterClrMapping/>
+  </p:clrMapOvr>
+</p:sld>
+</file>
+
+<file path=ppt/slides/slide7.xml><?xml version="1.0" encoding="utf-8"?>
+<p:sld xmlns:a="http://schemas.openxmlformats.org/drawingml/2006/main" xmlns:r="http://schemas.openxmlformats.org/officeDocument/2006/relationships" xmlns:p="http://schemas.openxmlformats.org/presentationml/2006/main">
+  <p:cSld>
+    <p:spTree>
+      <p:nvGrpSpPr>
+        <p:cNvPr id="1" name=""/>
+        <p:cNvGrpSpPr/>
+        <p:nvPr/>
+      </p:nvGrpSpPr>
+      <p:grpSpPr>
+        <a:xfrm>
+          <a:off x="0" y="0"/>
+          <a:ext cx="0" cy="0"/>
+          <a:chOff x="0" y="0"/>
+          <a:chExt cx="0" cy="0"/>
+        </a:xfrm>
+      </p:grpSpPr>
+      <p:pic>
+        <p:nvPicPr>
+          <p:cNvPr id="4" name="그림 3">
+            <a:extLst>
+              <a:ext uri="{FF2B5EF4-FFF2-40B4-BE49-F238E27FC236}">
+                <a16:creationId xmlns:a16="http://schemas.microsoft.com/office/drawing/2014/main" id="{DFD6BA0B-CE84-4FDC-AACE-67EB18A5A242}"/>
+              </a:ext>
+            </a:extLst>
+          </p:cNvPr>
+          <p:cNvPicPr>
+            <a:picLocks noChangeAspect="1"/>
+          </p:cNvPicPr>
+          <p:nvPr/>
+        </p:nvPicPr>
+        <p:blipFill rotWithShape="1">
+          <a:blip r:embed="rId2"/>
+          <a:srcRect t="32725" b="1116"/>
+          <a:stretch/>
+        </p:blipFill>
+        <p:spPr>
+          <a:xfrm>
+            <a:off x="840746" y="2065639"/>
+            <a:ext cx="2745696" cy="4036567"/>
+          </a:xfrm>
+          <a:prstGeom prst="rect">
+            <a:avLst/>
+          </a:prstGeom>
+          <a:ln>
+            <a:solidFill>
+              <a:schemeClr val="bg1">
+                <a:lumMod val="85000"/>
+              </a:schemeClr>
+            </a:solidFill>
+          </a:ln>
+          <a:effectLst>
+            <a:outerShdw blurRad="50800" dist="38100" dir="2700000" algn="tl" rotWithShape="0">
+              <a:schemeClr val="bg1">
+                <a:alpha val="40000"/>
+              </a:schemeClr>
+            </a:outerShdw>
+          </a:effectLst>
+        </p:spPr>
+      </p:pic>
+      <p:sp>
+        <p:nvSpPr>
+          <p:cNvPr id="5" name="직사각형 4">
+            <a:extLst>
+              <a:ext uri="{FF2B5EF4-FFF2-40B4-BE49-F238E27FC236}">
+                <a16:creationId xmlns:a16="http://schemas.microsoft.com/office/drawing/2014/main" id="{284DD7ED-D641-4048-B2DC-2FD2B03ECAF3}"/>
+              </a:ext>
+            </a:extLst>
+          </p:cNvPr>
+          <p:cNvSpPr/>
+          <p:nvPr/>
+        </p:nvSpPr>
+        <p:spPr>
+          <a:xfrm>
+            <a:off x="859795" y="561040"/>
+            <a:ext cx="45719" cy="212031"/>
+          </a:xfrm>
+          <a:prstGeom prst="rect">
+            <a:avLst/>
+          </a:prstGeom>
+          <a:solidFill>
+            <a:srgbClr val="1A0C2F"/>
+          </a:solidFill>
+          <a:ln>
+            <a:noFill/>
+          </a:ln>
+        </p:spPr>
+        <p:style>
+          <a:lnRef idx="2">
+            <a:schemeClr val="accent1">
+              <a:shade val="50000"/>
+            </a:schemeClr>
+          </a:lnRef>
+          <a:fillRef idx="1">
+            <a:schemeClr val="accent1"/>
+          </a:fillRef>
+          <a:effectRef idx="0">
+            <a:schemeClr val="accent1"/>
+          </a:effectRef>
+          <a:fontRef idx="minor">
+            <a:schemeClr val="lt1"/>
+          </a:fontRef>
+        </p:style>
+        <p:txBody>
+          <a:bodyPr rtlCol="0" anchor="ctr"/>
+          <a:lstStyle/>
+          <a:p>
+            <a:pPr algn="ctr"/>
+            <a:endParaRPr lang="ko-KR" altLang="en-US" dirty="0"/>
+          </a:p>
+        </p:txBody>
+      </p:sp>
+      <p:sp>
+        <p:nvSpPr>
+          <p:cNvPr id="6" name="TextBox 5">
+            <a:extLst>
+              <a:ext uri="{FF2B5EF4-FFF2-40B4-BE49-F238E27FC236}">
+                <a16:creationId xmlns:a16="http://schemas.microsoft.com/office/drawing/2014/main" id="{ED4895FC-AD32-4677-B940-70D4BECD64E1}"/>
+              </a:ext>
+            </a:extLst>
+          </p:cNvPr>
+          <p:cNvSpPr txBox="1"/>
+          <p:nvPr/>
+        </p:nvSpPr>
+        <p:spPr>
+          <a:xfrm>
+            <a:off x="840746" y="513168"/>
+            <a:ext cx="1744388" cy="307777"/>
+          </a:xfrm>
+          <a:prstGeom prst="rect">
+            <a:avLst/>
+          </a:prstGeom>
+          <a:noFill/>
+        </p:spPr>
+        <p:txBody>
+          <a:bodyPr wrap="none" rtlCol="0">
+            <a:spAutoFit/>
+          </a:bodyPr>
+          <a:lstStyle/>
+          <a:p>
+            <a:r>
+              <a:rPr lang="en-US" altLang="ko-KR" sz="1400" b="1" dirty="0">
+                <a:solidFill>
+                  <a:srgbClr val="1A0C2F"/>
+                </a:solidFill>
+                <a:latin typeface="에스코어 드림 5 Medium" panose="020B0503030302020204" pitchFamily="34" charset="-127"/>
+                <a:ea typeface="에스코어 드림 5 Medium" panose="020B0503030302020204" pitchFamily="34" charset="-127"/>
+              </a:rPr>
+              <a:t>2-1. </a:t>
+            </a:r>
+            <a:r>
+              <a:rPr lang="ko-KR" altLang="en-US" sz="1400" b="1" dirty="0">
+                <a:solidFill>
+                  <a:srgbClr val="1A0C2F"/>
+                </a:solidFill>
+                <a:latin typeface="에스코어 드림 5 Medium" panose="020B0503030302020204" pitchFamily="34" charset="-127"/>
+                <a:ea typeface="에스코어 드림 5 Medium" panose="020B0503030302020204" pitchFamily="34" charset="-127"/>
+              </a:rPr>
+              <a:t>레퍼런스 점검</a:t>
+            </a:r>
+          </a:p>
+        </p:txBody>
+      </p:sp>
+      <p:sp>
+        <p:nvSpPr>
+          <p:cNvPr id="7" name="TextBox 6">
+            <a:extLst>
+              <a:ext uri="{FF2B5EF4-FFF2-40B4-BE49-F238E27FC236}">
+                <a16:creationId xmlns:a16="http://schemas.microsoft.com/office/drawing/2014/main" id="{CD091E2A-0CA9-46D9-96A4-09EEBF073158}"/>
+              </a:ext>
+            </a:extLst>
+          </p:cNvPr>
+          <p:cNvSpPr txBox="1"/>
+          <p:nvPr/>
+        </p:nvSpPr>
+        <p:spPr>
+          <a:xfrm>
+            <a:off x="745699" y="755794"/>
+            <a:ext cx="6149440" cy="461665"/>
+          </a:xfrm>
+          <a:prstGeom prst="rect">
+            <a:avLst/>
+          </a:prstGeom>
+          <a:noFill/>
+        </p:spPr>
+        <p:txBody>
+          <a:bodyPr wrap="none" rtlCol="0">
+            <a:spAutoFit/>
+          </a:bodyPr>
+          <a:lstStyle/>
+          <a:p>
+            <a:r>
+              <a:rPr lang="ko-KR" altLang="en-US" sz="2400" dirty="0">
+                <a:solidFill>
+                  <a:srgbClr val="1A0C2F"/>
+                </a:solidFill>
+                <a:latin typeface="에스코어 드림 9 Black" panose="020B0A03030302020204" pitchFamily="34" charset="-127"/>
+                <a:ea typeface="에스코어 드림 9 Black" panose="020B0A03030302020204" pitchFamily="34" charset="-127"/>
+              </a:rPr>
+              <a:t>타워 설치 레퍼런스</a:t>
+            </a:r>
+            <a:r>
+              <a:rPr lang="en-US" altLang="ko-KR" sz="2400" dirty="0">
+                <a:solidFill>
+                  <a:srgbClr val="1A0C2F"/>
+                </a:solidFill>
+                <a:latin typeface="에스코어 드림 9 Black" panose="020B0A03030302020204" pitchFamily="34" charset="-127"/>
+                <a:ea typeface="에스코어 드림 9 Black" panose="020B0A03030302020204" pitchFamily="34" charset="-127"/>
+              </a:rPr>
+              <a:t>: </a:t>
+            </a:r>
+            <a:r>
+              <a:rPr lang="ko-KR" altLang="en-US" sz="2400" dirty="0">
+                <a:solidFill>
+                  <a:srgbClr val="1A0C2F"/>
+                </a:solidFill>
+                <a:latin typeface="에스코어 드림 9 Black" panose="020B0A03030302020204" pitchFamily="34" charset="-127"/>
+                <a:ea typeface="에스코어 드림 9 Black" panose="020B0A03030302020204" pitchFamily="34" charset="-127"/>
+              </a:rPr>
+              <a:t>스타크래프트</a:t>
+            </a:r>
+            <a:r>
+              <a:rPr lang="en-US" altLang="ko-KR" sz="2400" dirty="0">
+                <a:solidFill>
+                  <a:srgbClr val="1A0C2F"/>
+                </a:solidFill>
+                <a:latin typeface="에스코어 드림 9 Black" panose="020B0A03030302020204" pitchFamily="34" charset="-127"/>
+                <a:ea typeface="에스코어 드림 9 Black" panose="020B0A03030302020204" pitchFamily="34" charset="-127"/>
+              </a:rPr>
+              <a:t>, </a:t>
+            </a:r>
+            <a:r>
+              <a:rPr lang="ko-KR" altLang="en-US" sz="2400" dirty="0">
+                <a:solidFill>
+                  <a:srgbClr val="1A0C2F"/>
+                </a:solidFill>
+                <a:latin typeface="에스코어 드림 9 Black" panose="020B0A03030302020204" pitchFamily="34" charset="-127"/>
+                <a:ea typeface="에스코어 드림 9 Black" panose="020B0A03030302020204" pitchFamily="34" charset="-127"/>
+              </a:rPr>
+              <a:t>언더 다크</a:t>
+            </a:r>
+          </a:p>
+        </p:txBody>
+      </p:sp>
+      <p:sp>
+        <p:nvSpPr>
+          <p:cNvPr id="8" name="TextBox 7">
+            <a:extLst>
+              <a:ext uri="{FF2B5EF4-FFF2-40B4-BE49-F238E27FC236}">
+                <a16:creationId xmlns:a16="http://schemas.microsoft.com/office/drawing/2014/main" id="{65C880CC-A57C-4064-872C-6D18EED040FD}"/>
+              </a:ext>
+            </a:extLst>
+          </p:cNvPr>
+          <p:cNvSpPr txBox="1"/>
+          <p:nvPr/>
+        </p:nvSpPr>
+        <p:spPr>
+          <a:xfrm>
+            <a:off x="4751166" y="5208504"/>
+            <a:ext cx="3413114" cy="1109471"/>
+          </a:xfrm>
+          <a:prstGeom prst="rect">
+            <a:avLst/>
+          </a:prstGeom>
+          <a:noFill/>
+        </p:spPr>
+        <p:txBody>
+          <a:bodyPr wrap="none" rtlCol="0">
+            <a:spAutoFit/>
+          </a:bodyPr>
+          <a:lstStyle/>
+          <a:p>
+            <a:pPr>
+              <a:lnSpc>
+                <a:spcPct val="120000"/>
+              </a:lnSpc>
+            </a:pPr>
+            <a:r>
+              <a:rPr lang="ko-KR" altLang="en-US" sz="1600" dirty="0">
+                <a:solidFill>
+                  <a:schemeClr val="tx1">
+                    <a:lumMod val="85000"/>
+                    <a:lumOff val="15000"/>
+                  </a:schemeClr>
+                </a:solidFill>
+                <a:latin typeface="에스코어 드림 7 ExtraBold" panose="020B0803030302020204" pitchFamily="34" charset="-127"/>
+                <a:ea typeface="에스코어 드림 7 ExtraBold" panose="020B0803030302020204" pitchFamily="34" charset="-127"/>
+              </a:rPr>
+              <a:t>타워 인벤토리 레퍼런스</a:t>
+            </a:r>
+            <a:endParaRPr lang="en-US" altLang="ko-KR" sz="1600" dirty="0">
+              <a:solidFill>
+                <a:schemeClr val="tx1">
+                  <a:lumMod val="85000"/>
+                  <a:lumOff val="15000"/>
+                </a:schemeClr>
+              </a:solidFill>
+              <a:latin typeface="에스코어 드림 7 ExtraBold" panose="020B0803030302020204" pitchFamily="34" charset="-127"/>
+              <a:ea typeface="에스코어 드림 7 ExtraBold" panose="020B0803030302020204" pitchFamily="34" charset="-127"/>
+            </a:endParaRPr>
+          </a:p>
+          <a:p>
+            <a:pPr>
+              <a:lnSpc>
+                <a:spcPct val="120000"/>
+              </a:lnSpc>
+            </a:pPr>
+            <a:r>
+              <a:rPr lang="en-US" altLang="ko-KR" sz="400" dirty="0">
+                <a:solidFill>
+                  <a:schemeClr val="tx1">
+                    <a:lumMod val="85000"/>
+                    <a:lumOff val="15000"/>
+                  </a:schemeClr>
+                </a:solidFill>
+                <a:latin typeface="에스코어 드림 5 Medium" panose="020B0503030302020204" pitchFamily="34" charset="-127"/>
+                <a:ea typeface="에스코어 드림 5 Medium" panose="020B0503030302020204" pitchFamily="34" charset="-127"/>
+              </a:rPr>
+              <a:t> </a:t>
+            </a:r>
+          </a:p>
+          <a:p>
+            <a:pPr>
+              <a:lnSpc>
+                <a:spcPct val="120000"/>
+              </a:lnSpc>
+            </a:pPr>
+            <a:r>
+              <a:rPr lang="en-US" altLang="ko-KR" sz="1200" dirty="0">
+                <a:solidFill>
+                  <a:schemeClr val="tx1">
+                    <a:lumMod val="85000"/>
+                    <a:lumOff val="15000"/>
+                  </a:schemeClr>
+                </a:solidFill>
+                <a:latin typeface="에스코어 드림 3 Light" panose="020B0303030302020204" pitchFamily="34" charset="-127"/>
+                <a:ea typeface="에스코어 드림 3 Light" panose="020B0303030302020204" pitchFamily="34" charset="-127"/>
+              </a:rPr>
+              <a:t> - </a:t>
+            </a:r>
+            <a:r>
+              <a:rPr lang="ko-KR" altLang="en-US" sz="1200" dirty="0">
+                <a:solidFill>
+                  <a:schemeClr val="tx1">
+                    <a:lumMod val="85000"/>
+                    <a:lumOff val="15000"/>
+                  </a:schemeClr>
+                </a:solidFill>
+                <a:latin typeface="에스코어 드림 3 Light" panose="020B0303030302020204" pitchFamily="34" charset="-127"/>
+                <a:ea typeface="에스코어 드림 3 Light" panose="020B0303030302020204" pitchFamily="34" charset="-127"/>
+              </a:rPr>
+              <a:t>각 타워는 </a:t>
+            </a:r>
+            <a:r>
+              <a:rPr lang="en-US" altLang="ko-KR" sz="1200" dirty="0">
+                <a:solidFill>
+                  <a:schemeClr val="tx1">
+                    <a:lumMod val="85000"/>
+                    <a:lumOff val="15000"/>
+                  </a:schemeClr>
+                </a:solidFill>
+                <a:latin typeface="에스코어 드림 3 Light" panose="020B0303030302020204" pitchFamily="34" charset="-127"/>
+                <a:ea typeface="에스코어 드림 3 Light" panose="020B0303030302020204" pitchFamily="34" charset="-127"/>
+              </a:rPr>
+              <a:t>2x2 / 3x2 </a:t>
+            </a:r>
+            <a:r>
+              <a:rPr lang="ko-KR" altLang="en-US" sz="1200" dirty="0">
+                <a:solidFill>
+                  <a:schemeClr val="tx1">
+                    <a:lumMod val="85000"/>
+                    <a:lumOff val="15000"/>
+                  </a:schemeClr>
+                </a:solidFill>
+                <a:latin typeface="에스코어 드림 3 Light" panose="020B0303030302020204" pitchFamily="34" charset="-127"/>
+                <a:ea typeface="에스코어 드림 3 Light" panose="020B0303030302020204" pitchFamily="34" charset="-127"/>
+              </a:rPr>
+              <a:t>등 각자 사이즈가 있음</a:t>
+            </a:r>
+            <a:endParaRPr lang="en-US" altLang="ko-KR" sz="1200" dirty="0">
+              <a:solidFill>
+                <a:schemeClr val="tx1">
+                  <a:lumMod val="85000"/>
+                  <a:lumOff val="15000"/>
+                </a:schemeClr>
+              </a:solidFill>
+              <a:latin typeface="에스코어 드림 3 Light" panose="020B0303030302020204" pitchFamily="34" charset="-127"/>
+              <a:ea typeface="에스코어 드림 3 Light" panose="020B0303030302020204" pitchFamily="34" charset="-127"/>
+            </a:endParaRPr>
+          </a:p>
+          <a:p>
+            <a:pPr>
+              <a:lnSpc>
+                <a:spcPct val="120000"/>
+              </a:lnSpc>
+            </a:pPr>
+            <a:r>
+              <a:rPr lang="en-US" altLang="ko-KR" sz="1200" dirty="0">
+                <a:solidFill>
+                  <a:schemeClr val="tx1">
+                    <a:lumMod val="85000"/>
+                    <a:lumOff val="15000"/>
+                  </a:schemeClr>
+                </a:solidFill>
+                <a:latin typeface="에스코어 드림 3 Light" panose="020B0303030302020204" pitchFamily="34" charset="-127"/>
+                <a:ea typeface="에스코어 드림 3 Light" panose="020B0303030302020204" pitchFamily="34" charset="-127"/>
+              </a:rPr>
+              <a:t> - </a:t>
+            </a:r>
+            <a:r>
+              <a:rPr lang="ko-KR" altLang="en-US" sz="1200" dirty="0">
+                <a:solidFill>
+                  <a:schemeClr val="tx1">
+                    <a:lumMod val="85000"/>
+                    <a:lumOff val="15000"/>
+                  </a:schemeClr>
+                </a:solidFill>
+                <a:latin typeface="에스코어 드림 3 Light" panose="020B0303030302020204" pitchFamily="34" charset="-127"/>
+                <a:ea typeface="에스코어 드림 3 Light" panose="020B0303030302020204" pitchFamily="34" charset="-127"/>
+              </a:rPr>
+              <a:t>타워 인벤토리에서는 </a:t>
+            </a:r>
+            <a:r>
+              <a:rPr lang="ko-KR" altLang="en-US" sz="1200" dirty="0">
+                <a:solidFill>
+                  <a:schemeClr val="tx1">
+                    <a:lumMod val="85000"/>
+                    <a:lumOff val="15000"/>
+                  </a:schemeClr>
+                </a:solidFill>
+                <a:latin typeface="에스코어 드림 5 Medium" panose="020B0503030302020204" pitchFamily="34" charset="-127"/>
+                <a:ea typeface="에스코어 드림 5 Medium" panose="020B0503030302020204" pitchFamily="34" charset="-127"/>
+              </a:rPr>
+              <a:t>큰 셀 안에 타워가 표시됨</a:t>
+            </a:r>
+            <a:endParaRPr lang="en-US" altLang="ko-KR" sz="1200" dirty="0">
+              <a:solidFill>
+                <a:schemeClr val="tx1">
+                  <a:lumMod val="85000"/>
+                  <a:lumOff val="15000"/>
+                </a:schemeClr>
+              </a:solidFill>
+              <a:latin typeface="에스코어 드림 5 Medium" panose="020B0503030302020204" pitchFamily="34" charset="-127"/>
+              <a:ea typeface="에스코어 드림 5 Medium" panose="020B0503030302020204" pitchFamily="34" charset="-127"/>
+            </a:endParaRPr>
+          </a:p>
+          <a:p>
+            <a:pPr>
+              <a:lnSpc>
+                <a:spcPct val="120000"/>
+              </a:lnSpc>
+            </a:pPr>
+            <a:r>
+              <a:rPr lang="en-US" altLang="ko-KR" sz="1200" dirty="0">
+                <a:solidFill>
+                  <a:schemeClr val="tx1">
+                    <a:lumMod val="85000"/>
+                    <a:lumOff val="15000"/>
+                  </a:schemeClr>
+                </a:solidFill>
+                <a:latin typeface="에스코어 드림 3 Light" panose="020B0303030302020204" pitchFamily="34" charset="-127"/>
+                <a:ea typeface="에스코어 드림 3 Light" panose="020B0303030302020204" pitchFamily="34" charset="-127"/>
+              </a:rPr>
+              <a:t> - </a:t>
+            </a:r>
+            <a:r>
+              <a:rPr lang="ko-KR" altLang="en-US" sz="1200" dirty="0">
+                <a:solidFill>
+                  <a:schemeClr val="tx1">
+                    <a:lumMod val="85000"/>
+                    <a:lumOff val="15000"/>
+                  </a:schemeClr>
+                </a:solidFill>
+                <a:latin typeface="에스코어 드림 3 Light" panose="020B0303030302020204" pitchFamily="34" charset="-127"/>
+                <a:ea typeface="에스코어 드림 3 Light" panose="020B0303030302020204" pitchFamily="34" charset="-127"/>
+              </a:rPr>
+              <a:t>덤으로 </a:t>
+            </a:r>
+            <a:r>
+              <a:rPr lang="en-US" altLang="ko-KR" sz="1200" dirty="0">
+                <a:solidFill>
+                  <a:schemeClr val="tx1">
+                    <a:lumMod val="85000"/>
+                    <a:lumOff val="15000"/>
+                  </a:schemeClr>
+                </a:solidFill>
+                <a:latin typeface="에스코어 드림 3 Light" panose="020B0303030302020204" pitchFamily="34" charset="-127"/>
+                <a:ea typeface="에스코어 드림 3 Light" panose="020B0303030302020204" pitchFamily="34" charset="-127"/>
+              </a:rPr>
+              <a:t>2</a:t>
+            </a:r>
+            <a:r>
+              <a:rPr lang="ko-KR" altLang="en-US" sz="1200" dirty="0">
+                <a:solidFill>
+                  <a:schemeClr val="tx1">
+                    <a:lumMod val="85000"/>
+                    <a:lumOff val="15000"/>
+                  </a:schemeClr>
+                </a:solidFill>
+                <a:latin typeface="에스코어 드림 3 Light" panose="020B0303030302020204" pitchFamily="34" charset="-127"/>
+                <a:ea typeface="에스코어 드림 3 Light" panose="020B0303030302020204" pitchFamily="34" charset="-127"/>
+              </a:rPr>
+              <a:t>레벨 이상은 </a:t>
+            </a:r>
+            <a:r>
+              <a:rPr lang="en-US" altLang="ko-KR" sz="1200" dirty="0">
+                <a:solidFill>
+                  <a:schemeClr val="tx1">
+                    <a:lumMod val="85000"/>
+                    <a:lumOff val="15000"/>
+                  </a:schemeClr>
+                </a:solidFill>
+                <a:latin typeface="에스코어 드림 3 Light" panose="020B0303030302020204" pitchFamily="34" charset="-127"/>
+                <a:ea typeface="에스코어 드림 3 Light" panose="020B0303030302020204" pitchFamily="34" charset="-127"/>
+              </a:rPr>
+              <a:t>Lv.0 </a:t>
+            </a:r>
+            <a:r>
+              <a:rPr lang="ko-KR" altLang="en-US" sz="1200" dirty="0">
+                <a:solidFill>
+                  <a:schemeClr val="tx1">
+                    <a:lumMod val="85000"/>
+                    <a:lumOff val="15000"/>
+                  </a:schemeClr>
+                </a:solidFill>
+                <a:latin typeface="에스코어 드림 3 Light" panose="020B0303030302020204" pitchFamily="34" charset="-127"/>
+                <a:ea typeface="에스코어 드림 3 Light" panose="020B0303030302020204" pitchFamily="34" charset="-127"/>
+              </a:rPr>
+              <a:t>텍스트 표시</a:t>
+            </a:r>
+            <a:endParaRPr lang="en-US" altLang="ko-KR" sz="1100" dirty="0">
+              <a:solidFill>
+                <a:schemeClr val="tx1">
+                  <a:lumMod val="65000"/>
+                  <a:lumOff val="35000"/>
+                </a:schemeClr>
+              </a:solidFill>
+              <a:latin typeface="에스코어 드림 3 Light" panose="020B0303030302020204" pitchFamily="34" charset="-127"/>
+              <a:ea typeface="에스코어 드림 3 Light" panose="020B0303030302020204" pitchFamily="34" charset="-127"/>
+            </a:endParaRPr>
+          </a:p>
+        </p:txBody>
+      </p:sp>
+      <p:sp>
+        <p:nvSpPr>
+          <p:cNvPr id="9" name="화살표: 아래쪽 8">
+            <a:extLst>
+              <a:ext uri="{FF2B5EF4-FFF2-40B4-BE49-F238E27FC236}">
+                <a16:creationId xmlns:a16="http://schemas.microsoft.com/office/drawing/2014/main" id="{165D3376-B4CF-4C0D-8518-46E26DF26BC6}"/>
+              </a:ext>
+            </a:extLst>
+          </p:cNvPr>
+          <p:cNvSpPr/>
+          <p:nvPr/>
+        </p:nvSpPr>
+        <p:spPr>
+          <a:xfrm rot="5400000">
+            <a:off x="4088935" y="5265674"/>
+            <a:ext cx="278034" cy="561314"/>
+          </a:xfrm>
+          <a:prstGeom prst="downArrow">
+            <a:avLst/>
+          </a:prstGeom>
+          <a:solidFill>
+            <a:srgbClr val="C00000"/>
+          </a:solidFill>
+          <a:ln>
+            <a:noFill/>
+          </a:ln>
+        </p:spPr>
+        <p:style>
+          <a:lnRef idx="2">
+            <a:schemeClr val="accent1">
+              <a:shade val="50000"/>
+            </a:schemeClr>
+          </a:lnRef>
+          <a:fillRef idx="1">
+            <a:schemeClr val="accent1"/>
+          </a:fillRef>
+          <a:effectRef idx="0">
+            <a:schemeClr val="accent1"/>
+          </a:effectRef>
+          <a:fontRef idx="minor">
+            <a:schemeClr val="lt1"/>
+          </a:fontRef>
+        </p:style>
+        <p:txBody>
+          <a:bodyPr rtlCol="0" anchor="ctr"/>
+          <a:lstStyle/>
+          <a:p>
+            <a:pPr algn="ctr"/>
+            <a:endParaRPr lang="ko-KR" altLang="en-US"/>
+          </a:p>
+        </p:txBody>
+      </p:sp>
+      <p:sp>
+        <p:nvSpPr>
+          <p:cNvPr id="10" name="직사각형 9">
+            <a:extLst>
+              <a:ext uri="{FF2B5EF4-FFF2-40B4-BE49-F238E27FC236}">
+                <a16:creationId xmlns:a16="http://schemas.microsoft.com/office/drawing/2014/main" id="{D4946024-7598-4E42-9404-93BF513D6D78}"/>
+              </a:ext>
+            </a:extLst>
+          </p:cNvPr>
+          <p:cNvSpPr/>
+          <p:nvPr/>
+        </p:nvSpPr>
+        <p:spPr>
+          <a:xfrm>
+            <a:off x="9001125" y="5098656"/>
+            <a:ext cx="895350" cy="895350"/>
+          </a:xfrm>
+          <a:prstGeom prst="rect">
+            <a:avLst/>
+          </a:prstGeom>
+          <a:solidFill>
+            <a:schemeClr val="accent5">
+              <a:lumMod val="20000"/>
+              <a:lumOff val="80000"/>
+            </a:schemeClr>
+          </a:solidFill>
+        </p:spPr>
+        <p:style>
+          <a:lnRef idx="2">
+            <a:schemeClr val="accent1">
+              <a:shade val="50000"/>
+            </a:schemeClr>
+          </a:lnRef>
+          <a:fillRef idx="1">
+            <a:schemeClr val="accent1"/>
+          </a:fillRef>
+          <a:effectRef idx="0">
+            <a:schemeClr val="accent1"/>
+          </a:effectRef>
+          <a:fontRef idx="minor">
+            <a:schemeClr val="lt1"/>
+          </a:fontRef>
+        </p:style>
+        <p:txBody>
+          <a:bodyPr rtlCol="0" anchor="ctr"/>
+          <a:lstStyle/>
+          <a:p>
+            <a:pPr algn="ctr"/>
+            <a:endParaRPr lang="ko-KR" altLang="en-US"/>
+          </a:p>
+        </p:txBody>
+      </p:sp>
+      <p:grpSp>
+        <p:nvGrpSpPr>
+          <p:cNvPr id="14" name="그룹 13">
+            <a:extLst>
+              <a:ext uri="{FF2B5EF4-FFF2-40B4-BE49-F238E27FC236}">
+                <a16:creationId xmlns:a16="http://schemas.microsoft.com/office/drawing/2014/main" id="{0A79D680-A972-4E9C-A87B-22E8BCEA01AD}"/>
+              </a:ext>
+            </a:extLst>
+          </p:cNvPr>
+          <p:cNvGrpSpPr/>
+          <p:nvPr/>
+        </p:nvGrpSpPr>
+        <p:grpSpPr>
+          <a:xfrm>
+            <a:off x="9209265" y="5264577"/>
+            <a:ext cx="496655" cy="496655"/>
+            <a:chOff x="9218790" y="5315907"/>
+            <a:chExt cx="496655" cy="496655"/>
+          </a:xfrm>
+        </p:grpSpPr>
+        <p:sp>
+          <p:nvSpPr>
+            <p:cNvPr id="11" name="직사각형 10">
+              <a:extLst>
+                <a:ext uri="{FF2B5EF4-FFF2-40B4-BE49-F238E27FC236}">
+                  <a16:creationId xmlns:a16="http://schemas.microsoft.com/office/drawing/2014/main" id="{680F819A-B911-4341-A938-50C6A5FD833D}"/>
+                </a:ext>
+              </a:extLst>
+            </p:cNvPr>
+            <p:cNvSpPr/>
+            <p:nvPr/>
+          </p:nvSpPr>
+          <p:spPr>
+            <a:xfrm>
+              <a:off x="9218790" y="5315907"/>
+              <a:ext cx="496655" cy="496655"/>
+            </a:xfrm>
+            <a:prstGeom prst="rect">
+              <a:avLst/>
+            </a:prstGeom>
+            <a:solidFill>
+              <a:schemeClr val="accent6">
+                <a:lumMod val="40000"/>
+                <a:lumOff val="60000"/>
+              </a:schemeClr>
+            </a:solidFill>
+          </p:spPr>
+          <p:style>
+            <a:lnRef idx="2">
+              <a:schemeClr val="accent1">
+                <a:shade val="50000"/>
+              </a:schemeClr>
+            </a:lnRef>
+            <a:fillRef idx="1">
+              <a:schemeClr val="accent1"/>
+            </a:fillRef>
+            <a:effectRef idx="0">
+              <a:schemeClr val="accent1"/>
+            </a:effectRef>
+            <a:fontRef idx="minor">
+              <a:schemeClr val="lt1"/>
+            </a:fontRef>
+          </p:style>
+          <p:txBody>
+            <a:bodyPr rtlCol="0" anchor="ctr"/>
+            <a:lstStyle/>
+            <a:p>
+              <a:pPr algn="ctr"/>
+              <a:endParaRPr lang="ko-KR" altLang="en-US"/>
+            </a:p>
+          </p:txBody>
+        </p:sp>
+        <p:pic>
+          <p:nvPicPr>
+            <p:cNvPr id="13" name="그림 12">
+              <a:extLst>
+                <a:ext uri="{FF2B5EF4-FFF2-40B4-BE49-F238E27FC236}">
+                  <a16:creationId xmlns:a16="http://schemas.microsoft.com/office/drawing/2014/main" id="{70314535-14A7-4E64-828C-3FEF7490E625}"/>
+                </a:ext>
+              </a:extLst>
+            </p:cNvPr>
+            <p:cNvPicPr>
+              <a:picLocks noChangeAspect="1"/>
+            </p:cNvPicPr>
+            <p:nvPr/>
+          </p:nvPicPr>
+          <p:blipFill>
+            <a:blip r:embed="rId3">
+              <a:extLst>
+                <a:ext uri="{28A0092B-C50C-407E-A947-70E740481C1C}">
+                  <a14:useLocalDpi xmlns:a14="http://schemas.microsoft.com/office/drawing/2010/main" val="0"/>
+                </a:ext>
+              </a:extLst>
+            </a:blip>
+            <a:stretch>
+              <a:fillRect/>
+            </a:stretch>
+          </p:blipFill>
+          <p:spPr>
+            <a:xfrm>
+              <a:off x="9329004" y="5443120"/>
+              <a:ext cx="276225" cy="242228"/>
+            </a:xfrm>
+            <a:prstGeom prst="rect">
+              <a:avLst/>
+            </a:prstGeom>
+          </p:spPr>
+        </p:pic>
+      </p:grpSp>
+      <p:sp>
+        <p:nvSpPr>
+          <p:cNvPr id="15" name="직사각형 14">
+            <a:extLst>
+              <a:ext uri="{FF2B5EF4-FFF2-40B4-BE49-F238E27FC236}">
+                <a16:creationId xmlns:a16="http://schemas.microsoft.com/office/drawing/2014/main" id="{93C46B78-9282-4CC5-9450-630D08195059}"/>
+              </a:ext>
+            </a:extLst>
+          </p:cNvPr>
+          <p:cNvSpPr/>
+          <p:nvPr/>
+        </p:nvSpPr>
+        <p:spPr>
+          <a:xfrm>
+            <a:off x="9982200" y="5098656"/>
+            <a:ext cx="895350" cy="895350"/>
+          </a:xfrm>
+          <a:prstGeom prst="rect">
+            <a:avLst/>
+          </a:prstGeom>
+          <a:solidFill>
+            <a:schemeClr val="accent5">
+              <a:lumMod val="20000"/>
+              <a:lumOff val="80000"/>
+            </a:schemeClr>
+          </a:solidFill>
+        </p:spPr>
+        <p:style>
+          <a:lnRef idx="2">
+            <a:schemeClr val="accent1">
+              <a:shade val="50000"/>
+            </a:schemeClr>
+          </a:lnRef>
+          <a:fillRef idx="1">
+            <a:schemeClr val="accent1"/>
+          </a:fillRef>
+          <a:effectRef idx="0">
+            <a:schemeClr val="accent1"/>
+          </a:effectRef>
+          <a:fontRef idx="minor">
+            <a:schemeClr val="lt1"/>
+          </a:fontRef>
+        </p:style>
+        <p:txBody>
+          <a:bodyPr rtlCol="0" anchor="ctr"/>
+          <a:lstStyle/>
+          <a:p>
+            <a:pPr algn="ctr"/>
+            <a:endParaRPr lang="ko-KR" altLang="en-US"/>
+          </a:p>
+        </p:txBody>
+      </p:sp>
+      <p:sp>
+        <p:nvSpPr>
+          <p:cNvPr id="17" name="직사각형 16">
+            <a:extLst>
+              <a:ext uri="{FF2B5EF4-FFF2-40B4-BE49-F238E27FC236}">
+                <a16:creationId xmlns:a16="http://schemas.microsoft.com/office/drawing/2014/main" id="{F385BB06-5841-4038-8D6A-8C56C59C44FA}"/>
+              </a:ext>
+            </a:extLst>
+          </p:cNvPr>
+          <p:cNvSpPr/>
+          <p:nvPr/>
+        </p:nvSpPr>
+        <p:spPr>
+          <a:xfrm>
+            <a:off x="10095035" y="5264577"/>
+            <a:ext cx="687266" cy="496655"/>
+          </a:xfrm>
+          <a:prstGeom prst="rect">
+            <a:avLst/>
+          </a:prstGeom>
+          <a:solidFill>
+            <a:schemeClr val="accent6">
+              <a:lumMod val="40000"/>
+              <a:lumOff val="60000"/>
+            </a:schemeClr>
+          </a:solidFill>
+        </p:spPr>
+        <p:style>
+          <a:lnRef idx="2">
+            <a:schemeClr val="accent1">
+              <a:shade val="50000"/>
+            </a:schemeClr>
+          </a:lnRef>
+          <a:fillRef idx="1">
+            <a:schemeClr val="accent1"/>
+          </a:fillRef>
+          <a:effectRef idx="0">
+            <a:schemeClr val="accent1"/>
+          </a:effectRef>
+          <a:fontRef idx="minor">
+            <a:schemeClr val="lt1"/>
+          </a:fontRef>
+        </p:style>
+        <p:txBody>
+          <a:bodyPr rtlCol="0" anchor="ctr"/>
+          <a:lstStyle/>
+          <a:p>
+            <a:pPr algn="ctr"/>
+            <a:endParaRPr lang="ko-KR" altLang="en-US"/>
+          </a:p>
+        </p:txBody>
+      </p:sp>
+      <p:pic>
+        <p:nvPicPr>
+          <p:cNvPr id="18" name="그림 17">
+            <a:extLst>
+              <a:ext uri="{FF2B5EF4-FFF2-40B4-BE49-F238E27FC236}">
+                <a16:creationId xmlns:a16="http://schemas.microsoft.com/office/drawing/2014/main" id="{2F73938A-02FB-4383-804B-1FF639414FE5}"/>
+              </a:ext>
+            </a:extLst>
+          </p:cNvPr>
+          <p:cNvPicPr>
+            <a:picLocks noChangeAspect="1"/>
+          </p:cNvPicPr>
+          <p:nvPr/>
+        </p:nvPicPr>
+        <p:blipFill>
+          <a:blip r:embed="rId3">
+            <a:extLst>
+              <a:ext uri="{28A0092B-C50C-407E-A947-70E740481C1C}">
+                <a14:useLocalDpi xmlns:a14="http://schemas.microsoft.com/office/drawing/2010/main" val="0"/>
+              </a:ext>
+            </a:extLst>
+          </a:blip>
+          <a:stretch>
+            <a:fillRect/>
+          </a:stretch>
+        </p:blipFill>
+        <p:spPr>
+          <a:xfrm>
+            <a:off x="10300554" y="5391790"/>
+            <a:ext cx="276225" cy="242228"/>
+          </a:xfrm>
+          <a:prstGeom prst="rect">
+            <a:avLst/>
+          </a:prstGeom>
+        </p:spPr>
+      </p:pic>
+      <p:sp>
+        <p:nvSpPr>
+          <p:cNvPr id="19" name="TextBox 18">
+            <a:extLst>
+              <a:ext uri="{FF2B5EF4-FFF2-40B4-BE49-F238E27FC236}">
+                <a16:creationId xmlns:a16="http://schemas.microsoft.com/office/drawing/2014/main" id="{74F25F64-DC5E-4B6F-955D-FB30E0BC8EDC}"/>
+              </a:ext>
+            </a:extLst>
+          </p:cNvPr>
+          <p:cNvSpPr txBox="1"/>
+          <p:nvPr/>
+        </p:nvSpPr>
+        <p:spPr>
+          <a:xfrm>
+            <a:off x="8641622" y="6123251"/>
+            <a:ext cx="2565126" cy="296941"/>
+          </a:xfrm>
+          <a:prstGeom prst="rect">
+            <a:avLst/>
+          </a:prstGeom>
+          <a:noFill/>
+        </p:spPr>
+        <p:txBody>
+          <a:bodyPr wrap="none" rtlCol="0">
+            <a:spAutoFit/>
+          </a:bodyPr>
+          <a:lstStyle/>
+          <a:p>
+            <a:pPr>
+              <a:lnSpc>
+                <a:spcPct val="120000"/>
+              </a:lnSpc>
+            </a:pPr>
+            <a:r>
+              <a:rPr lang="en-US" altLang="ko-KR" sz="1200" dirty="0">
+                <a:solidFill>
+                  <a:schemeClr val="tx1">
+                    <a:lumMod val="85000"/>
+                    <a:lumOff val="15000"/>
+                  </a:schemeClr>
+                </a:solidFill>
+                <a:latin typeface="에스코어 드림 3 Light" panose="020B0303030302020204" pitchFamily="34" charset="-127"/>
+                <a:ea typeface="에스코어 드림 3 Light" panose="020B0303030302020204" pitchFamily="34" charset="-127"/>
+              </a:rPr>
+              <a:t>(</a:t>
+            </a:r>
+            <a:r>
+              <a:rPr lang="ko-KR" altLang="en-US" sz="1200" dirty="0">
+                <a:solidFill>
+                  <a:schemeClr val="tx1">
+                    <a:lumMod val="85000"/>
+                    <a:lumOff val="15000"/>
+                  </a:schemeClr>
+                </a:solidFill>
+                <a:latin typeface="에스코어 드림 3 Light" panose="020B0303030302020204" pitchFamily="34" charset="-127"/>
+                <a:ea typeface="에스코어 드림 3 Light" panose="020B0303030302020204" pitchFamily="34" charset="-127"/>
+              </a:rPr>
+              <a:t>큰 셀 안의 </a:t>
+            </a:r>
+            <a:r>
+              <a:rPr lang="en-US" altLang="ko-KR" sz="1200" dirty="0">
+                <a:solidFill>
+                  <a:schemeClr val="tx1">
+                    <a:lumMod val="85000"/>
+                    <a:lumOff val="15000"/>
+                  </a:schemeClr>
+                </a:solidFill>
+                <a:latin typeface="에스코어 드림 3 Light" panose="020B0303030302020204" pitchFamily="34" charset="-127"/>
+                <a:ea typeface="에스코어 드림 3 Light" panose="020B0303030302020204" pitchFamily="34" charset="-127"/>
+              </a:rPr>
+              <a:t>2x2</a:t>
+            </a:r>
+            <a:r>
+              <a:rPr lang="ko-KR" altLang="en-US" sz="1200" dirty="0">
+                <a:solidFill>
+                  <a:schemeClr val="tx1">
+                    <a:lumMod val="85000"/>
+                    <a:lumOff val="15000"/>
+                  </a:schemeClr>
+                </a:solidFill>
+                <a:latin typeface="에스코어 드림 3 Light" panose="020B0303030302020204" pitchFamily="34" charset="-127"/>
+                <a:ea typeface="에스코어 드림 3 Light" panose="020B0303030302020204" pitchFamily="34" charset="-127"/>
+              </a:rPr>
+              <a:t>타워</a:t>
+            </a:r>
+            <a:r>
+              <a:rPr lang="en-US" altLang="ko-KR" sz="1200" dirty="0">
+                <a:solidFill>
+                  <a:schemeClr val="tx1">
+                    <a:lumMod val="85000"/>
+                    <a:lumOff val="15000"/>
+                  </a:schemeClr>
+                </a:solidFill>
+                <a:latin typeface="에스코어 드림 3 Light" panose="020B0303030302020204" pitchFamily="34" charset="-127"/>
+                <a:ea typeface="에스코어 드림 3 Light" panose="020B0303030302020204" pitchFamily="34" charset="-127"/>
+              </a:rPr>
+              <a:t>,</a:t>
+            </a:r>
+            <a:r>
+              <a:rPr lang="ko-KR" altLang="en-US" sz="1200" dirty="0">
+                <a:solidFill>
+                  <a:schemeClr val="tx1">
+                    <a:lumMod val="85000"/>
+                    <a:lumOff val="15000"/>
+                  </a:schemeClr>
+                </a:solidFill>
+                <a:latin typeface="에스코어 드림 3 Light" panose="020B0303030302020204" pitchFamily="34" charset="-127"/>
+                <a:ea typeface="에스코어 드림 3 Light" panose="020B0303030302020204" pitchFamily="34" charset="-127"/>
+              </a:rPr>
+              <a:t> </a:t>
+            </a:r>
+            <a:r>
+              <a:rPr lang="en-US" altLang="ko-KR" sz="1200" dirty="0">
+                <a:solidFill>
+                  <a:schemeClr val="tx1">
+                    <a:lumMod val="85000"/>
+                    <a:lumOff val="15000"/>
+                  </a:schemeClr>
+                </a:solidFill>
+                <a:latin typeface="에스코어 드림 3 Light" panose="020B0303030302020204" pitchFamily="34" charset="-127"/>
+                <a:ea typeface="에스코어 드림 3 Light" panose="020B0303030302020204" pitchFamily="34" charset="-127"/>
+              </a:rPr>
+              <a:t>3x2</a:t>
+            </a:r>
+            <a:r>
+              <a:rPr lang="ko-KR" altLang="en-US" sz="1200" dirty="0">
+                <a:solidFill>
+                  <a:schemeClr val="tx1">
+                    <a:lumMod val="85000"/>
+                    <a:lumOff val="15000"/>
+                  </a:schemeClr>
+                </a:solidFill>
+                <a:latin typeface="에스코어 드림 3 Light" panose="020B0303030302020204" pitchFamily="34" charset="-127"/>
+                <a:ea typeface="에스코어 드림 3 Light" panose="020B0303030302020204" pitchFamily="34" charset="-127"/>
+              </a:rPr>
+              <a:t>타워 예시</a:t>
+            </a:r>
+            <a:r>
+              <a:rPr lang="en-US" altLang="ko-KR" sz="1200" dirty="0">
+                <a:solidFill>
+                  <a:schemeClr val="tx1">
+                    <a:lumMod val="85000"/>
+                    <a:lumOff val="15000"/>
+                  </a:schemeClr>
+                </a:solidFill>
+                <a:latin typeface="에스코어 드림 3 Light" panose="020B0303030302020204" pitchFamily="34" charset="-127"/>
+                <a:ea typeface="에스코어 드림 3 Light" panose="020B0303030302020204" pitchFamily="34" charset="-127"/>
+              </a:rPr>
+              <a:t>)</a:t>
+            </a:r>
+            <a:endParaRPr lang="en-US" altLang="ko-KR" sz="1100" dirty="0">
+              <a:solidFill>
+                <a:schemeClr val="tx1">
+                  <a:lumMod val="65000"/>
+                  <a:lumOff val="35000"/>
+                </a:schemeClr>
+              </a:solidFill>
+              <a:latin typeface="에스코어 드림 3 Light" panose="020B0303030302020204" pitchFamily="34" charset="-127"/>
+              <a:ea typeface="에스코어 드림 3 Light" panose="020B0303030302020204" pitchFamily="34" charset="-127"/>
+            </a:endParaRPr>
+          </a:p>
+        </p:txBody>
+      </p:sp>
+    </p:spTree>
+    <p:extLst>
+      <p:ext uri="{BB962C8B-B14F-4D97-AF65-F5344CB8AC3E}">
+        <p14:creationId xmlns:p14="http://schemas.microsoft.com/office/powerpoint/2010/main" val="1029482255"/>
+      </p:ext>
+    </p:extLst>
+  </p:cSld>
+  <p:clrMapOvr>
+    <a:masterClrMapping/>
+  </p:clrMapOvr>
+</p:sld>
+</file>
+
+<file path=ppt/slides/slide8.xml><?xml version="1.0" encoding="utf-8"?>
+<p:sld xmlns:a="http://schemas.openxmlformats.org/drawingml/2006/main" xmlns:r="http://schemas.openxmlformats.org/officeDocument/2006/relationships" xmlns:p="http://schemas.openxmlformats.org/presentationml/2006/main">
+  <p:cSld>
+    <p:spTree>
+      <p:nvGrpSpPr>
+        <p:cNvPr id="1" name=""/>
+        <p:cNvGrpSpPr/>
+        <p:nvPr/>
+      </p:nvGrpSpPr>
+      <p:grpSpPr>
+        <a:xfrm>
+          <a:off x="0" y="0"/>
+          <a:ext cx="0" cy="0"/>
+          <a:chOff x="0" y="0"/>
+          <a:chExt cx="0" cy="0"/>
+        </a:xfrm>
+      </p:grpSpPr>
+      <p:pic>
+        <p:nvPicPr>
+          <p:cNvPr id="32" name="그림 31">
+            <a:extLst>
+              <a:ext uri="{FF2B5EF4-FFF2-40B4-BE49-F238E27FC236}">
+                <a16:creationId xmlns:a16="http://schemas.microsoft.com/office/drawing/2014/main" id="{757C50BE-4A70-4CF1-B583-4200B79607D5}"/>
+              </a:ext>
+            </a:extLst>
+          </p:cNvPr>
+          <p:cNvPicPr>
+            <a:picLocks noChangeAspect="1"/>
+          </p:cNvPicPr>
+          <p:nvPr/>
+        </p:nvPicPr>
+        <p:blipFill rotWithShape="1">
+          <a:blip r:embed="rId2"/>
+          <a:srcRect t="3307" r="2526" b="15519"/>
+          <a:stretch/>
+        </p:blipFill>
+        <p:spPr>
+          <a:xfrm>
+            <a:off x="840746" y="3775385"/>
+            <a:ext cx="2745695" cy="2326821"/>
+          </a:xfrm>
+          <a:prstGeom prst="rect">
+            <a:avLst/>
+          </a:prstGeom>
+        </p:spPr>
+      </p:pic>
+      <p:sp>
+        <p:nvSpPr>
+          <p:cNvPr id="5" name="직사각형 4">
+            <a:extLst>
+              <a:ext uri="{FF2B5EF4-FFF2-40B4-BE49-F238E27FC236}">
+                <a16:creationId xmlns:a16="http://schemas.microsoft.com/office/drawing/2014/main" id="{284DD7ED-D641-4048-B2DC-2FD2B03ECAF3}"/>
+              </a:ext>
+            </a:extLst>
+          </p:cNvPr>
+          <p:cNvSpPr/>
+          <p:nvPr/>
+        </p:nvSpPr>
+        <p:spPr>
+          <a:xfrm>
+            <a:off x="859795" y="561040"/>
+            <a:ext cx="45719" cy="212031"/>
+          </a:xfrm>
+          <a:prstGeom prst="rect">
+            <a:avLst/>
+          </a:prstGeom>
+          <a:solidFill>
+            <a:srgbClr val="1A0C2F"/>
+          </a:solidFill>
+          <a:ln>
+            <a:noFill/>
+          </a:ln>
+        </p:spPr>
+        <p:style>
+          <a:lnRef idx="2">
+            <a:schemeClr val="accent1">
+              <a:shade val="50000"/>
+            </a:schemeClr>
+          </a:lnRef>
+          <a:fillRef idx="1">
+            <a:schemeClr val="accent1"/>
+          </a:fillRef>
+          <a:effectRef idx="0">
+            <a:schemeClr val="accent1"/>
+          </a:effectRef>
+          <a:fontRef idx="minor">
+            <a:schemeClr val="lt1"/>
+          </a:fontRef>
+        </p:style>
+        <p:txBody>
+          <a:bodyPr rtlCol="0" anchor="ctr"/>
+          <a:lstStyle/>
+          <a:p>
+            <a:pPr algn="ctr"/>
+            <a:endParaRPr lang="ko-KR" altLang="en-US" dirty="0"/>
+          </a:p>
+        </p:txBody>
+      </p:sp>
+      <p:sp>
+        <p:nvSpPr>
+          <p:cNvPr id="6" name="TextBox 5">
+            <a:extLst>
+              <a:ext uri="{FF2B5EF4-FFF2-40B4-BE49-F238E27FC236}">
+                <a16:creationId xmlns:a16="http://schemas.microsoft.com/office/drawing/2014/main" id="{ED4895FC-AD32-4677-B940-70D4BECD64E1}"/>
+              </a:ext>
+            </a:extLst>
+          </p:cNvPr>
+          <p:cNvSpPr txBox="1"/>
+          <p:nvPr/>
+        </p:nvSpPr>
+        <p:spPr>
+          <a:xfrm>
+            <a:off x="840746" y="513168"/>
+            <a:ext cx="1744388" cy="307777"/>
+          </a:xfrm>
+          <a:prstGeom prst="rect">
+            <a:avLst/>
+          </a:prstGeom>
+          <a:noFill/>
+        </p:spPr>
+        <p:txBody>
+          <a:bodyPr wrap="none" rtlCol="0">
+            <a:spAutoFit/>
+          </a:bodyPr>
+          <a:lstStyle/>
+          <a:p>
+            <a:r>
+              <a:rPr lang="en-US" altLang="ko-KR" sz="1400" b="1" dirty="0">
+                <a:solidFill>
+                  <a:srgbClr val="1A0C2F"/>
+                </a:solidFill>
+                <a:latin typeface="에스코어 드림 5 Medium" panose="020B0503030302020204" pitchFamily="34" charset="-127"/>
+                <a:ea typeface="에스코어 드림 5 Medium" panose="020B0503030302020204" pitchFamily="34" charset="-127"/>
+              </a:rPr>
+              <a:t>2-1. </a:t>
+            </a:r>
+            <a:r>
+              <a:rPr lang="ko-KR" altLang="en-US" sz="1400" b="1" dirty="0">
+                <a:solidFill>
+                  <a:srgbClr val="1A0C2F"/>
+                </a:solidFill>
+                <a:latin typeface="에스코어 드림 5 Medium" panose="020B0503030302020204" pitchFamily="34" charset="-127"/>
+                <a:ea typeface="에스코어 드림 5 Medium" panose="020B0503030302020204" pitchFamily="34" charset="-127"/>
+              </a:rPr>
+              <a:t>레퍼런스 점검</a:t>
+            </a:r>
+          </a:p>
+        </p:txBody>
+      </p:sp>
+      <p:sp>
+        <p:nvSpPr>
+          <p:cNvPr id="7" name="TextBox 6">
+            <a:extLst>
+              <a:ext uri="{FF2B5EF4-FFF2-40B4-BE49-F238E27FC236}">
+                <a16:creationId xmlns:a16="http://schemas.microsoft.com/office/drawing/2014/main" id="{CD091E2A-0CA9-46D9-96A4-09EEBF073158}"/>
+              </a:ext>
+            </a:extLst>
+          </p:cNvPr>
+          <p:cNvSpPr txBox="1"/>
+          <p:nvPr/>
+        </p:nvSpPr>
+        <p:spPr>
+          <a:xfrm>
+            <a:off x="745699" y="755794"/>
+            <a:ext cx="6149440" cy="461665"/>
+          </a:xfrm>
+          <a:prstGeom prst="rect">
+            <a:avLst/>
+          </a:prstGeom>
+          <a:noFill/>
+        </p:spPr>
+        <p:txBody>
+          <a:bodyPr wrap="none" rtlCol="0">
+            <a:spAutoFit/>
+          </a:bodyPr>
+          <a:lstStyle/>
+          <a:p>
+            <a:r>
+              <a:rPr lang="ko-KR" altLang="en-US" sz="2400" dirty="0">
+                <a:solidFill>
+                  <a:srgbClr val="1A0C2F"/>
+                </a:solidFill>
+                <a:latin typeface="에스코어 드림 9 Black" panose="020B0A03030302020204" pitchFamily="34" charset="-127"/>
+                <a:ea typeface="에스코어 드림 9 Black" panose="020B0A03030302020204" pitchFamily="34" charset="-127"/>
+              </a:rPr>
+              <a:t>타워 설치 레퍼런스</a:t>
+            </a:r>
+            <a:r>
+              <a:rPr lang="en-US" altLang="ko-KR" sz="2400" dirty="0">
+                <a:solidFill>
+                  <a:srgbClr val="1A0C2F"/>
+                </a:solidFill>
+                <a:latin typeface="에스코어 드림 9 Black" panose="020B0A03030302020204" pitchFamily="34" charset="-127"/>
+                <a:ea typeface="에스코어 드림 9 Black" panose="020B0A03030302020204" pitchFamily="34" charset="-127"/>
+              </a:rPr>
+              <a:t>: </a:t>
+            </a:r>
+            <a:r>
+              <a:rPr lang="ko-KR" altLang="en-US" sz="2400" dirty="0">
+                <a:solidFill>
+                  <a:srgbClr val="1A0C2F"/>
+                </a:solidFill>
+                <a:latin typeface="에스코어 드림 9 Black" panose="020B0A03030302020204" pitchFamily="34" charset="-127"/>
+                <a:ea typeface="에스코어 드림 9 Black" panose="020B0A03030302020204" pitchFamily="34" charset="-127"/>
+              </a:rPr>
+              <a:t>스타크래프트</a:t>
+            </a:r>
+            <a:r>
+              <a:rPr lang="en-US" altLang="ko-KR" sz="2400" dirty="0">
+                <a:solidFill>
+                  <a:srgbClr val="1A0C2F"/>
+                </a:solidFill>
+                <a:latin typeface="에스코어 드림 9 Black" panose="020B0A03030302020204" pitchFamily="34" charset="-127"/>
+                <a:ea typeface="에스코어 드림 9 Black" panose="020B0A03030302020204" pitchFamily="34" charset="-127"/>
+              </a:rPr>
+              <a:t>, </a:t>
+            </a:r>
+            <a:r>
+              <a:rPr lang="ko-KR" altLang="en-US" sz="2400" dirty="0">
+                <a:solidFill>
+                  <a:srgbClr val="1A0C2F"/>
+                </a:solidFill>
+                <a:latin typeface="에스코어 드림 9 Black" panose="020B0A03030302020204" pitchFamily="34" charset="-127"/>
+                <a:ea typeface="에스코어 드림 9 Black" panose="020B0A03030302020204" pitchFamily="34" charset="-127"/>
+              </a:rPr>
+              <a:t>언더 다크</a:t>
+            </a:r>
+          </a:p>
+        </p:txBody>
+      </p:sp>
+      <p:sp>
+        <p:nvSpPr>
+          <p:cNvPr id="8" name="TextBox 7">
+            <a:extLst>
+              <a:ext uri="{FF2B5EF4-FFF2-40B4-BE49-F238E27FC236}">
+                <a16:creationId xmlns:a16="http://schemas.microsoft.com/office/drawing/2014/main" id="{65C880CC-A57C-4064-872C-6D18EED040FD}"/>
+              </a:ext>
+            </a:extLst>
+          </p:cNvPr>
+          <p:cNvSpPr txBox="1"/>
+          <p:nvPr/>
+        </p:nvSpPr>
+        <p:spPr>
+          <a:xfrm>
+            <a:off x="4751166" y="3266493"/>
+            <a:ext cx="4424609" cy="1774268"/>
+          </a:xfrm>
+          <a:prstGeom prst="rect">
+            <a:avLst/>
+          </a:prstGeom>
+          <a:noFill/>
+        </p:spPr>
+        <p:txBody>
+          <a:bodyPr wrap="none" rtlCol="0">
+            <a:spAutoFit/>
+          </a:bodyPr>
+          <a:lstStyle/>
+          <a:p>
+            <a:pPr>
+              <a:lnSpc>
+                <a:spcPct val="120000"/>
+              </a:lnSpc>
+            </a:pPr>
+            <a:r>
+              <a:rPr lang="ko-KR" altLang="en-US" sz="1600" dirty="0">
+                <a:solidFill>
+                  <a:schemeClr val="tx1">
+                    <a:lumMod val="85000"/>
+                    <a:lumOff val="15000"/>
+                  </a:schemeClr>
+                </a:solidFill>
+                <a:latin typeface="에스코어 드림 7 ExtraBold" panose="020B0803030302020204" pitchFamily="34" charset="-127"/>
+                <a:ea typeface="에스코어 드림 7 ExtraBold" panose="020B0803030302020204" pitchFamily="34" charset="-127"/>
+              </a:rPr>
+              <a:t>타워 설치 레퍼런스</a:t>
+            </a:r>
+            <a:endParaRPr lang="en-US" altLang="ko-KR" sz="1600" dirty="0">
+              <a:solidFill>
+                <a:schemeClr val="tx1">
+                  <a:lumMod val="85000"/>
+                  <a:lumOff val="15000"/>
+                </a:schemeClr>
+              </a:solidFill>
+              <a:latin typeface="에스코어 드림 7 ExtraBold" panose="020B0803030302020204" pitchFamily="34" charset="-127"/>
+              <a:ea typeface="에스코어 드림 7 ExtraBold" panose="020B0803030302020204" pitchFamily="34" charset="-127"/>
+            </a:endParaRPr>
+          </a:p>
+          <a:p>
+            <a:pPr>
+              <a:lnSpc>
+                <a:spcPct val="120000"/>
+              </a:lnSpc>
+            </a:pPr>
+            <a:r>
+              <a:rPr lang="en-US" altLang="ko-KR" sz="400" dirty="0">
+                <a:solidFill>
+                  <a:schemeClr val="tx1">
+                    <a:lumMod val="85000"/>
+                    <a:lumOff val="15000"/>
+                  </a:schemeClr>
+                </a:solidFill>
+                <a:latin typeface="에스코어 드림 5 Medium" panose="020B0503030302020204" pitchFamily="34" charset="-127"/>
+                <a:ea typeface="에스코어 드림 5 Medium" panose="020B0503030302020204" pitchFamily="34" charset="-127"/>
+              </a:rPr>
+              <a:t> </a:t>
+            </a:r>
+          </a:p>
+          <a:p>
+            <a:pPr>
+              <a:lnSpc>
+                <a:spcPct val="120000"/>
+              </a:lnSpc>
+            </a:pPr>
+            <a:r>
+              <a:rPr lang="en-US" altLang="ko-KR" sz="1200" dirty="0">
+                <a:solidFill>
+                  <a:schemeClr val="tx1">
+                    <a:lumMod val="85000"/>
+                    <a:lumOff val="15000"/>
+                  </a:schemeClr>
+                </a:solidFill>
+                <a:latin typeface="에스코어 드림 3 Light" panose="020B0303030302020204" pitchFamily="34" charset="-127"/>
+                <a:ea typeface="에스코어 드림 3 Light" panose="020B0303030302020204" pitchFamily="34" charset="-127"/>
+              </a:rPr>
+              <a:t> - </a:t>
+            </a:r>
+            <a:r>
+              <a:rPr lang="ko-KR" altLang="en-US" sz="1200" dirty="0">
+                <a:solidFill>
+                  <a:schemeClr val="tx1">
+                    <a:lumMod val="85000"/>
+                    <a:lumOff val="15000"/>
+                  </a:schemeClr>
+                </a:solidFill>
+                <a:latin typeface="에스코어 드림 3 Light" panose="020B0303030302020204" pitchFamily="34" charset="-127"/>
+                <a:ea typeface="에스코어 드림 3 Light" panose="020B0303030302020204" pitchFamily="34" charset="-127"/>
+              </a:rPr>
+              <a:t>드래그 시</a:t>
+            </a:r>
+            <a:r>
+              <a:rPr lang="en-US" altLang="ko-KR" sz="1200" dirty="0">
+                <a:solidFill>
+                  <a:schemeClr val="tx1">
+                    <a:lumMod val="85000"/>
+                    <a:lumOff val="15000"/>
+                  </a:schemeClr>
+                </a:solidFill>
+                <a:latin typeface="에스코어 드림 3 Light" panose="020B0303030302020204" pitchFamily="34" charset="-127"/>
+                <a:ea typeface="에스코어 드림 3 Light" panose="020B0303030302020204" pitchFamily="34" charset="-127"/>
+              </a:rPr>
+              <a:t>, </a:t>
+            </a:r>
+            <a:r>
+              <a:rPr lang="ko-KR" altLang="en-US" sz="1200" dirty="0">
+                <a:solidFill>
+                  <a:schemeClr val="tx1">
+                    <a:lumMod val="85000"/>
+                    <a:lumOff val="15000"/>
+                  </a:schemeClr>
+                </a:solidFill>
+                <a:latin typeface="에스코어 드림 3 Light" panose="020B0303030302020204" pitchFamily="34" charset="-127"/>
+                <a:ea typeface="에스코어 드림 3 Light" panose="020B0303030302020204" pitchFamily="34" charset="-127"/>
+              </a:rPr>
+              <a:t>타워가 터치한 위치를 따라다님</a:t>
+            </a:r>
+            <a:endParaRPr lang="en-US" altLang="ko-KR" sz="1200" dirty="0">
+              <a:solidFill>
+                <a:schemeClr val="tx1">
+                  <a:lumMod val="85000"/>
+                  <a:lumOff val="15000"/>
+                </a:schemeClr>
+              </a:solidFill>
+              <a:latin typeface="에스코어 드림 3 Light" panose="020B0303030302020204" pitchFamily="34" charset="-127"/>
+              <a:ea typeface="에스코어 드림 3 Light" panose="020B0303030302020204" pitchFamily="34" charset="-127"/>
+            </a:endParaRPr>
+          </a:p>
+          <a:p>
+            <a:pPr>
+              <a:lnSpc>
+                <a:spcPct val="120000"/>
+              </a:lnSpc>
+            </a:pPr>
+            <a:r>
+              <a:rPr lang="en-US" altLang="ko-KR" sz="1200" dirty="0">
+                <a:solidFill>
+                  <a:schemeClr val="tx1">
+                    <a:lumMod val="85000"/>
+                    <a:lumOff val="15000"/>
+                  </a:schemeClr>
+                </a:solidFill>
+                <a:latin typeface="에스코어 드림 3 Light" panose="020B0303030302020204" pitchFamily="34" charset="-127"/>
+                <a:ea typeface="에스코어 드림 3 Light" panose="020B0303030302020204" pitchFamily="34" charset="-127"/>
+              </a:rPr>
+              <a:t> - </a:t>
+            </a:r>
+            <a:r>
+              <a:rPr lang="ko-KR" altLang="en-US" sz="1200" dirty="0">
+                <a:solidFill>
+                  <a:schemeClr val="tx1">
+                    <a:lumMod val="85000"/>
+                    <a:lumOff val="15000"/>
+                  </a:schemeClr>
+                </a:solidFill>
+                <a:latin typeface="에스코어 드림 3 Light" panose="020B0303030302020204" pitchFamily="34" charset="-127"/>
+                <a:ea typeface="에스코어 드림 3 Light" panose="020B0303030302020204" pitchFamily="34" charset="-127"/>
+              </a:rPr>
+              <a:t>타워는 격자에 맞게 딱딱 움직임</a:t>
+            </a:r>
+            <a:endParaRPr lang="en-US" altLang="ko-KR" sz="1200" dirty="0">
+              <a:solidFill>
+                <a:schemeClr val="tx1">
+                  <a:lumMod val="85000"/>
+                  <a:lumOff val="15000"/>
+                </a:schemeClr>
+              </a:solidFill>
+              <a:latin typeface="에스코어 드림 3 Light" panose="020B0303030302020204" pitchFamily="34" charset="-127"/>
+              <a:ea typeface="에스코어 드림 3 Light" panose="020B0303030302020204" pitchFamily="34" charset="-127"/>
+            </a:endParaRPr>
+          </a:p>
+          <a:p>
+            <a:pPr>
+              <a:lnSpc>
+                <a:spcPct val="120000"/>
+              </a:lnSpc>
+            </a:pPr>
+            <a:r>
+              <a:rPr lang="en-US" altLang="ko-KR" sz="1200" dirty="0">
+                <a:solidFill>
+                  <a:schemeClr val="tx1">
+                    <a:lumMod val="85000"/>
+                    <a:lumOff val="15000"/>
+                  </a:schemeClr>
+                </a:solidFill>
+                <a:latin typeface="에스코어 드림 3 Light" panose="020B0303030302020204" pitchFamily="34" charset="-127"/>
+                <a:ea typeface="에스코어 드림 3 Light" panose="020B0303030302020204" pitchFamily="34" charset="-127"/>
+              </a:rPr>
+              <a:t> - </a:t>
+            </a:r>
+            <a:r>
+              <a:rPr lang="ko-KR" altLang="en-US" sz="1200" dirty="0">
+                <a:solidFill>
+                  <a:schemeClr val="tx1">
+                    <a:lumMod val="85000"/>
+                    <a:lumOff val="15000"/>
+                  </a:schemeClr>
+                </a:solidFill>
+                <a:latin typeface="에스코어 드림 3 Light" panose="020B0303030302020204" pitchFamily="34" charset="-127"/>
+                <a:ea typeface="에스코어 드림 3 Light" panose="020B0303030302020204" pitchFamily="34" charset="-127"/>
+              </a:rPr>
+              <a:t>설치가 가능한 영역은 녹색으로 표시됨</a:t>
+            </a:r>
+            <a:endParaRPr lang="en-US" altLang="ko-KR" sz="1200" dirty="0">
+              <a:solidFill>
+                <a:schemeClr val="tx1">
+                  <a:lumMod val="85000"/>
+                  <a:lumOff val="15000"/>
+                </a:schemeClr>
+              </a:solidFill>
+              <a:latin typeface="에스코어 드림 3 Light" panose="020B0303030302020204" pitchFamily="34" charset="-127"/>
+              <a:ea typeface="에스코어 드림 3 Light" panose="020B0303030302020204" pitchFamily="34" charset="-127"/>
+            </a:endParaRPr>
+          </a:p>
+          <a:p>
+            <a:pPr>
+              <a:lnSpc>
+                <a:spcPct val="120000"/>
+              </a:lnSpc>
+            </a:pPr>
+            <a:r>
+              <a:rPr lang="en-US" altLang="ko-KR" sz="1200" dirty="0">
+                <a:solidFill>
+                  <a:schemeClr val="tx1">
+                    <a:lumMod val="85000"/>
+                    <a:lumOff val="15000"/>
+                  </a:schemeClr>
+                </a:solidFill>
+                <a:latin typeface="에스코어 드림 3 Light" panose="020B0303030302020204" pitchFamily="34" charset="-127"/>
+                <a:ea typeface="에스코어 드림 3 Light" panose="020B0303030302020204" pitchFamily="34" charset="-127"/>
+              </a:rPr>
+              <a:t> - </a:t>
+            </a:r>
+            <a:r>
+              <a:rPr lang="ko-KR" altLang="en-US" sz="1200" dirty="0">
+                <a:solidFill>
+                  <a:schemeClr val="tx1">
+                    <a:lumMod val="85000"/>
+                    <a:lumOff val="15000"/>
+                  </a:schemeClr>
+                </a:solidFill>
+                <a:latin typeface="에스코어 드림 3 Light" panose="020B0303030302020204" pitchFamily="34" charset="-127"/>
+                <a:ea typeface="에스코어 드림 3 Light" panose="020B0303030302020204" pitchFamily="34" charset="-127"/>
+              </a:rPr>
+              <a:t>다른 구조물 </a:t>
+            </a:r>
+            <a:r>
+              <a:rPr lang="en-US" altLang="ko-KR" sz="1200" dirty="0">
+                <a:solidFill>
+                  <a:schemeClr val="tx1">
+                    <a:lumMod val="85000"/>
+                    <a:lumOff val="15000"/>
+                  </a:schemeClr>
+                </a:solidFill>
+                <a:latin typeface="에스코어 드림 3 Light" panose="020B0303030302020204" pitchFamily="34" charset="-127"/>
+                <a:ea typeface="에스코어 드림 3 Light" panose="020B0303030302020204" pitchFamily="34" charset="-127"/>
+              </a:rPr>
+              <a:t>or </a:t>
+            </a:r>
+            <a:r>
+              <a:rPr lang="ko-KR" altLang="en-US" sz="1200" dirty="0">
+                <a:solidFill>
+                  <a:schemeClr val="tx1">
+                    <a:lumMod val="85000"/>
+                    <a:lumOff val="15000"/>
+                  </a:schemeClr>
+                </a:solidFill>
+                <a:latin typeface="에스코어 드림 3 Light" panose="020B0303030302020204" pitchFamily="34" charset="-127"/>
+                <a:ea typeface="에스코어 드림 3 Light" panose="020B0303030302020204" pitchFamily="34" charset="-127"/>
+              </a:rPr>
+              <a:t>타워와 겹친 영역은 붉게 표시됨</a:t>
+            </a:r>
+            <a:endParaRPr lang="en-US" altLang="ko-KR" sz="1200" dirty="0">
+              <a:solidFill>
+                <a:schemeClr val="tx1">
+                  <a:lumMod val="85000"/>
+                  <a:lumOff val="15000"/>
+                </a:schemeClr>
+              </a:solidFill>
+              <a:latin typeface="에스코어 드림 3 Light" panose="020B0303030302020204" pitchFamily="34" charset="-127"/>
+              <a:ea typeface="에스코어 드림 3 Light" panose="020B0303030302020204" pitchFamily="34" charset="-127"/>
+            </a:endParaRPr>
+          </a:p>
+          <a:p>
+            <a:pPr>
+              <a:lnSpc>
+                <a:spcPct val="120000"/>
+              </a:lnSpc>
+            </a:pPr>
+            <a:r>
+              <a:rPr lang="en-US" altLang="ko-KR" sz="1200" dirty="0">
+                <a:solidFill>
+                  <a:schemeClr val="tx1">
+                    <a:lumMod val="85000"/>
+                    <a:lumOff val="15000"/>
+                  </a:schemeClr>
+                </a:solidFill>
+                <a:latin typeface="에스코어 드림 3 Light" panose="020B0303030302020204" pitchFamily="34" charset="-127"/>
+                <a:ea typeface="에스코어 드림 3 Light" panose="020B0303030302020204" pitchFamily="34" charset="-127"/>
+              </a:rPr>
+              <a:t> - </a:t>
+            </a:r>
+            <a:r>
+              <a:rPr lang="ko-KR" altLang="en-US" sz="1200" dirty="0">
+                <a:solidFill>
+                  <a:schemeClr val="tx1">
+                    <a:lumMod val="85000"/>
+                    <a:lumOff val="15000"/>
+                  </a:schemeClr>
+                </a:solidFill>
+                <a:latin typeface="에스코어 드림 3 Light" panose="020B0303030302020204" pitchFamily="34" charset="-127"/>
+                <a:ea typeface="에스코어 드림 3 Light" panose="020B0303030302020204" pitchFamily="34" charset="-127"/>
+              </a:rPr>
+              <a:t>손을 뗐을 때</a:t>
+            </a:r>
+            <a:r>
+              <a:rPr lang="en-US" altLang="ko-KR" sz="1200" dirty="0">
+                <a:solidFill>
+                  <a:schemeClr val="tx1">
+                    <a:lumMod val="85000"/>
+                    <a:lumOff val="15000"/>
+                  </a:schemeClr>
+                </a:solidFill>
+                <a:latin typeface="에스코어 드림 3 Light" panose="020B0303030302020204" pitchFamily="34" charset="-127"/>
+                <a:ea typeface="에스코어 드림 3 Light" panose="020B0303030302020204" pitchFamily="34" charset="-127"/>
+              </a:rPr>
+              <a:t>, </a:t>
+            </a:r>
+            <a:r>
+              <a:rPr lang="ko-KR" altLang="en-US" sz="1200" dirty="0">
+                <a:solidFill>
+                  <a:schemeClr val="tx1">
+                    <a:lumMod val="85000"/>
+                    <a:lumOff val="15000"/>
+                  </a:schemeClr>
+                </a:solidFill>
+                <a:latin typeface="에스코어 드림 3 Light" panose="020B0303030302020204" pitchFamily="34" charset="-127"/>
+                <a:ea typeface="에스코어 드림 3 Light" panose="020B0303030302020204" pitchFamily="34" charset="-127"/>
+              </a:rPr>
+              <a:t>겹친 영역이 없다면 해당 자리에 타워 설치</a:t>
+            </a:r>
+            <a:endParaRPr lang="en-US" altLang="ko-KR" sz="1200" dirty="0">
+              <a:solidFill>
+                <a:schemeClr val="tx1">
+                  <a:lumMod val="85000"/>
+                  <a:lumOff val="15000"/>
+                </a:schemeClr>
+              </a:solidFill>
+              <a:latin typeface="에스코어 드림 3 Light" panose="020B0303030302020204" pitchFamily="34" charset="-127"/>
+              <a:ea typeface="에스코어 드림 3 Light" panose="020B0303030302020204" pitchFamily="34" charset="-127"/>
+            </a:endParaRPr>
+          </a:p>
+          <a:p>
+            <a:pPr>
+              <a:lnSpc>
+                <a:spcPct val="120000"/>
+              </a:lnSpc>
+            </a:pPr>
+            <a:r>
+              <a:rPr lang="en-US" altLang="ko-KR" sz="1200" dirty="0">
+                <a:solidFill>
+                  <a:schemeClr val="tx1">
+                    <a:lumMod val="85000"/>
+                    <a:lumOff val="15000"/>
+                  </a:schemeClr>
+                </a:solidFill>
+                <a:latin typeface="에스코어 드림 3 Light" panose="020B0303030302020204" pitchFamily="34" charset="-127"/>
+                <a:ea typeface="에스코어 드림 3 Light" panose="020B0303030302020204" pitchFamily="34" charset="-127"/>
+              </a:rPr>
+              <a:t> - </a:t>
+            </a:r>
+            <a:r>
+              <a:rPr lang="ko-KR" altLang="en-US" sz="1200" dirty="0">
+                <a:solidFill>
+                  <a:schemeClr val="tx1">
+                    <a:lumMod val="85000"/>
+                    <a:lumOff val="15000"/>
+                  </a:schemeClr>
+                </a:solidFill>
+                <a:latin typeface="에스코어 드림 3 Light" panose="020B0303030302020204" pitchFamily="34" charset="-127"/>
+                <a:ea typeface="에스코어 드림 3 Light" panose="020B0303030302020204" pitchFamily="34" charset="-127"/>
+              </a:rPr>
+              <a:t>손을 뗐을 때</a:t>
+            </a:r>
+            <a:r>
+              <a:rPr lang="en-US" altLang="ko-KR" sz="1200" dirty="0">
+                <a:solidFill>
+                  <a:schemeClr val="tx1">
+                    <a:lumMod val="85000"/>
+                    <a:lumOff val="15000"/>
+                  </a:schemeClr>
+                </a:solidFill>
+                <a:latin typeface="에스코어 드림 3 Light" panose="020B0303030302020204" pitchFamily="34" charset="-127"/>
+                <a:ea typeface="에스코어 드림 3 Light" panose="020B0303030302020204" pitchFamily="34" charset="-127"/>
+              </a:rPr>
+              <a:t>, 1</a:t>
+            </a:r>
+            <a:r>
+              <a:rPr lang="ko-KR" altLang="en-US" sz="1200" dirty="0">
+                <a:solidFill>
+                  <a:schemeClr val="tx1">
+                    <a:lumMod val="85000"/>
+                    <a:lumOff val="15000"/>
+                  </a:schemeClr>
+                </a:solidFill>
+                <a:latin typeface="에스코어 드림 3 Light" panose="020B0303030302020204" pitchFamily="34" charset="-127"/>
+                <a:ea typeface="에스코어 드림 3 Light" panose="020B0303030302020204" pitchFamily="34" charset="-127"/>
+              </a:rPr>
+              <a:t>칸이라도 겹치는 영역이 있다면 타워 설치 취소</a:t>
+            </a:r>
+            <a:endParaRPr lang="en-US" altLang="ko-KR" sz="1100" dirty="0">
+              <a:solidFill>
+                <a:schemeClr val="tx1">
+                  <a:lumMod val="65000"/>
+                  <a:lumOff val="35000"/>
+                </a:schemeClr>
+              </a:solidFill>
+              <a:latin typeface="에스코어 드림 3 Light" panose="020B0303030302020204" pitchFamily="34" charset="-127"/>
+              <a:ea typeface="에스코어 드림 3 Light" panose="020B0303030302020204" pitchFamily="34" charset="-127"/>
+            </a:endParaRPr>
+          </a:p>
+        </p:txBody>
+      </p:sp>
+      <p:sp>
+        <p:nvSpPr>
+          <p:cNvPr id="9" name="화살표: 아래쪽 8">
+            <a:extLst>
+              <a:ext uri="{FF2B5EF4-FFF2-40B4-BE49-F238E27FC236}">
+                <a16:creationId xmlns:a16="http://schemas.microsoft.com/office/drawing/2014/main" id="{165D3376-B4CF-4C0D-8518-46E26DF26BC6}"/>
+              </a:ext>
+            </a:extLst>
+          </p:cNvPr>
+          <p:cNvSpPr/>
+          <p:nvPr/>
+        </p:nvSpPr>
+        <p:spPr>
+          <a:xfrm rot="5400000">
+            <a:off x="4088935" y="3323663"/>
+            <a:ext cx="278034" cy="561314"/>
+          </a:xfrm>
+          <a:prstGeom prst="downArrow">
+            <a:avLst/>
+          </a:prstGeom>
+          <a:solidFill>
+            <a:srgbClr val="C00000"/>
+          </a:solidFill>
+          <a:ln>
+            <a:noFill/>
+          </a:ln>
+        </p:spPr>
+        <p:style>
+          <a:lnRef idx="2">
+            <a:schemeClr val="accent1">
+              <a:shade val="50000"/>
+            </a:schemeClr>
+          </a:lnRef>
+          <a:fillRef idx="1">
+            <a:schemeClr val="accent1"/>
+          </a:fillRef>
+          <a:effectRef idx="0">
+            <a:schemeClr val="accent1"/>
+          </a:effectRef>
+          <a:fontRef idx="minor">
+            <a:schemeClr val="lt1"/>
+          </a:fontRef>
+        </p:style>
+        <p:txBody>
+          <a:bodyPr rtlCol="0" anchor="ctr"/>
+          <a:lstStyle/>
+          <a:p>
+            <a:pPr algn="ctr"/>
+            <a:endParaRPr lang="ko-KR" altLang="en-US"/>
+          </a:p>
+        </p:txBody>
+      </p:sp>
+      <p:pic>
+        <p:nvPicPr>
+          <p:cNvPr id="27" name="그림 26">
+            <a:extLst>
+              <a:ext uri="{FF2B5EF4-FFF2-40B4-BE49-F238E27FC236}">
+                <a16:creationId xmlns:a16="http://schemas.microsoft.com/office/drawing/2014/main" id="{57556D28-6345-47C7-9340-E3AAA829B8F2}"/>
+              </a:ext>
+            </a:extLst>
+          </p:cNvPr>
+          <p:cNvPicPr>
+            <a:picLocks noChangeAspect="1"/>
+          </p:cNvPicPr>
+          <p:nvPr/>
+        </p:nvPicPr>
+        <p:blipFill rotWithShape="1">
+          <a:blip r:embed="rId3"/>
+          <a:srcRect t="79376" b="1115"/>
+          <a:stretch/>
+        </p:blipFill>
+        <p:spPr>
+          <a:xfrm>
+            <a:off x="840746" y="2065639"/>
+            <a:ext cx="2026279" cy="878425"/>
+          </a:xfrm>
+          <a:prstGeom prst="rect">
+            <a:avLst/>
+          </a:prstGeom>
+          <a:ln>
+            <a:solidFill>
+              <a:schemeClr val="bg1">
+                <a:lumMod val="85000"/>
+              </a:schemeClr>
+            </a:solidFill>
+          </a:ln>
+          <a:effectLst>
+            <a:outerShdw blurRad="50800" dist="38100" dir="2700000" algn="tl" rotWithShape="0">
+              <a:schemeClr val="bg1">
+                <a:alpha val="40000"/>
+              </a:schemeClr>
+            </a:outerShdw>
+          </a:effectLst>
+        </p:spPr>
+      </p:pic>
+      <p:pic>
+        <p:nvPicPr>
+          <p:cNvPr id="1026" name="Picture 2" descr="손가락 아이콘을 클릭하면 손이 벡터를 가리킵니다. 포인터 클릭 커서 화살표 아이콘 컴퓨터 마우스 클릭 | 프리미엄 벡터">
+            <a:extLst>
+              <a:ext uri="{FF2B5EF4-FFF2-40B4-BE49-F238E27FC236}">
+                <a16:creationId xmlns:a16="http://schemas.microsoft.com/office/drawing/2014/main" id="{A4D9280B-9A95-4F71-98B8-12D15443CA92}"/>
+              </a:ext>
+            </a:extLst>
+          </p:cNvPr>
+          <p:cNvPicPr>
+            <a:picLocks noChangeAspect="1" noChangeArrowheads="1"/>
+          </p:cNvPicPr>
+          <p:nvPr/>
+        </p:nvPicPr>
+        <p:blipFill>
+          <a:blip r:embed="rId4">
+            <a:extLst>
+              <a:ext uri="{BEBA8EAE-BF5A-486C-A8C5-ECC9F3942E4B}">
+                <a14:imgProps xmlns:a14="http://schemas.microsoft.com/office/drawing/2010/main">
+                  <a14:imgLayer r:embed="rId5">
+                    <a14:imgEffect>
+                      <a14:backgroundRemoval t="10000" b="90000" l="10000" r="90000"/>
+                    </a14:imgEffect>
+                  </a14:imgLayer>
+                </a14:imgProps>
+              </a:ext>
+              <a:ext uri="{28A0092B-C50C-407E-A947-70E740481C1C}">
+                <a14:useLocalDpi xmlns:a14="http://schemas.microsoft.com/office/drawing/2010/main" val="0"/>
+              </a:ext>
+            </a:extLst>
+          </a:blip>
+          <a:srcRect/>
+          <a:stretch>
+            <a:fillRect/>
+          </a:stretch>
+        </p:blipFill>
+        <p:spPr bwMode="auto">
+          <a:xfrm>
+            <a:off x="2341255" y="2403167"/>
+            <a:ext cx="770928" cy="770928"/>
+          </a:xfrm>
+          <a:prstGeom prst="rect">
+            <a:avLst/>
+          </a:prstGeom>
+          <a:noFill/>
+          <a:extLst>
+            <a:ext uri="{909E8E84-426E-40DD-AFC4-6F175D3DCCD1}">
+              <a14:hiddenFill xmlns:a14="http://schemas.microsoft.com/office/drawing/2010/main">
+                <a:solidFill>
+                  <a:srgbClr val="FFFFFF"/>
+                </a:solidFill>
+              </a14:hiddenFill>
+            </a:ext>
+          </a:extLst>
+        </p:spPr>
+      </p:pic>
+      <p:pic>
+        <p:nvPicPr>
+          <p:cNvPr id="28" name="Picture 2" descr="손가락 아이콘을 클릭하면 손이 벡터를 가리킵니다. 포인터 클릭 커서 화살표 아이콘 컴퓨터 마우스 클릭 | 프리미엄 벡터">
+            <a:extLst>
+              <a:ext uri="{FF2B5EF4-FFF2-40B4-BE49-F238E27FC236}">
+                <a16:creationId xmlns:a16="http://schemas.microsoft.com/office/drawing/2014/main" id="{7B72DA3D-9816-413F-BE32-3EA67B7AAAA4}"/>
+              </a:ext>
+            </a:extLst>
+          </p:cNvPr>
+          <p:cNvPicPr>
+            <a:picLocks noChangeAspect="1" noChangeArrowheads="1"/>
+          </p:cNvPicPr>
+          <p:nvPr/>
+        </p:nvPicPr>
+        <p:blipFill>
+          <a:blip r:embed="rId4">
+            <a:extLst>
+              <a:ext uri="{BEBA8EAE-BF5A-486C-A8C5-ECC9F3942E4B}">
+                <a14:imgProps xmlns:a14="http://schemas.microsoft.com/office/drawing/2010/main">
+                  <a14:imgLayer r:embed="rId5">
+                    <a14:imgEffect>
+                      <a14:backgroundRemoval t="10000" b="90000" l="10000" r="90000"/>
+                    </a14:imgEffect>
+                  </a14:imgLayer>
+                </a14:imgProps>
+              </a:ext>
+              <a:ext uri="{28A0092B-C50C-407E-A947-70E740481C1C}">
+                <a14:useLocalDpi xmlns:a14="http://schemas.microsoft.com/office/drawing/2010/main" val="0"/>
+              </a:ext>
+            </a:extLst>
+          </a:blip>
+          <a:srcRect/>
+          <a:stretch>
+            <a:fillRect/>
+          </a:stretch>
+        </p:blipFill>
+        <p:spPr bwMode="auto">
+          <a:xfrm>
+            <a:off x="2419737" y="4653889"/>
+            <a:ext cx="770928" cy="770928"/>
+          </a:xfrm>
+          <a:prstGeom prst="rect">
+            <a:avLst/>
+          </a:prstGeom>
+          <a:noFill/>
+          <a:extLst>
+            <a:ext uri="{909E8E84-426E-40DD-AFC4-6F175D3DCCD1}">
+              <a14:hiddenFill xmlns:a14="http://schemas.microsoft.com/office/drawing/2010/main">
+                <a:solidFill>
+                  <a:srgbClr val="FFFFFF"/>
+                </a:solidFill>
+              </a14:hiddenFill>
+            </a:ext>
+          </a:extLst>
+        </p:spPr>
+      </p:pic>
+      <p:cxnSp>
+        <p:nvCxnSpPr>
+          <p:cNvPr id="16" name="직선 화살표 연결선 15">
+            <a:extLst>
+              <a:ext uri="{FF2B5EF4-FFF2-40B4-BE49-F238E27FC236}">
+                <a16:creationId xmlns:a16="http://schemas.microsoft.com/office/drawing/2014/main" id="{61D86FD0-4A44-48F5-B9BC-912C653B9046}"/>
+              </a:ext>
+            </a:extLst>
+          </p:cNvPr>
+          <p:cNvCxnSpPr>
+            <a:cxnSpLocks/>
+          </p:cNvCxnSpPr>
+          <p:nvPr/>
+        </p:nvCxnSpPr>
+        <p:spPr>
+          <a:xfrm flipH="1">
+            <a:off x="2686051" y="2876550"/>
+            <a:ext cx="119150" cy="1762125"/>
+          </a:xfrm>
+          <a:prstGeom prst="straightConnector1">
+            <a:avLst/>
+          </a:prstGeom>
+          <a:ln w="25400">
+            <a:solidFill>
+              <a:srgbClr val="FF0000"/>
+            </a:solidFill>
+            <a:tailEnd type="triangle" w="lg" len="lg"/>
+          </a:ln>
+        </p:spPr>
+        <p:style>
+          <a:lnRef idx="1">
+            <a:schemeClr val="accent1"/>
+          </a:lnRef>
+          <a:fillRef idx="0">
+            <a:schemeClr val="accent1"/>
+          </a:fillRef>
+          <a:effectRef idx="0">
+            <a:schemeClr val="accent1"/>
+          </a:effectRef>
+          <a:fontRef idx="minor">
+            <a:schemeClr val="tx1"/>
+          </a:fontRef>
+        </p:style>
+      </p:cxnSp>
+      <p:sp>
+        <p:nvSpPr>
+          <p:cNvPr id="45" name="TextBox 44">
+            <a:extLst>
+              <a:ext uri="{FF2B5EF4-FFF2-40B4-BE49-F238E27FC236}">
+                <a16:creationId xmlns:a16="http://schemas.microsoft.com/office/drawing/2014/main" id="{5559ED36-A77B-44C0-9289-3A44A44CCE8E}"/>
+              </a:ext>
+            </a:extLst>
+          </p:cNvPr>
+          <p:cNvSpPr txBox="1"/>
+          <p:nvPr/>
+        </p:nvSpPr>
+        <p:spPr>
+          <a:xfrm>
+            <a:off x="4751166" y="3025625"/>
+            <a:ext cx="1476686" cy="296941"/>
+          </a:xfrm>
+          <a:prstGeom prst="rect">
+            <a:avLst/>
+          </a:prstGeom>
+          <a:noFill/>
+        </p:spPr>
+        <p:txBody>
+          <a:bodyPr wrap="none" rtlCol="0">
+            <a:spAutoFit/>
+          </a:bodyPr>
+          <a:lstStyle/>
+          <a:p>
+            <a:pPr>
+              <a:lnSpc>
+                <a:spcPct val="120000"/>
+              </a:lnSpc>
+            </a:pPr>
+            <a:r>
+              <a:rPr lang="en-US" altLang="ko-KR" sz="1200" b="1" dirty="0">
+                <a:solidFill>
+                  <a:srgbClr val="0070C0"/>
+                </a:solidFill>
+                <a:effectLst/>
+                <a:latin typeface="에스코어 드림 7 ExtraBold" panose="020B0803030302020204" pitchFamily="34" charset="-127"/>
+                <a:ea typeface="에스코어 드림 7 ExtraBold" panose="020B0803030302020204" pitchFamily="34" charset="-127"/>
+              </a:rPr>
+              <a:t>(25.05.20 </a:t>
+            </a:r>
+            <a:r>
+              <a:rPr lang="ko-KR" altLang="en-US" sz="1200" b="1" dirty="0">
+                <a:solidFill>
+                  <a:srgbClr val="0070C0"/>
+                </a:solidFill>
+                <a:effectLst/>
+                <a:latin typeface="에스코어 드림 7 ExtraBold" panose="020B0803030302020204" pitchFamily="34" charset="-127"/>
+                <a:ea typeface="에스코어 드림 7 ExtraBold" panose="020B0803030302020204" pitchFamily="34" charset="-127"/>
+              </a:rPr>
+              <a:t>추가됨</a:t>
+            </a:r>
+            <a:r>
+              <a:rPr lang="en-US" altLang="ko-KR" sz="1200" b="1" dirty="0">
+                <a:solidFill>
+                  <a:srgbClr val="0070C0"/>
+                </a:solidFill>
+                <a:effectLst/>
+                <a:latin typeface="에스코어 드림 7 ExtraBold" panose="020B0803030302020204" pitchFamily="34" charset="-127"/>
+                <a:ea typeface="에스코어 드림 7 ExtraBold" panose="020B0803030302020204" pitchFamily="34" charset="-127"/>
+              </a:rPr>
+              <a:t>)</a:t>
+            </a:r>
+          </a:p>
+        </p:txBody>
+      </p:sp>
+      <p:pic>
+        <p:nvPicPr>
+          <p:cNvPr id="49" name="그림 48">
+            <a:extLst>
+              <a:ext uri="{FF2B5EF4-FFF2-40B4-BE49-F238E27FC236}">
+                <a16:creationId xmlns:a16="http://schemas.microsoft.com/office/drawing/2014/main" id="{0D90841C-166F-46AC-BB10-C294E958DE78}"/>
+              </a:ext>
+            </a:extLst>
+          </p:cNvPr>
+          <p:cNvPicPr>
+            <a:picLocks noChangeAspect="1"/>
+          </p:cNvPicPr>
+          <p:nvPr/>
+        </p:nvPicPr>
+        <p:blipFill>
+          <a:blip r:embed="rId6"/>
+          <a:stretch>
+            <a:fillRect/>
+          </a:stretch>
+        </p:blipFill>
+        <p:spPr>
+          <a:xfrm>
+            <a:off x="9691687" y="4527757"/>
+            <a:ext cx="1734937" cy="1458788"/>
+          </a:xfrm>
+          <a:prstGeom prst="rect">
+            <a:avLst/>
+          </a:prstGeom>
+        </p:spPr>
+      </p:pic>
+      <p:sp>
+        <p:nvSpPr>
+          <p:cNvPr id="51" name="TextBox 50">
+            <a:extLst>
+              <a:ext uri="{FF2B5EF4-FFF2-40B4-BE49-F238E27FC236}">
+                <a16:creationId xmlns:a16="http://schemas.microsoft.com/office/drawing/2014/main" id="{31970E2B-1EE4-4349-9586-6219FDB72003}"/>
+              </a:ext>
+            </a:extLst>
+          </p:cNvPr>
+          <p:cNvSpPr txBox="1"/>
+          <p:nvPr/>
+        </p:nvSpPr>
+        <p:spPr>
+          <a:xfrm>
+            <a:off x="9268577" y="6087103"/>
+            <a:ext cx="2581156" cy="296941"/>
+          </a:xfrm>
+          <a:prstGeom prst="rect">
+            <a:avLst/>
+          </a:prstGeom>
+          <a:noFill/>
+        </p:spPr>
+        <p:txBody>
+          <a:bodyPr wrap="none" rtlCol="0">
+            <a:spAutoFit/>
+          </a:bodyPr>
+          <a:lstStyle/>
+          <a:p>
+            <a:pPr algn="ctr">
+              <a:lnSpc>
+                <a:spcPct val="120000"/>
+              </a:lnSpc>
+            </a:pPr>
+            <a:r>
+              <a:rPr lang="en-US" altLang="ko-KR" sz="1200" dirty="0">
+                <a:solidFill>
+                  <a:schemeClr val="tx1">
+                    <a:lumMod val="85000"/>
+                    <a:lumOff val="15000"/>
+                  </a:schemeClr>
+                </a:solidFill>
+                <a:latin typeface="에스코어 드림 3 Light" panose="020B0303030302020204" pitchFamily="34" charset="-127"/>
+                <a:ea typeface="에스코어 드림 3 Light" panose="020B0303030302020204" pitchFamily="34" charset="-127"/>
+              </a:rPr>
+              <a:t>(</a:t>
+            </a:r>
+            <a:r>
+              <a:rPr lang="ko-KR" altLang="en-US" sz="1200" dirty="0">
+                <a:solidFill>
+                  <a:schemeClr val="tx1">
+                    <a:lumMod val="85000"/>
+                    <a:lumOff val="15000"/>
+                  </a:schemeClr>
+                </a:solidFill>
+                <a:latin typeface="에스코어 드림 3 Light" panose="020B0303030302020204" pitchFamily="34" charset="-127"/>
+                <a:ea typeface="에스코어 드림 3 Light" panose="020B0303030302020204" pitchFamily="34" charset="-127"/>
+              </a:rPr>
+              <a:t>마치 스타크래프트 건물 짓기 처럼</a:t>
+            </a:r>
+            <a:r>
+              <a:rPr lang="en-US" altLang="ko-KR" sz="1200" dirty="0">
+                <a:solidFill>
+                  <a:schemeClr val="tx1">
+                    <a:lumMod val="85000"/>
+                    <a:lumOff val="15000"/>
+                  </a:schemeClr>
+                </a:solidFill>
+                <a:latin typeface="에스코어 드림 3 Light" panose="020B0303030302020204" pitchFamily="34" charset="-127"/>
+                <a:ea typeface="에스코어 드림 3 Light" panose="020B0303030302020204" pitchFamily="34" charset="-127"/>
+              </a:rPr>
+              <a:t>!)</a:t>
+            </a:r>
+            <a:endParaRPr lang="en-US" altLang="ko-KR" sz="1100" dirty="0">
+              <a:solidFill>
+                <a:schemeClr val="tx1">
+                  <a:lumMod val="65000"/>
+                  <a:lumOff val="35000"/>
+                </a:schemeClr>
+              </a:solidFill>
+              <a:latin typeface="에스코어 드림 3 Light" panose="020B0303030302020204" pitchFamily="34" charset="-127"/>
+              <a:ea typeface="에스코어 드림 3 Light" panose="020B0303030302020204" pitchFamily="34" charset="-127"/>
+            </a:endParaRPr>
+          </a:p>
+        </p:txBody>
+      </p:sp>
+    </p:spTree>
+    <p:extLst>
+      <p:ext uri="{BB962C8B-B14F-4D97-AF65-F5344CB8AC3E}">
+        <p14:creationId xmlns:p14="http://schemas.microsoft.com/office/powerpoint/2010/main" val="1034529196"/>
+      </p:ext>
+    </p:extLst>
+  </p:cSld>
+  <p:clrMapOvr>
+    <a:masterClrMapping/>
+  </p:clrMapOvr>
+</p:sld>
+</file>
+
+<file path=ppt/slides/slide9.xml><?xml version="1.0" encoding="utf-8"?>
+<p:sld xmlns:a="http://schemas.openxmlformats.org/drawingml/2006/main" xmlns:r="http://schemas.openxmlformats.org/officeDocument/2006/relationships" xmlns:p="http://schemas.openxmlformats.org/presentationml/2006/main">
+  <p:cSld>
+    <p:spTree>
+      <p:nvGrpSpPr>
+        <p:cNvPr id="1" name=""/>
+        <p:cNvGrpSpPr/>
+        <p:nvPr/>
+      </p:nvGrpSpPr>
+      <p:grpSpPr>
+        <a:xfrm>
+          <a:off x="0" y="0"/>
+          <a:ext cx="0" cy="0"/>
+          <a:chOff x="0" y="0"/>
+          <a:chExt cx="0" cy="0"/>
+        </a:xfrm>
+      </p:grpSpPr>
+      <p:pic>
+        <p:nvPicPr>
+          <p:cNvPr id="24" name="그림 23">
+            <a:extLst>
+              <a:ext uri="{FF2B5EF4-FFF2-40B4-BE49-F238E27FC236}">
+                <a16:creationId xmlns:a16="http://schemas.microsoft.com/office/drawing/2014/main" id="{20427A74-67AB-45AF-939D-3D749B373F42}"/>
+              </a:ext>
+            </a:extLst>
+          </p:cNvPr>
+          <p:cNvPicPr>
+            <a:picLocks noChangeAspect="1"/>
+          </p:cNvPicPr>
+          <p:nvPr/>
+        </p:nvPicPr>
+        <p:blipFill rotWithShape="1">
+          <a:blip r:embed="rId2"/>
+          <a:srcRect t="23898"/>
+          <a:stretch/>
+        </p:blipFill>
+        <p:spPr>
+          <a:xfrm>
+            <a:off x="840746" y="2554329"/>
+            <a:ext cx="2282400" cy="3089190"/>
+          </a:xfrm>
+          <a:prstGeom prst="rect">
+            <a:avLst/>
+          </a:prstGeom>
+        </p:spPr>
+      </p:pic>
+      <p:sp>
+        <p:nvSpPr>
+          <p:cNvPr id="5" name="직사각형 4">
+            <a:extLst>
+              <a:ext uri="{FF2B5EF4-FFF2-40B4-BE49-F238E27FC236}">
+                <a16:creationId xmlns:a16="http://schemas.microsoft.com/office/drawing/2014/main" id="{284DD7ED-D641-4048-B2DC-2FD2B03ECAF3}"/>
+              </a:ext>
+            </a:extLst>
+          </p:cNvPr>
+          <p:cNvSpPr/>
+          <p:nvPr/>
+        </p:nvSpPr>
+        <p:spPr>
+          <a:xfrm>
+            <a:off x="859795" y="561040"/>
+            <a:ext cx="45719" cy="212031"/>
+          </a:xfrm>
+          <a:prstGeom prst="rect">
+            <a:avLst/>
+          </a:prstGeom>
+          <a:solidFill>
+            <a:srgbClr val="1A0C2F"/>
+          </a:solidFill>
+          <a:ln>
+            <a:noFill/>
+          </a:ln>
+        </p:spPr>
+        <p:style>
+          <a:lnRef idx="2">
+            <a:schemeClr val="accent1">
+              <a:shade val="50000"/>
+            </a:schemeClr>
+          </a:lnRef>
+          <a:fillRef idx="1">
+            <a:schemeClr val="accent1"/>
+          </a:fillRef>
+          <a:effectRef idx="0">
+            <a:schemeClr val="accent1"/>
+          </a:effectRef>
+          <a:fontRef idx="minor">
+            <a:schemeClr val="lt1"/>
+          </a:fontRef>
+        </p:style>
+        <p:txBody>
+          <a:bodyPr rtlCol="0" anchor="ctr"/>
+          <a:lstStyle/>
+          <a:p>
+            <a:pPr algn="ctr"/>
+            <a:endParaRPr lang="ko-KR" altLang="en-US" dirty="0"/>
+          </a:p>
+        </p:txBody>
+      </p:sp>
+      <p:sp>
+        <p:nvSpPr>
+          <p:cNvPr id="6" name="TextBox 5">
+            <a:extLst>
+              <a:ext uri="{FF2B5EF4-FFF2-40B4-BE49-F238E27FC236}">
+                <a16:creationId xmlns:a16="http://schemas.microsoft.com/office/drawing/2014/main" id="{ED4895FC-AD32-4677-B940-70D4BECD64E1}"/>
+              </a:ext>
+            </a:extLst>
+          </p:cNvPr>
+          <p:cNvSpPr txBox="1"/>
+          <p:nvPr/>
+        </p:nvSpPr>
+        <p:spPr>
+          <a:xfrm>
+            <a:off x="840746" y="513168"/>
+            <a:ext cx="1388522" cy="307777"/>
+          </a:xfrm>
+          <a:prstGeom prst="rect">
+            <a:avLst/>
+          </a:prstGeom>
+          <a:noFill/>
+        </p:spPr>
+        <p:txBody>
+          <a:bodyPr wrap="none" rtlCol="0">
+            <a:spAutoFit/>
+          </a:bodyPr>
+          <a:lstStyle/>
+          <a:p>
+            <a:r>
+              <a:rPr lang="en-US" altLang="ko-KR" sz="1400" b="1" dirty="0">
+                <a:solidFill>
+                  <a:srgbClr val="1A0C2F"/>
+                </a:solidFill>
+                <a:latin typeface="에스코어 드림 5 Medium" panose="020B0503030302020204" pitchFamily="34" charset="-127"/>
+                <a:ea typeface="에스코어 드림 5 Medium" panose="020B0503030302020204" pitchFamily="34" charset="-127"/>
+              </a:rPr>
+              <a:t>2-2. </a:t>
+            </a:r>
+            <a:r>
+              <a:rPr lang="ko-KR" altLang="en-US" sz="1400" b="1" dirty="0">
+                <a:solidFill>
+                  <a:srgbClr val="1A0C2F"/>
+                </a:solidFill>
+                <a:latin typeface="에스코어 드림 5 Medium" panose="020B0503030302020204" pitchFamily="34" charset="-127"/>
+                <a:ea typeface="에스코어 드림 5 Medium" panose="020B0503030302020204" pitchFamily="34" charset="-127"/>
+              </a:rPr>
+              <a:t>작동 점검</a:t>
+            </a:r>
+          </a:p>
+        </p:txBody>
+      </p:sp>
+      <p:sp>
+        <p:nvSpPr>
+          <p:cNvPr id="7" name="TextBox 6">
+            <a:extLst>
+              <a:ext uri="{FF2B5EF4-FFF2-40B4-BE49-F238E27FC236}">
+                <a16:creationId xmlns:a16="http://schemas.microsoft.com/office/drawing/2014/main" id="{CD091E2A-0CA9-46D9-96A4-09EEBF073158}"/>
+              </a:ext>
+            </a:extLst>
+          </p:cNvPr>
+          <p:cNvSpPr txBox="1"/>
+          <p:nvPr/>
+        </p:nvSpPr>
+        <p:spPr>
+          <a:xfrm>
+            <a:off x="745699" y="755794"/>
+            <a:ext cx="2818400" cy="461665"/>
+          </a:xfrm>
+          <a:prstGeom prst="rect">
+            <a:avLst/>
+          </a:prstGeom>
+          <a:noFill/>
+        </p:spPr>
+        <p:txBody>
+          <a:bodyPr wrap="none" rtlCol="0">
+            <a:spAutoFit/>
+          </a:bodyPr>
+          <a:lstStyle/>
+          <a:p>
+            <a:r>
+              <a:rPr lang="ko-KR" altLang="en-US" sz="2400" dirty="0">
+                <a:solidFill>
+                  <a:srgbClr val="1A0C2F"/>
+                </a:solidFill>
+                <a:latin typeface="에스코어 드림 9 Black" panose="020B0A03030302020204" pitchFamily="34" charset="-127"/>
+                <a:ea typeface="에스코어 드림 9 Black" panose="020B0A03030302020204" pitchFamily="34" charset="-127"/>
+              </a:rPr>
+              <a:t>타워 설치 과정 요약</a:t>
+            </a:r>
+          </a:p>
+        </p:txBody>
+      </p:sp>
+      <p:pic>
+        <p:nvPicPr>
+          <p:cNvPr id="9" name="Picture 2" descr="손가락 아이콘을 클릭하면 손이 벡터를 가리킵니다. 포인터 클릭 커서 화살표 아이콘 컴퓨터 마우스 클릭 | 프리미엄 벡터">
+            <a:extLst>
+              <a:ext uri="{FF2B5EF4-FFF2-40B4-BE49-F238E27FC236}">
+                <a16:creationId xmlns:a16="http://schemas.microsoft.com/office/drawing/2014/main" id="{C645EF67-661A-4344-A846-EC2609602BEB}"/>
+              </a:ext>
+            </a:extLst>
+          </p:cNvPr>
+          <p:cNvPicPr>
+            <a:picLocks noChangeAspect="1" noChangeArrowheads="1"/>
+          </p:cNvPicPr>
+          <p:nvPr/>
+        </p:nvPicPr>
+        <p:blipFill>
+          <a:blip r:embed="rId3">
+            <a:extLst>
+              <a:ext uri="{BEBA8EAE-BF5A-486C-A8C5-ECC9F3942E4B}">
+                <a14:imgProps xmlns:a14="http://schemas.microsoft.com/office/drawing/2010/main">
+                  <a14:imgLayer r:embed="rId4">
+                    <a14:imgEffect>
+                      <a14:backgroundRemoval t="10000" b="90000" l="10000" r="90000"/>
+                    </a14:imgEffect>
+                  </a14:imgLayer>
+                </a14:imgProps>
+              </a:ext>
+              <a:ext uri="{28A0092B-C50C-407E-A947-70E740481C1C}">
+                <a14:useLocalDpi xmlns:a14="http://schemas.microsoft.com/office/drawing/2010/main" val="0"/>
+              </a:ext>
+            </a:extLst>
+          </a:blip>
+          <a:srcRect/>
+          <a:stretch>
+            <a:fillRect/>
+          </a:stretch>
+        </p:blipFill>
+        <p:spPr bwMode="auto">
+          <a:xfrm>
+            <a:off x="2207938" y="3620851"/>
+            <a:ext cx="770928" cy="770928"/>
+          </a:xfrm>
+          <a:prstGeom prst="rect">
+            <a:avLst/>
+          </a:prstGeom>
+          <a:noFill/>
+          <a:extLst>
+            <a:ext uri="{909E8E84-426E-40DD-AFC4-6F175D3DCCD1}">
+              <a14:hiddenFill xmlns:a14="http://schemas.microsoft.com/office/drawing/2010/main">
+                <a:solidFill>
+                  <a:srgbClr val="FFFFFF"/>
+                </a:solidFill>
+              </a14:hiddenFill>
+            </a:ext>
+          </a:extLst>
+        </p:spPr>
+      </p:pic>
+      <p:cxnSp>
+        <p:nvCxnSpPr>
+          <p:cNvPr id="10" name="직선 화살표 연결선 9">
+            <a:extLst>
+              <a:ext uri="{FF2B5EF4-FFF2-40B4-BE49-F238E27FC236}">
+                <a16:creationId xmlns:a16="http://schemas.microsoft.com/office/drawing/2014/main" id="{D41CD3A3-A6A9-4A07-A812-3387AAD2BBD1}"/>
+              </a:ext>
+            </a:extLst>
+          </p:cNvPr>
+          <p:cNvCxnSpPr>
+            <a:cxnSpLocks/>
+          </p:cNvCxnSpPr>
+          <p:nvPr/>
+        </p:nvCxnSpPr>
+        <p:spPr>
+          <a:xfrm flipV="1">
+            <a:off x="2140702" y="3914775"/>
+            <a:ext cx="378732" cy="1312695"/>
+          </a:xfrm>
+          <a:prstGeom prst="straightConnector1">
+            <a:avLst/>
+          </a:prstGeom>
+          <a:ln w="25400">
+            <a:solidFill>
+              <a:srgbClr val="FF0000"/>
+            </a:solidFill>
+            <a:tailEnd type="triangle" w="lg" len="lg"/>
+          </a:ln>
+        </p:spPr>
+        <p:style>
+          <a:lnRef idx="1">
+            <a:schemeClr val="accent1"/>
+          </a:lnRef>
+          <a:fillRef idx="0">
+            <a:schemeClr val="accent1"/>
+          </a:fillRef>
+          <a:effectRef idx="0">
+            <a:schemeClr val="accent1"/>
+          </a:effectRef>
+          <a:fontRef idx="minor">
+            <a:schemeClr val="tx1"/>
+          </a:fontRef>
+        </p:style>
+      </p:cxnSp>
+      <p:sp>
+        <p:nvSpPr>
+          <p:cNvPr id="11" name="TextBox 10">
+            <a:extLst>
+              <a:ext uri="{FF2B5EF4-FFF2-40B4-BE49-F238E27FC236}">
+                <a16:creationId xmlns:a16="http://schemas.microsoft.com/office/drawing/2014/main" id="{F2187ED5-152E-4738-BDDF-FEF33630D7E4}"/>
+              </a:ext>
+            </a:extLst>
+          </p:cNvPr>
+          <p:cNvSpPr txBox="1"/>
+          <p:nvPr/>
+        </p:nvSpPr>
+        <p:spPr>
+          <a:xfrm>
+            <a:off x="1071006" y="2087578"/>
+            <a:ext cx="1822935" cy="365165"/>
+          </a:xfrm>
+          <a:prstGeom prst="rect">
+            <a:avLst/>
+          </a:prstGeom>
+          <a:noFill/>
+        </p:spPr>
+        <p:txBody>
+          <a:bodyPr wrap="none" rtlCol="0">
+            <a:spAutoFit/>
+          </a:bodyPr>
+          <a:lstStyle/>
+          <a:p>
+            <a:pPr>
+              <a:lnSpc>
+                <a:spcPct val="120000"/>
+              </a:lnSpc>
+            </a:pPr>
+            <a:r>
+              <a:rPr lang="ko-KR" altLang="en-US" sz="1600" dirty="0">
+                <a:solidFill>
+                  <a:schemeClr val="tx1">
+                    <a:lumMod val="85000"/>
+                    <a:lumOff val="15000"/>
+                  </a:schemeClr>
+                </a:solidFill>
+                <a:latin typeface="에스코어 드림 7 ExtraBold" panose="020B0803030302020204" pitchFamily="34" charset="-127"/>
+                <a:ea typeface="에스코어 드림 7 ExtraBold" panose="020B0803030302020204" pitchFamily="34" charset="-127"/>
+              </a:rPr>
+              <a:t>타워를 드래그하면</a:t>
+            </a:r>
+            <a:endParaRPr lang="en-US" altLang="ko-KR" sz="1100" dirty="0">
+              <a:solidFill>
+                <a:schemeClr val="tx1">
+                  <a:lumMod val="65000"/>
+                  <a:lumOff val="35000"/>
+                </a:schemeClr>
+              </a:solidFill>
+              <a:latin typeface="에스코어 드림 3 Light" panose="020B0303030302020204" pitchFamily="34" charset="-127"/>
+              <a:ea typeface="에스코어 드림 3 Light" panose="020B0303030302020204" pitchFamily="34" charset="-127"/>
+            </a:endParaRPr>
+          </a:p>
+        </p:txBody>
+      </p:sp>
+      <p:grpSp>
+        <p:nvGrpSpPr>
+          <p:cNvPr id="3" name="그룹 2">
+            <a:extLst>
+              <a:ext uri="{FF2B5EF4-FFF2-40B4-BE49-F238E27FC236}">
+                <a16:creationId xmlns:a16="http://schemas.microsoft.com/office/drawing/2014/main" id="{A68AA1F6-46BE-453D-9452-03E1209ECE8C}"/>
+              </a:ext>
+            </a:extLst>
+          </p:cNvPr>
+          <p:cNvGrpSpPr/>
+          <p:nvPr/>
+        </p:nvGrpSpPr>
+        <p:grpSpPr>
+          <a:xfrm>
+            <a:off x="4143006" y="2556427"/>
+            <a:ext cx="3478063" cy="2671043"/>
+            <a:chOff x="4043064" y="2556427"/>
+            <a:chExt cx="2879942" cy="2211705"/>
+          </a:xfrm>
+        </p:grpSpPr>
+        <p:pic>
+          <p:nvPicPr>
+            <p:cNvPr id="12" name="그림 11">
+              <a:extLst>
+                <a:ext uri="{FF2B5EF4-FFF2-40B4-BE49-F238E27FC236}">
+                  <a16:creationId xmlns:a16="http://schemas.microsoft.com/office/drawing/2014/main" id="{9841C7F3-7DB0-4DF6-9534-F2BCFF5AAFF0}"/>
+                </a:ext>
+              </a:extLst>
+            </p:cNvPr>
+            <p:cNvPicPr>
+              <a:picLocks noChangeAspect="1"/>
+            </p:cNvPicPr>
+            <p:nvPr/>
+          </p:nvPicPr>
+          <p:blipFill>
+            <a:blip r:embed="rId5"/>
+            <a:stretch>
+              <a:fillRect/>
+            </a:stretch>
+          </p:blipFill>
+          <p:spPr>
+            <a:xfrm>
+              <a:off x="4043064" y="2556427"/>
+              <a:ext cx="1290041" cy="1262397"/>
+            </a:xfrm>
+            <a:prstGeom prst="rect">
+              <a:avLst/>
+            </a:prstGeom>
+          </p:spPr>
+        </p:pic>
+        <p:pic>
+          <p:nvPicPr>
+            <p:cNvPr id="13" name="그림 12">
+              <a:extLst>
+                <a:ext uri="{FF2B5EF4-FFF2-40B4-BE49-F238E27FC236}">
+                  <a16:creationId xmlns:a16="http://schemas.microsoft.com/office/drawing/2014/main" id="{AA8F4D9A-0CA0-436B-8D37-56CDC9A9163C}"/>
+                </a:ext>
+              </a:extLst>
+            </p:cNvPr>
+            <p:cNvPicPr>
+              <a:picLocks noChangeAspect="1"/>
+            </p:cNvPicPr>
+            <p:nvPr/>
+          </p:nvPicPr>
+          <p:blipFill>
+            <a:blip r:embed="rId6"/>
+            <a:stretch>
+              <a:fillRect/>
+            </a:stretch>
+          </p:blipFill>
+          <p:spPr>
+            <a:xfrm>
+              <a:off x="4043064" y="3620851"/>
+              <a:ext cx="1290041" cy="817632"/>
+            </a:xfrm>
+            <a:prstGeom prst="rect">
+              <a:avLst/>
+            </a:prstGeom>
+          </p:spPr>
+        </p:pic>
+        <p:pic>
+          <p:nvPicPr>
+            <p:cNvPr id="14" name="그림 13">
+              <a:extLst>
+                <a:ext uri="{FF2B5EF4-FFF2-40B4-BE49-F238E27FC236}">
+                  <a16:creationId xmlns:a16="http://schemas.microsoft.com/office/drawing/2014/main" id="{CA6B013E-5BCE-4943-B150-BE80DD113715}"/>
+                </a:ext>
+              </a:extLst>
+            </p:cNvPr>
+            <p:cNvPicPr>
+              <a:picLocks noChangeAspect="1"/>
+            </p:cNvPicPr>
+            <p:nvPr/>
+          </p:nvPicPr>
+          <p:blipFill rotWithShape="1">
+            <a:blip r:embed="rId7"/>
+            <a:srcRect t="2303"/>
+            <a:stretch/>
+          </p:blipFill>
+          <p:spPr>
+            <a:xfrm>
+              <a:off x="5632965" y="2556427"/>
+              <a:ext cx="1290041" cy="1254356"/>
+            </a:xfrm>
+            <a:prstGeom prst="rect">
+              <a:avLst/>
+            </a:prstGeom>
+          </p:spPr>
+        </p:pic>
+        <p:pic>
+          <p:nvPicPr>
+            <p:cNvPr id="15" name="그림 14">
+              <a:extLst>
+                <a:ext uri="{FF2B5EF4-FFF2-40B4-BE49-F238E27FC236}">
+                  <a16:creationId xmlns:a16="http://schemas.microsoft.com/office/drawing/2014/main" id="{4FB18037-5CC7-45BA-ADF4-9664B5CF2AA9}"/>
+                </a:ext>
+              </a:extLst>
+            </p:cNvPr>
+            <p:cNvPicPr>
+              <a:picLocks noChangeAspect="1"/>
+            </p:cNvPicPr>
+            <p:nvPr/>
+          </p:nvPicPr>
+          <p:blipFill>
+            <a:blip r:embed="rId8"/>
+            <a:stretch>
+              <a:fillRect/>
+            </a:stretch>
+          </p:blipFill>
+          <p:spPr>
+            <a:xfrm>
+              <a:off x="5632965" y="3632887"/>
+              <a:ext cx="1290041" cy="805596"/>
+            </a:xfrm>
+            <a:prstGeom prst="rect">
+              <a:avLst/>
+            </a:prstGeom>
+          </p:spPr>
+        </p:pic>
+        <p:sp>
+          <p:nvSpPr>
+            <p:cNvPr id="16" name="TextBox 15">
+              <a:extLst>
+                <a:ext uri="{FF2B5EF4-FFF2-40B4-BE49-F238E27FC236}">
+                  <a16:creationId xmlns:a16="http://schemas.microsoft.com/office/drawing/2014/main" id="{FEA5ADDE-BCC0-42FF-B316-5727917400EE}"/>
+                </a:ext>
+              </a:extLst>
+            </p:cNvPr>
+            <p:cNvSpPr txBox="1"/>
+            <p:nvPr/>
+          </p:nvSpPr>
+          <p:spPr>
+            <a:xfrm>
+              <a:off x="4225457" y="4471191"/>
+              <a:ext cx="925253" cy="296941"/>
+            </a:xfrm>
+            <a:prstGeom prst="rect">
+              <a:avLst/>
+            </a:prstGeom>
+            <a:noFill/>
+          </p:spPr>
+          <p:txBody>
+            <a:bodyPr wrap="none" rtlCol="0">
+              <a:spAutoFit/>
+            </a:bodyPr>
+            <a:lstStyle/>
+            <a:p>
+              <a:pPr algn="ctr">
+                <a:lnSpc>
+                  <a:spcPct val="120000"/>
+                </a:lnSpc>
+              </a:pPr>
+              <a:r>
+                <a:rPr lang="en-US" altLang="ko-KR" sz="1200" dirty="0">
+                  <a:solidFill>
+                    <a:schemeClr val="tx1">
+                      <a:lumMod val="85000"/>
+                      <a:lumOff val="15000"/>
+                    </a:schemeClr>
+                  </a:solidFill>
+                  <a:latin typeface="에스코어 드림 3 Light" panose="020B0303030302020204" pitchFamily="34" charset="-127"/>
+                  <a:ea typeface="에스코어 드림 3 Light" panose="020B0303030302020204" pitchFamily="34" charset="-127"/>
+                </a:rPr>
+                <a:t>(</a:t>
+              </a:r>
+              <a:r>
+                <a:rPr lang="ko-KR" altLang="en-US" sz="1200" dirty="0">
+                  <a:solidFill>
+                    <a:schemeClr val="tx1">
+                      <a:lumMod val="85000"/>
+                      <a:lumOff val="15000"/>
+                    </a:schemeClr>
+                  </a:solidFill>
+                  <a:latin typeface="에스코어 드림 3 Light" panose="020B0303030302020204" pitchFamily="34" charset="-127"/>
+                  <a:ea typeface="에스코어 드림 3 Light" panose="020B0303030302020204" pitchFamily="34" charset="-127"/>
+                </a:rPr>
+                <a:t>평소 상태</a:t>
+              </a:r>
+              <a:r>
+                <a:rPr lang="en-US" altLang="ko-KR" sz="1200" dirty="0">
+                  <a:solidFill>
+                    <a:schemeClr val="tx1">
+                      <a:lumMod val="85000"/>
+                      <a:lumOff val="15000"/>
+                    </a:schemeClr>
+                  </a:solidFill>
+                  <a:latin typeface="에스코어 드림 3 Light" panose="020B0303030302020204" pitchFamily="34" charset="-127"/>
+                  <a:ea typeface="에스코어 드림 3 Light" panose="020B0303030302020204" pitchFamily="34" charset="-127"/>
+                </a:rPr>
+                <a:t>)</a:t>
+              </a:r>
+              <a:endParaRPr lang="en-US" altLang="ko-KR" sz="1100" dirty="0">
+                <a:solidFill>
+                  <a:schemeClr val="tx1">
+                    <a:lumMod val="65000"/>
+                    <a:lumOff val="35000"/>
+                  </a:schemeClr>
+                </a:solidFill>
+                <a:latin typeface="에스코어 드림 3 Light" panose="020B0303030302020204" pitchFamily="34" charset="-127"/>
+                <a:ea typeface="에스코어 드림 3 Light" panose="020B0303030302020204" pitchFamily="34" charset="-127"/>
+              </a:endParaRPr>
+            </a:p>
+          </p:txBody>
+        </p:sp>
+        <p:sp>
+          <p:nvSpPr>
+            <p:cNvPr id="17" name="TextBox 16">
+              <a:extLst>
+                <a:ext uri="{FF2B5EF4-FFF2-40B4-BE49-F238E27FC236}">
+                  <a16:creationId xmlns:a16="http://schemas.microsoft.com/office/drawing/2014/main" id="{705858ED-7B41-4B60-94FA-DC6AD6F93320}"/>
+                </a:ext>
+              </a:extLst>
+            </p:cNvPr>
+            <p:cNvSpPr txBox="1"/>
+            <p:nvPr/>
+          </p:nvSpPr>
+          <p:spPr>
+            <a:xfrm>
+              <a:off x="5741619" y="4471191"/>
+              <a:ext cx="1072731" cy="296941"/>
+            </a:xfrm>
+            <a:prstGeom prst="rect">
+              <a:avLst/>
+            </a:prstGeom>
+            <a:noFill/>
+          </p:spPr>
+          <p:txBody>
+            <a:bodyPr wrap="none" rtlCol="0">
+              <a:spAutoFit/>
+            </a:bodyPr>
+            <a:lstStyle/>
+            <a:p>
+              <a:pPr algn="ctr">
+                <a:lnSpc>
+                  <a:spcPct val="120000"/>
+                </a:lnSpc>
+              </a:pPr>
+              <a:r>
+                <a:rPr lang="en-US" altLang="ko-KR" sz="1200" dirty="0">
+                  <a:solidFill>
+                    <a:schemeClr val="tx1">
+                      <a:lumMod val="85000"/>
+                      <a:lumOff val="15000"/>
+                    </a:schemeClr>
+                  </a:solidFill>
+                  <a:latin typeface="에스코어 드림 3 Light" panose="020B0303030302020204" pitchFamily="34" charset="-127"/>
+                  <a:ea typeface="에스코어 드림 3 Light" panose="020B0303030302020204" pitchFamily="34" charset="-127"/>
+                </a:rPr>
+                <a:t>(</a:t>
+              </a:r>
+              <a:r>
+                <a:rPr lang="ko-KR" altLang="en-US" sz="1200" dirty="0">
+                  <a:solidFill>
+                    <a:schemeClr val="tx1">
+                      <a:lumMod val="85000"/>
+                      <a:lumOff val="15000"/>
+                    </a:schemeClr>
+                  </a:solidFill>
+                  <a:latin typeface="에스코어 드림 3 Light" panose="020B0303030302020204" pitchFamily="34" charset="-127"/>
+                  <a:ea typeface="에스코어 드림 3 Light" panose="020B0303030302020204" pitchFamily="34" charset="-127"/>
+                </a:rPr>
+                <a:t>드래그 상태</a:t>
+              </a:r>
+              <a:r>
+                <a:rPr lang="en-US" altLang="ko-KR" sz="1200" dirty="0">
+                  <a:solidFill>
+                    <a:schemeClr val="tx1">
+                      <a:lumMod val="85000"/>
+                      <a:lumOff val="15000"/>
+                    </a:schemeClr>
+                  </a:solidFill>
+                  <a:latin typeface="에스코어 드림 3 Light" panose="020B0303030302020204" pitchFamily="34" charset="-127"/>
+                  <a:ea typeface="에스코어 드림 3 Light" panose="020B0303030302020204" pitchFamily="34" charset="-127"/>
+                </a:rPr>
+                <a:t>)</a:t>
+              </a:r>
+              <a:endParaRPr lang="en-US" altLang="ko-KR" sz="1100" dirty="0">
+                <a:solidFill>
+                  <a:schemeClr val="tx1">
+                    <a:lumMod val="65000"/>
+                    <a:lumOff val="35000"/>
+                  </a:schemeClr>
+                </a:solidFill>
+                <a:latin typeface="에스코어 드림 3 Light" panose="020B0303030302020204" pitchFamily="34" charset="-127"/>
+                <a:ea typeface="에스코어 드림 3 Light" panose="020B0303030302020204" pitchFamily="34" charset="-127"/>
+              </a:endParaRPr>
+            </a:p>
+          </p:txBody>
+        </p:sp>
+      </p:grpSp>
+      <p:sp>
+        <p:nvSpPr>
+          <p:cNvPr id="18" name="TextBox 17">
+            <a:extLst>
+              <a:ext uri="{FF2B5EF4-FFF2-40B4-BE49-F238E27FC236}">
+                <a16:creationId xmlns:a16="http://schemas.microsoft.com/office/drawing/2014/main" id="{DE1F1FAE-72DD-4C26-BC6B-0F8481658353}"/>
+              </a:ext>
+            </a:extLst>
+          </p:cNvPr>
+          <p:cNvSpPr txBox="1"/>
+          <p:nvPr/>
+        </p:nvSpPr>
+        <p:spPr>
+          <a:xfrm>
+            <a:off x="4022394" y="2087578"/>
+            <a:ext cx="3719288" cy="365165"/>
+          </a:xfrm>
+          <a:prstGeom prst="rect">
+            <a:avLst/>
+          </a:prstGeom>
+          <a:noFill/>
+        </p:spPr>
+        <p:txBody>
+          <a:bodyPr wrap="none" rtlCol="0">
+            <a:spAutoFit/>
+          </a:bodyPr>
+          <a:lstStyle/>
+          <a:p>
+            <a:pPr algn="ctr">
+              <a:lnSpc>
+                <a:spcPct val="120000"/>
+              </a:lnSpc>
+            </a:pPr>
+            <a:r>
+              <a:rPr lang="ko-KR" altLang="en-US" sz="1600" dirty="0">
+                <a:solidFill>
+                  <a:schemeClr val="tx1">
+                    <a:lumMod val="85000"/>
+                    <a:lumOff val="15000"/>
+                  </a:schemeClr>
+                </a:solidFill>
+                <a:latin typeface="에스코어 드림 7 ExtraBold" panose="020B0803030302020204" pitchFamily="34" charset="-127"/>
+                <a:ea typeface="에스코어 드림 7 ExtraBold" panose="020B0803030302020204" pitchFamily="34" charset="-127"/>
+              </a:rPr>
+              <a:t>공격범위와 격자 오브젝트가 활성화되며</a:t>
+            </a:r>
+            <a:endParaRPr lang="en-US" altLang="ko-KR" sz="1100" dirty="0">
+              <a:solidFill>
+                <a:schemeClr val="tx1">
+                  <a:lumMod val="65000"/>
+                  <a:lumOff val="35000"/>
+                </a:schemeClr>
+              </a:solidFill>
+              <a:latin typeface="에스코어 드림 3 Light" panose="020B0303030302020204" pitchFamily="34" charset="-127"/>
+              <a:ea typeface="에스코어 드림 3 Light" panose="020B0303030302020204" pitchFamily="34" charset="-127"/>
+            </a:endParaRPr>
+          </a:p>
+        </p:txBody>
+      </p:sp>
+      <p:sp>
+        <p:nvSpPr>
+          <p:cNvPr id="19" name="TextBox 18">
+            <a:extLst>
+              <a:ext uri="{FF2B5EF4-FFF2-40B4-BE49-F238E27FC236}">
+                <a16:creationId xmlns:a16="http://schemas.microsoft.com/office/drawing/2014/main" id="{C5CDB58B-4E8B-4CF3-894F-069108BA8161}"/>
+              </a:ext>
+            </a:extLst>
+          </p:cNvPr>
+          <p:cNvSpPr txBox="1"/>
+          <p:nvPr/>
+        </p:nvSpPr>
+        <p:spPr>
+          <a:xfrm>
+            <a:off x="8037526" y="2087578"/>
+            <a:ext cx="3313728" cy="365165"/>
+          </a:xfrm>
+          <a:prstGeom prst="rect">
+            <a:avLst/>
+          </a:prstGeom>
+          <a:noFill/>
+        </p:spPr>
+        <p:txBody>
+          <a:bodyPr wrap="none" rtlCol="0">
+            <a:spAutoFit/>
+          </a:bodyPr>
+          <a:lstStyle/>
+          <a:p>
+            <a:pPr>
+              <a:lnSpc>
+                <a:spcPct val="120000"/>
+              </a:lnSpc>
+            </a:pPr>
+            <a:r>
+              <a:rPr lang="ko-KR" altLang="en-US" sz="1600" dirty="0">
+                <a:solidFill>
+                  <a:schemeClr val="tx1">
+                    <a:lumMod val="85000"/>
+                    <a:lumOff val="15000"/>
+                  </a:schemeClr>
+                </a:solidFill>
+                <a:latin typeface="에스코어 드림 7 ExtraBold" panose="020B0803030302020204" pitchFamily="34" charset="-127"/>
+                <a:ea typeface="에스코어 드림 7 ExtraBold" panose="020B0803030302020204" pitchFamily="34" charset="-127"/>
+              </a:rPr>
+              <a:t>드래그 중일 때</a:t>
+            </a:r>
+            <a:r>
+              <a:rPr lang="en-US" altLang="ko-KR" sz="1600" dirty="0">
+                <a:solidFill>
+                  <a:schemeClr val="tx1">
+                    <a:lumMod val="85000"/>
+                    <a:lumOff val="15000"/>
+                  </a:schemeClr>
+                </a:solidFill>
+                <a:latin typeface="에스코어 드림 7 ExtraBold" panose="020B0803030302020204" pitchFamily="34" charset="-127"/>
+                <a:ea typeface="에스코어 드림 7 ExtraBold" panose="020B0803030302020204" pitchFamily="34" charset="-127"/>
+              </a:rPr>
+              <a:t>, </a:t>
+            </a:r>
+            <a:r>
+              <a:rPr lang="ko-KR" altLang="en-US" sz="1600" dirty="0">
+                <a:solidFill>
+                  <a:schemeClr val="tx1">
+                    <a:lumMod val="85000"/>
+                    <a:lumOff val="15000"/>
+                  </a:schemeClr>
+                </a:solidFill>
+                <a:latin typeface="에스코어 드림 7 ExtraBold" panose="020B0803030302020204" pitchFamily="34" charset="-127"/>
+                <a:ea typeface="에스코어 드림 7 ExtraBold" panose="020B0803030302020204" pitchFamily="34" charset="-127"/>
+              </a:rPr>
+              <a:t>맵에 격자가 표시됨</a:t>
+            </a:r>
+            <a:endParaRPr lang="en-US" altLang="ko-KR" sz="1100" dirty="0">
+              <a:solidFill>
+                <a:schemeClr val="tx1">
+                  <a:lumMod val="65000"/>
+                  <a:lumOff val="35000"/>
+                </a:schemeClr>
+              </a:solidFill>
+              <a:latin typeface="에스코어 드림 3 Light" panose="020B0303030302020204" pitchFamily="34" charset="-127"/>
+              <a:ea typeface="에스코어 드림 3 Light" panose="020B0303030302020204" pitchFamily="34" charset="-127"/>
+            </a:endParaRPr>
+          </a:p>
+        </p:txBody>
+      </p:sp>
+      <p:pic>
+        <p:nvPicPr>
+          <p:cNvPr id="27" name="그림 26">
+            <a:extLst>
+              <a:ext uri="{FF2B5EF4-FFF2-40B4-BE49-F238E27FC236}">
+                <a16:creationId xmlns:a16="http://schemas.microsoft.com/office/drawing/2014/main" id="{D37636D1-DF5E-429C-B63F-601E46FED588}"/>
+              </a:ext>
+            </a:extLst>
+          </p:cNvPr>
+          <p:cNvPicPr>
+            <a:picLocks noChangeAspect="1"/>
+          </p:cNvPicPr>
+          <p:nvPr/>
+        </p:nvPicPr>
+        <p:blipFill rotWithShape="1">
+          <a:blip r:embed="rId9"/>
+          <a:srcRect b="24532"/>
+          <a:stretch/>
+        </p:blipFill>
+        <p:spPr>
+          <a:xfrm>
+            <a:off x="8553190" y="2554330"/>
+            <a:ext cx="2282400" cy="3089190"/>
+          </a:xfrm>
+          <a:prstGeom prst="rect">
+            <a:avLst/>
+          </a:prstGeom>
+        </p:spPr>
+      </p:pic>
+      <p:sp>
+        <p:nvSpPr>
+          <p:cNvPr id="28" name="TextBox 27">
+            <a:extLst>
+              <a:ext uri="{FF2B5EF4-FFF2-40B4-BE49-F238E27FC236}">
+                <a16:creationId xmlns:a16="http://schemas.microsoft.com/office/drawing/2014/main" id="{FAF7F21E-C73D-48F8-B5D8-2B266BC27198}"/>
+              </a:ext>
+            </a:extLst>
+          </p:cNvPr>
+          <p:cNvSpPr txBox="1"/>
+          <p:nvPr/>
+        </p:nvSpPr>
+        <p:spPr>
+          <a:xfrm>
+            <a:off x="4412731" y="5495048"/>
+            <a:ext cx="2938626" cy="296941"/>
+          </a:xfrm>
+          <a:prstGeom prst="rect">
+            <a:avLst/>
+          </a:prstGeom>
+          <a:noFill/>
+        </p:spPr>
+        <p:txBody>
+          <a:bodyPr wrap="none" rtlCol="0">
+            <a:spAutoFit/>
+          </a:bodyPr>
+          <a:lstStyle/>
+          <a:p>
+            <a:pPr algn="ctr">
+              <a:lnSpc>
+                <a:spcPct val="120000"/>
+              </a:lnSpc>
+            </a:pPr>
+            <a:r>
+              <a:rPr lang="en-US" altLang="ko-KR" sz="1200" dirty="0">
+                <a:solidFill>
+                  <a:schemeClr val="tx1">
+                    <a:lumMod val="85000"/>
+                    <a:lumOff val="15000"/>
+                  </a:schemeClr>
+                </a:solidFill>
+                <a:latin typeface="에스코어 드림 3 Light" panose="020B0303030302020204" pitchFamily="34" charset="-127"/>
+                <a:ea typeface="에스코어 드림 3 Light" panose="020B0303030302020204" pitchFamily="34" charset="-127"/>
+              </a:rPr>
+              <a:t>※</a:t>
+            </a:r>
+            <a:r>
+              <a:rPr lang="ko-KR" altLang="en-US" sz="1200" dirty="0">
+                <a:solidFill>
+                  <a:schemeClr val="tx1">
+                    <a:lumMod val="85000"/>
+                    <a:lumOff val="15000"/>
+                  </a:schemeClr>
+                </a:solidFill>
+                <a:latin typeface="에스코어 드림 3 Light" panose="020B0303030302020204" pitchFamily="34" charset="-127"/>
+                <a:ea typeface="에스코어 드림 3 Light" panose="020B0303030302020204" pitchFamily="34" charset="-127"/>
+              </a:rPr>
+              <a:t>공격범위는 임시로 넣은 것</a:t>
+            </a:r>
+            <a:r>
+              <a:rPr lang="en-US" altLang="ko-KR" sz="1200" dirty="0">
+                <a:solidFill>
+                  <a:schemeClr val="tx1">
+                    <a:lumMod val="85000"/>
+                    <a:lumOff val="15000"/>
+                  </a:schemeClr>
+                </a:solidFill>
+                <a:latin typeface="에스코어 드림 3 Light" panose="020B0303030302020204" pitchFamily="34" charset="-127"/>
+                <a:ea typeface="에스코어 드림 3 Light" panose="020B0303030302020204" pitchFamily="34" charset="-127"/>
+              </a:rPr>
+              <a:t>. </a:t>
+            </a:r>
+            <a:r>
+              <a:rPr lang="ko-KR" altLang="en-US" sz="1200" dirty="0">
+                <a:solidFill>
+                  <a:schemeClr val="tx1">
+                    <a:lumMod val="85000"/>
+                    <a:lumOff val="15000"/>
+                  </a:schemeClr>
+                </a:solidFill>
+                <a:latin typeface="에스코어 드림 3 Light" panose="020B0303030302020204" pitchFamily="34" charset="-127"/>
+                <a:ea typeface="에스코어 드림 3 Light" panose="020B0303030302020204" pitchFamily="34" charset="-127"/>
+              </a:rPr>
+              <a:t>테이블 값 </a:t>
+            </a:r>
+            <a:r>
+              <a:rPr lang="en-US" altLang="ko-KR" sz="1200" dirty="0">
+                <a:solidFill>
+                  <a:schemeClr val="tx1">
+                    <a:lumMod val="85000"/>
+                    <a:lumOff val="15000"/>
+                  </a:schemeClr>
+                </a:solidFill>
+                <a:latin typeface="에스코어 드림 3 Light" panose="020B0303030302020204" pitchFamily="34" charset="-127"/>
+                <a:ea typeface="에스코어 드림 3 Light" panose="020B0303030302020204" pitchFamily="34" charset="-127"/>
+              </a:rPr>
+              <a:t>x</a:t>
+            </a:r>
+          </a:p>
+        </p:txBody>
+      </p:sp>
+      <p:sp>
+        <p:nvSpPr>
+          <p:cNvPr id="30" name="이등변 삼각형 29">
+            <a:extLst>
+              <a:ext uri="{FF2B5EF4-FFF2-40B4-BE49-F238E27FC236}">
+                <a16:creationId xmlns:a16="http://schemas.microsoft.com/office/drawing/2014/main" id="{E5200E4B-D69D-470B-9E2F-8CD795ECA379}"/>
+              </a:ext>
+            </a:extLst>
+          </p:cNvPr>
+          <p:cNvSpPr/>
+          <p:nvPr/>
+        </p:nvSpPr>
+        <p:spPr>
+          <a:xfrm rot="16200000">
+            <a:off x="6791109" y="4262481"/>
+            <a:ext cx="163894" cy="141288"/>
+          </a:xfrm>
+          <a:prstGeom prst="triangle">
+            <a:avLst/>
+          </a:prstGeom>
+          <a:solidFill>
+            <a:srgbClr val="00D2FF"/>
+          </a:solidFill>
+          <a:ln>
+            <a:noFill/>
+          </a:ln>
+        </p:spPr>
+        <p:style>
+          <a:lnRef idx="2">
+            <a:schemeClr val="accent1">
+              <a:shade val="50000"/>
+            </a:schemeClr>
+          </a:lnRef>
+          <a:fillRef idx="1">
+            <a:schemeClr val="accent1"/>
+          </a:fillRef>
+          <a:effectRef idx="0">
+            <a:schemeClr val="accent1"/>
+          </a:effectRef>
+          <a:fontRef idx="minor">
+            <a:schemeClr val="lt1"/>
+          </a:fontRef>
+        </p:style>
+        <p:txBody>
+          <a:bodyPr rtlCol="0" anchor="ctr"/>
+          <a:lstStyle/>
+          <a:p>
+            <a:pPr algn="ctr"/>
+            <a:endParaRPr lang="ko-KR" altLang="en-US"/>
+          </a:p>
+        </p:txBody>
+      </p:sp>
+    </p:spTree>
+    <p:extLst>
+      <p:ext uri="{BB962C8B-B14F-4D97-AF65-F5344CB8AC3E}">
+        <p14:creationId xmlns:p14="http://schemas.microsoft.com/office/powerpoint/2010/main" val="2567234236"/>
       </p:ext>
     </p:extLst>
   </p:cSld>
